--- a/01 Classes/Aula2 - CLP - Arquitetura.pptx
+++ b/01 Classes/Aula2 - CLP - Arquitetura.pptx
@@ -5,17 +5,35 @@
     <p:sldMasterId id="2147483648" r:id="rId1"/>
   </p:sldMasterIdLst>
   <p:notesMasterIdLst>
-    <p:notesMasterId r:id="rId10"/>
+    <p:notesMasterId r:id="rId28"/>
   </p:notesMasterIdLst>
   <p:sldIdLst>
     <p:sldId id="256" r:id="rId2"/>
     <p:sldId id="291" r:id="rId3"/>
     <p:sldId id="354" r:id="rId4"/>
-    <p:sldId id="333" r:id="rId5"/>
-    <p:sldId id="323" r:id="rId6"/>
-    <p:sldId id="360" r:id="rId7"/>
-    <p:sldId id="337" r:id="rId8"/>
-    <p:sldId id="309" r:id="rId9"/>
+    <p:sldId id="361" r:id="rId5"/>
+    <p:sldId id="362" r:id="rId6"/>
+    <p:sldId id="363" r:id="rId7"/>
+    <p:sldId id="364" r:id="rId8"/>
+    <p:sldId id="366" r:id="rId9"/>
+    <p:sldId id="377" r:id="rId10"/>
+    <p:sldId id="378" r:id="rId11"/>
+    <p:sldId id="367" r:id="rId12"/>
+    <p:sldId id="365" r:id="rId13"/>
+    <p:sldId id="368" r:id="rId14"/>
+    <p:sldId id="369" r:id="rId15"/>
+    <p:sldId id="370" r:id="rId16"/>
+    <p:sldId id="371" r:id="rId17"/>
+    <p:sldId id="372" r:id="rId18"/>
+    <p:sldId id="373" r:id="rId19"/>
+    <p:sldId id="374" r:id="rId20"/>
+    <p:sldId id="375" r:id="rId21"/>
+    <p:sldId id="376" r:id="rId22"/>
+    <p:sldId id="333" r:id="rId23"/>
+    <p:sldId id="323" r:id="rId24"/>
+    <p:sldId id="360" r:id="rId25"/>
+    <p:sldId id="337" r:id="rId26"/>
+    <p:sldId id="309" r:id="rId27"/>
   </p:sldIdLst>
   <p:sldSz cx="9144000" cy="5143500" type="screen16x9"/>
   <p:notesSz cx="6858000" cy="9144000"/>
@@ -562,6 +580,846 @@
 </p:notes>
 </file>
 
+<file path=ppt/notesSlides/notesSlide10.xml><?xml version="1.0" encoding="utf-8"?>
+<p:notes xmlns:a="http://schemas.openxmlformats.org/drawingml/2006/main" xmlns:r="http://schemas.openxmlformats.org/officeDocument/2006/relationships" xmlns:p="http://schemas.openxmlformats.org/presentationml/2006/main">
+  <p:cSld>
+    <p:spTree>
+      <p:nvGrpSpPr>
+        <p:cNvPr id="1" name="">
+          <a:extLst>
+            <a:ext uri="{FF2B5EF4-FFF2-40B4-BE49-F238E27FC236}">
+              <a16:creationId xmlns:a16="http://schemas.microsoft.com/office/drawing/2014/main" id="{EDDE63A2-F026-2EB3-7F72-2BFAC4C37ED3}"/>
+            </a:ext>
+          </a:extLst>
+        </p:cNvPr>
+        <p:cNvGrpSpPr/>
+        <p:nvPr/>
+      </p:nvGrpSpPr>
+      <p:grpSpPr>
+        <a:xfrm>
+          <a:off x="0" y="0"/>
+          <a:ext cx="0" cy="0"/>
+          <a:chOff x="0" y="0"/>
+          <a:chExt cx="0" cy="0"/>
+        </a:xfrm>
+      </p:grpSpPr>
+      <p:sp>
+        <p:nvSpPr>
+          <p:cNvPr id="2" name="Espaço Reservado para Imagem de Slide 1">
+            <a:extLst>
+              <a:ext uri="{FF2B5EF4-FFF2-40B4-BE49-F238E27FC236}">
+                <a16:creationId xmlns:a16="http://schemas.microsoft.com/office/drawing/2014/main" id="{75FBE950-CD79-6D6C-EAA0-BA15241B16CE}"/>
+              </a:ext>
+            </a:extLst>
+          </p:cNvPr>
+          <p:cNvSpPr>
+            <a:spLocks noGrp="1" noRot="1" noChangeAspect="1"/>
+          </p:cNvSpPr>
+          <p:nvPr>
+            <p:ph type="sldImg"/>
+          </p:nvPr>
+        </p:nvSpPr>
+        <p:spPr>
+          <a:xfrm>
+            <a:off x="381000" y="685800"/>
+            <a:ext cx="6096000" cy="3429000"/>
+          </a:xfrm>
+        </p:spPr>
+      </p:sp>
+      <p:sp>
+        <p:nvSpPr>
+          <p:cNvPr id="3" name="Espaço Reservado para Anotações 2">
+            <a:extLst>
+              <a:ext uri="{FF2B5EF4-FFF2-40B4-BE49-F238E27FC236}">
+                <a16:creationId xmlns:a16="http://schemas.microsoft.com/office/drawing/2014/main" id="{C58F55FC-FA4B-8F90-8CAC-B19B08CAC7DA}"/>
+              </a:ext>
+            </a:extLst>
+          </p:cNvPr>
+          <p:cNvSpPr>
+            <a:spLocks noGrp="1"/>
+          </p:cNvSpPr>
+          <p:nvPr>
+            <p:ph type="body" idx="1"/>
+          </p:nvPr>
+        </p:nvSpPr>
+        <p:spPr/>
+        <p:txBody>
+          <a:bodyPr/>
+          <a:lstStyle/>
+          <a:p>
+            <a:endParaRPr lang="pt-BR" dirty="0"/>
+          </a:p>
+        </p:txBody>
+      </p:sp>
+    </p:spTree>
+    <p:extLst>
+      <p:ext uri="{BB962C8B-B14F-4D97-AF65-F5344CB8AC3E}">
+        <p14:creationId xmlns:p14="http://schemas.microsoft.com/office/powerpoint/2010/main" val="1906260621"/>
+      </p:ext>
+    </p:extLst>
+  </p:cSld>
+  <p:clrMapOvr>
+    <a:masterClrMapping/>
+  </p:clrMapOvr>
+</p:notes>
+</file>
+
+<file path=ppt/notesSlides/notesSlide11.xml><?xml version="1.0" encoding="utf-8"?>
+<p:notes xmlns:a="http://schemas.openxmlformats.org/drawingml/2006/main" xmlns:r="http://schemas.openxmlformats.org/officeDocument/2006/relationships" xmlns:p="http://schemas.openxmlformats.org/presentationml/2006/main">
+  <p:cSld>
+    <p:spTree>
+      <p:nvGrpSpPr>
+        <p:cNvPr id="1" name="">
+          <a:extLst>
+            <a:ext uri="{FF2B5EF4-FFF2-40B4-BE49-F238E27FC236}">
+              <a16:creationId xmlns:a16="http://schemas.microsoft.com/office/drawing/2014/main" id="{86DCE198-216F-0338-44F2-5BC9F6C341FF}"/>
+            </a:ext>
+          </a:extLst>
+        </p:cNvPr>
+        <p:cNvGrpSpPr/>
+        <p:nvPr/>
+      </p:nvGrpSpPr>
+      <p:grpSpPr>
+        <a:xfrm>
+          <a:off x="0" y="0"/>
+          <a:ext cx="0" cy="0"/>
+          <a:chOff x="0" y="0"/>
+          <a:chExt cx="0" cy="0"/>
+        </a:xfrm>
+      </p:grpSpPr>
+      <p:sp>
+        <p:nvSpPr>
+          <p:cNvPr id="2" name="Espaço Reservado para Imagem de Slide 1">
+            <a:extLst>
+              <a:ext uri="{FF2B5EF4-FFF2-40B4-BE49-F238E27FC236}">
+                <a16:creationId xmlns:a16="http://schemas.microsoft.com/office/drawing/2014/main" id="{549836F6-D5F8-A466-D518-716E98DE3363}"/>
+              </a:ext>
+            </a:extLst>
+          </p:cNvPr>
+          <p:cNvSpPr>
+            <a:spLocks noGrp="1" noRot="1" noChangeAspect="1"/>
+          </p:cNvSpPr>
+          <p:nvPr>
+            <p:ph type="sldImg"/>
+          </p:nvPr>
+        </p:nvSpPr>
+        <p:spPr>
+          <a:xfrm>
+            <a:off x="381000" y="685800"/>
+            <a:ext cx="6096000" cy="3429000"/>
+          </a:xfrm>
+        </p:spPr>
+      </p:sp>
+      <p:sp>
+        <p:nvSpPr>
+          <p:cNvPr id="3" name="Espaço Reservado para Anotações 2">
+            <a:extLst>
+              <a:ext uri="{FF2B5EF4-FFF2-40B4-BE49-F238E27FC236}">
+                <a16:creationId xmlns:a16="http://schemas.microsoft.com/office/drawing/2014/main" id="{B53FBEDD-CB5F-424C-A842-4FE255CEDBC8}"/>
+              </a:ext>
+            </a:extLst>
+          </p:cNvPr>
+          <p:cNvSpPr>
+            <a:spLocks noGrp="1"/>
+          </p:cNvSpPr>
+          <p:nvPr>
+            <p:ph type="body" idx="1"/>
+          </p:nvPr>
+        </p:nvSpPr>
+        <p:spPr/>
+        <p:txBody>
+          <a:bodyPr/>
+          <a:lstStyle/>
+          <a:p>
+            <a:endParaRPr lang="pt-BR" dirty="0"/>
+          </a:p>
+        </p:txBody>
+      </p:sp>
+    </p:spTree>
+    <p:extLst>
+      <p:ext uri="{BB962C8B-B14F-4D97-AF65-F5344CB8AC3E}">
+        <p14:creationId xmlns:p14="http://schemas.microsoft.com/office/powerpoint/2010/main" val="107647646"/>
+      </p:ext>
+    </p:extLst>
+  </p:cSld>
+  <p:clrMapOvr>
+    <a:masterClrMapping/>
+  </p:clrMapOvr>
+</p:notes>
+</file>
+
+<file path=ppt/notesSlides/notesSlide12.xml><?xml version="1.0" encoding="utf-8"?>
+<p:notes xmlns:a="http://schemas.openxmlformats.org/drawingml/2006/main" xmlns:r="http://schemas.openxmlformats.org/officeDocument/2006/relationships" xmlns:p="http://schemas.openxmlformats.org/presentationml/2006/main">
+  <p:cSld>
+    <p:spTree>
+      <p:nvGrpSpPr>
+        <p:cNvPr id="1" name="">
+          <a:extLst>
+            <a:ext uri="{FF2B5EF4-FFF2-40B4-BE49-F238E27FC236}">
+              <a16:creationId xmlns:a16="http://schemas.microsoft.com/office/drawing/2014/main" id="{7AFD6992-3EA7-75B0-4248-6FBEE67F3D85}"/>
+            </a:ext>
+          </a:extLst>
+        </p:cNvPr>
+        <p:cNvGrpSpPr/>
+        <p:nvPr/>
+      </p:nvGrpSpPr>
+      <p:grpSpPr>
+        <a:xfrm>
+          <a:off x="0" y="0"/>
+          <a:ext cx="0" cy="0"/>
+          <a:chOff x="0" y="0"/>
+          <a:chExt cx="0" cy="0"/>
+        </a:xfrm>
+      </p:grpSpPr>
+      <p:sp>
+        <p:nvSpPr>
+          <p:cNvPr id="2" name="Espaço Reservado para Imagem de Slide 1">
+            <a:extLst>
+              <a:ext uri="{FF2B5EF4-FFF2-40B4-BE49-F238E27FC236}">
+                <a16:creationId xmlns:a16="http://schemas.microsoft.com/office/drawing/2014/main" id="{83725648-EBFD-DBBF-191E-D4F9719E3041}"/>
+              </a:ext>
+            </a:extLst>
+          </p:cNvPr>
+          <p:cNvSpPr>
+            <a:spLocks noGrp="1" noRot="1" noChangeAspect="1"/>
+          </p:cNvSpPr>
+          <p:nvPr>
+            <p:ph type="sldImg"/>
+          </p:nvPr>
+        </p:nvSpPr>
+        <p:spPr>
+          <a:xfrm>
+            <a:off x="381000" y="685800"/>
+            <a:ext cx="6096000" cy="3429000"/>
+          </a:xfrm>
+        </p:spPr>
+      </p:sp>
+      <p:sp>
+        <p:nvSpPr>
+          <p:cNvPr id="3" name="Espaço Reservado para Anotações 2">
+            <a:extLst>
+              <a:ext uri="{FF2B5EF4-FFF2-40B4-BE49-F238E27FC236}">
+                <a16:creationId xmlns:a16="http://schemas.microsoft.com/office/drawing/2014/main" id="{E6600655-D699-3A81-D563-F9CCE494605C}"/>
+              </a:ext>
+            </a:extLst>
+          </p:cNvPr>
+          <p:cNvSpPr>
+            <a:spLocks noGrp="1"/>
+          </p:cNvSpPr>
+          <p:nvPr>
+            <p:ph type="body" idx="1"/>
+          </p:nvPr>
+        </p:nvSpPr>
+        <p:spPr/>
+        <p:txBody>
+          <a:bodyPr/>
+          <a:lstStyle/>
+          <a:p>
+            <a:endParaRPr lang="pt-BR" dirty="0"/>
+          </a:p>
+        </p:txBody>
+      </p:sp>
+    </p:spTree>
+    <p:extLst>
+      <p:ext uri="{BB962C8B-B14F-4D97-AF65-F5344CB8AC3E}">
+        <p14:creationId xmlns:p14="http://schemas.microsoft.com/office/powerpoint/2010/main" val="1717635924"/>
+      </p:ext>
+    </p:extLst>
+  </p:cSld>
+  <p:clrMapOvr>
+    <a:masterClrMapping/>
+  </p:clrMapOvr>
+</p:notes>
+</file>
+
+<file path=ppt/notesSlides/notesSlide13.xml><?xml version="1.0" encoding="utf-8"?>
+<p:notes xmlns:a="http://schemas.openxmlformats.org/drawingml/2006/main" xmlns:r="http://schemas.openxmlformats.org/officeDocument/2006/relationships" xmlns:p="http://schemas.openxmlformats.org/presentationml/2006/main">
+  <p:cSld>
+    <p:spTree>
+      <p:nvGrpSpPr>
+        <p:cNvPr id="1" name="">
+          <a:extLst>
+            <a:ext uri="{FF2B5EF4-FFF2-40B4-BE49-F238E27FC236}">
+              <a16:creationId xmlns:a16="http://schemas.microsoft.com/office/drawing/2014/main" id="{C7DDB422-B8BF-6BD8-A044-AB8E397A85A7}"/>
+            </a:ext>
+          </a:extLst>
+        </p:cNvPr>
+        <p:cNvGrpSpPr/>
+        <p:nvPr/>
+      </p:nvGrpSpPr>
+      <p:grpSpPr>
+        <a:xfrm>
+          <a:off x="0" y="0"/>
+          <a:ext cx="0" cy="0"/>
+          <a:chOff x="0" y="0"/>
+          <a:chExt cx="0" cy="0"/>
+        </a:xfrm>
+      </p:grpSpPr>
+      <p:sp>
+        <p:nvSpPr>
+          <p:cNvPr id="2" name="Espaço Reservado para Imagem de Slide 1">
+            <a:extLst>
+              <a:ext uri="{FF2B5EF4-FFF2-40B4-BE49-F238E27FC236}">
+                <a16:creationId xmlns:a16="http://schemas.microsoft.com/office/drawing/2014/main" id="{54BDB316-2589-25A3-E058-8B6C97A4EC11}"/>
+              </a:ext>
+            </a:extLst>
+          </p:cNvPr>
+          <p:cNvSpPr>
+            <a:spLocks noGrp="1" noRot="1" noChangeAspect="1"/>
+          </p:cNvSpPr>
+          <p:nvPr>
+            <p:ph type="sldImg"/>
+          </p:nvPr>
+        </p:nvSpPr>
+        <p:spPr>
+          <a:xfrm>
+            <a:off x="381000" y="685800"/>
+            <a:ext cx="6096000" cy="3429000"/>
+          </a:xfrm>
+        </p:spPr>
+      </p:sp>
+      <p:sp>
+        <p:nvSpPr>
+          <p:cNvPr id="3" name="Espaço Reservado para Anotações 2">
+            <a:extLst>
+              <a:ext uri="{FF2B5EF4-FFF2-40B4-BE49-F238E27FC236}">
+                <a16:creationId xmlns:a16="http://schemas.microsoft.com/office/drawing/2014/main" id="{795EEAAE-5BF1-81EB-640E-89E2E4DD80BE}"/>
+              </a:ext>
+            </a:extLst>
+          </p:cNvPr>
+          <p:cNvSpPr>
+            <a:spLocks noGrp="1"/>
+          </p:cNvSpPr>
+          <p:nvPr>
+            <p:ph type="body" idx="1"/>
+          </p:nvPr>
+        </p:nvSpPr>
+        <p:spPr/>
+        <p:txBody>
+          <a:bodyPr/>
+          <a:lstStyle/>
+          <a:p>
+            <a:endParaRPr lang="pt-BR" dirty="0"/>
+          </a:p>
+        </p:txBody>
+      </p:sp>
+    </p:spTree>
+    <p:extLst>
+      <p:ext uri="{BB962C8B-B14F-4D97-AF65-F5344CB8AC3E}">
+        <p14:creationId xmlns:p14="http://schemas.microsoft.com/office/powerpoint/2010/main" val="3577242800"/>
+      </p:ext>
+    </p:extLst>
+  </p:cSld>
+  <p:clrMapOvr>
+    <a:masterClrMapping/>
+  </p:clrMapOvr>
+</p:notes>
+</file>
+
+<file path=ppt/notesSlides/notesSlide14.xml><?xml version="1.0" encoding="utf-8"?>
+<p:notes xmlns:a="http://schemas.openxmlformats.org/drawingml/2006/main" xmlns:r="http://schemas.openxmlformats.org/officeDocument/2006/relationships" xmlns:p="http://schemas.openxmlformats.org/presentationml/2006/main">
+  <p:cSld>
+    <p:spTree>
+      <p:nvGrpSpPr>
+        <p:cNvPr id="1" name="">
+          <a:extLst>
+            <a:ext uri="{FF2B5EF4-FFF2-40B4-BE49-F238E27FC236}">
+              <a16:creationId xmlns:a16="http://schemas.microsoft.com/office/drawing/2014/main" id="{5A037F80-A49F-228B-BFE5-1079C5BCE094}"/>
+            </a:ext>
+          </a:extLst>
+        </p:cNvPr>
+        <p:cNvGrpSpPr/>
+        <p:nvPr/>
+      </p:nvGrpSpPr>
+      <p:grpSpPr>
+        <a:xfrm>
+          <a:off x="0" y="0"/>
+          <a:ext cx="0" cy="0"/>
+          <a:chOff x="0" y="0"/>
+          <a:chExt cx="0" cy="0"/>
+        </a:xfrm>
+      </p:grpSpPr>
+      <p:sp>
+        <p:nvSpPr>
+          <p:cNvPr id="2" name="Espaço Reservado para Imagem de Slide 1">
+            <a:extLst>
+              <a:ext uri="{FF2B5EF4-FFF2-40B4-BE49-F238E27FC236}">
+                <a16:creationId xmlns:a16="http://schemas.microsoft.com/office/drawing/2014/main" id="{D120C760-685E-78C8-65C9-81B9C5B0D016}"/>
+              </a:ext>
+            </a:extLst>
+          </p:cNvPr>
+          <p:cNvSpPr>
+            <a:spLocks noGrp="1" noRot="1" noChangeAspect="1"/>
+          </p:cNvSpPr>
+          <p:nvPr>
+            <p:ph type="sldImg"/>
+          </p:nvPr>
+        </p:nvSpPr>
+        <p:spPr>
+          <a:xfrm>
+            <a:off x="381000" y="685800"/>
+            <a:ext cx="6096000" cy="3429000"/>
+          </a:xfrm>
+        </p:spPr>
+      </p:sp>
+      <p:sp>
+        <p:nvSpPr>
+          <p:cNvPr id="3" name="Espaço Reservado para Anotações 2">
+            <a:extLst>
+              <a:ext uri="{FF2B5EF4-FFF2-40B4-BE49-F238E27FC236}">
+                <a16:creationId xmlns:a16="http://schemas.microsoft.com/office/drawing/2014/main" id="{28374761-76CE-5611-1F5E-3F73CFC11876}"/>
+              </a:ext>
+            </a:extLst>
+          </p:cNvPr>
+          <p:cNvSpPr>
+            <a:spLocks noGrp="1"/>
+          </p:cNvSpPr>
+          <p:nvPr>
+            <p:ph type="body" idx="1"/>
+          </p:nvPr>
+        </p:nvSpPr>
+        <p:spPr/>
+        <p:txBody>
+          <a:bodyPr/>
+          <a:lstStyle/>
+          <a:p>
+            <a:endParaRPr lang="pt-BR" dirty="0"/>
+          </a:p>
+        </p:txBody>
+      </p:sp>
+    </p:spTree>
+    <p:extLst>
+      <p:ext uri="{BB962C8B-B14F-4D97-AF65-F5344CB8AC3E}">
+        <p14:creationId xmlns:p14="http://schemas.microsoft.com/office/powerpoint/2010/main" val="3544851092"/>
+      </p:ext>
+    </p:extLst>
+  </p:cSld>
+  <p:clrMapOvr>
+    <a:masterClrMapping/>
+  </p:clrMapOvr>
+</p:notes>
+</file>
+
+<file path=ppt/notesSlides/notesSlide15.xml><?xml version="1.0" encoding="utf-8"?>
+<p:notes xmlns:a="http://schemas.openxmlformats.org/drawingml/2006/main" xmlns:r="http://schemas.openxmlformats.org/officeDocument/2006/relationships" xmlns:p="http://schemas.openxmlformats.org/presentationml/2006/main">
+  <p:cSld>
+    <p:spTree>
+      <p:nvGrpSpPr>
+        <p:cNvPr id="1" name="">
+          <a:extLst>
+            <a:ext uri="{FF2B5EF4-FFF2-40B4-BE49-F238E27FC236}">
+              <a16:creationId xmlns:a16="http://schemas.microsoft.com/office/drawing/2014/main" id="{19AF1A29-0EFD-B9F9-0ADA-73E7EE88B61B}"/>
+            </a:ext>
+          </a:extLst>
+        </p:cNvPr>
+        <p:cNvGrpSpPr/>
+        <p:nvPr/>
+      </p:nvGrpSpPr>
+      <p:grpSpPr>
+        <a:xfrm>
+          <a:off x="0" y="0"/>
+          <a:ext cx="0" cy="0"/>
+          <a:chOff x="0" y="0"/>
+          <a:chExt cx="0" cy="0"/>
+        </a:xfrm>
+      </p:grpSpPr>
+      <p:sp>
+        <p:nvSpPr>
+          <p:cNvPr id="2" name="Espaço Reservado para Imagem de Slide 1">
+            <a:extLst>
+              <a:ext uri="{FF2B5EF4-FFF2-40B4-BE49-F238E27FC236}">
+                <a16:creationId xmlns:a16="http://schemas.microsoft.com/office/drawing/2014/main" id="{DE170260-F7BC-4AEA-C020-B9BE8AF73F64}"/>
+              </a:ext>
+            </a:extLst>
+          </p:cNvPr>
+          <p:cNvSpPr>
+            <a:spLocks noGrp="1" noRot="1" noChangeAspect="1"/>
+          </p:cNvSpPr>
+          <p:nvPr>
+            <p:ph type="sldImg"/>
+          </p:nvPr>
+        </p:nvSpPr>
+        <p:spPr>
+          <a:xfrm>
+            <a:off x="381000" y="685800"/>
+            <a:ext cx="6096000" cy="3429000"/>
+          </a:xfrm>
+        </p:spPr>
+      </p:sp>
+      <p:sp>
+        <p:nvSpPr>
+          <p:cNvPr id="3" name="Espaço Reservado para Anotações 2">
+            <a:extLst>
+              <a:ext uri="{FF2B5EF4-FFF2-40B4-BE49-F238E27FC236}">
+                <a16:creationId xmlns:a16="http://schemas.microsoft.com/office/drawing/2014/main" id="{13163F83-736D-46A0-BCF4-80B2F981BDDB}"/>
+              </a:ext>
+            </a:extLst>
+          </p:cNvPr>
+          <p:cNvSpPr>
+            <a:spLocks noGrp="1"/>
+          </p:cNvSpPr>
+          <p:nvPr>
+            <p:ph type="body" idx="1"/>
+          </p:nvPr>
+        </p:nvSpPr>
+        <p:spPr/>
+        <p:txBody>
+          <a:bodyPr/>
+          <a:lstStyle/>
+          <a:p>
+            <a:endParaRPr lang="pt-BR" dirty="0"/>
+          </a:p>
+        </p:txBody>
+      </p:sp>
+    </p:spTree>
+    <p:extLst>
+      <p:ext uri="{BB962C8B-B14F-4D97-AF65-F5344CB8AC3E}">
+        <p14:creationId xmlns:p14="http://schemas.microsoft.com/office/powerpoint/2010/main" val="2328973424"/>
+      </p:ext>
+    </p:extLst>
+  </p:cSld>
+  <p:clrMapOvr>
+    <a:masterClrMapping/>
+  </p:clrMapOvr>
+</p:notes>
+</file>
+
+<file path=ppt/notesSlides/notesSlide16.xml><?xml version="1.0" encoding="utf-8"?>
+<p:notes xmlns:a="http://schemas.openxmlformats.org/drawingml/2006/main" xmlns:r="http://schemas.openxmlformats.org/officeDocument/2006/relationships" xmlns:p="http://schemas.openxmlformats.org/presentationml/2006/main">
+  <p:cSld>
+    <p:spTree>
+      <p:nvGrpSpPr>
+        <p:cNvPr id="1" name="">
+          <a:extLst>
+            <a:ext uri="{FF2B5EF4-FFF2-40B4-BE49-F238E27FC236}">
+              <a16:creationId xmlns:a16="http://schemas.microsoft.com/office/drawing/2014/main" id="{16D2684A-617E-5FF0-B1E0-38085165AC8C}"/>
+            </a:ext>
+          </a:extLst>
+        </p:cNvPr>
+        <p:cNvGrpSpPr/>
+        <p:nvPr/>
+      </p:nvGrpSpPr>
+      <p:grpSpPr>
+        <a:xfrm>
+          <a:off x="0" y="0"/>
+          <a:ext cx="0" cy="0"/>
+          <a:chOff x="0" y="0"/>
+          <a:chExt cx="0" cy="0"/>
+        </a:xfrm>
+      </p:grpSpPr>
+      <p:sp>
+        <p:nvSpPr>
+          <p:cNvPr id="2" name="Espaço Reservado para Imagem de Slide 1">
+            <a:extLst>
+              <a:ext uri="{FF2B5EF4-FFF2-40B4-BE49-F238E27FC236}">
+                <a16:creationId xmlns:a16="http://schemas.microsoft.com/office/drawing/2014/main" id="{C9E63B4B-9904-D290-AA7E-17D7761AB2F2}"/>
+              </a:ext>
+            </a:extLst>
+          </p:cNvPr>
+          <p:cNvSpPr>
+            <a:spLocks noGrp="1" noRot="1" noChangeAspect="1"/>
+          </p:cNvSpPr>
+          <p:nvPr>
+            <p:ph type="sldImg"/>
+          </p:nvPr>
+        </p:nvSpPr>
+        <p:spPr>
+          <a:xfrm>
+            <a:off x="381000" y="685800"/>
+            <a:ext cx="6096000" cy="3429000"/>
+          </a:xfrm>
+        </p:spPr>
+      </p:sp>
+      <p:sp>
+        <p:nvSpPr>
+          <p:cNvPr id="3" name="Espaço Reservado para Anotações 2">
+            <a:extLst>
+              <a:ext uri="{FF2B5EF4-FFF2-40B4-BE49-F238E27FC236}">
+                <a16:creationId xmlns:a16="http://schemas.microsoft.com/office/drawing/2014/main" id="{68436587-E2BF-21F8-CCE8-DC53D7CCB305}"/>
+              </a:ext>
+            </a:extLst>
+          </p:cNvPr>
+          <p:cNvSpPr>
+            <a:spLocks noGrp="1"/>
+          </p:cNvSpPr>
+          <p:nvPr>
+            <p:ph type="body" idx="1"/>
+          </p:nvPr>
+        </p:nvSpPr>
+        <p:spPr/>
+        <p:txBody>
+          <a:bodyPr/>
+          <a:lstStyle/>
+          <a:p>
+            <a:endParaRPr lang="pt-BR" dirty="0"/>
+          </a:p>
+        </p:txBody>
+      </p:sp>
+    </p:spTree>
+    <p:extLst>
+      <p:ext uri="{BB962C8B-B14F-4D97-AF65-F5344CB8AC3E}">
+        <p14:creationId xmlns:p14="http://schemas.microsoft.com/office/powerpoint/2010/main" val="2385431423"/>
+      </p:ext>
+    </p:extLst>
+  </p:cSld>
+  <p:clrMapOvr>
+    <a:masterClrMapping/>
+  </p:clrMapOvr>
+</p:notes>
+</file>
+
+<file path=ppt/notesSlides/notesSlide17.xml><?xml version="1.0" encoding="utf-8"?>
+<p:notes xmlns:a="http://schemas.openxmlformats.org/drawingml/2006/main" xmlns:r="http://schemas.openxmlformats.org/officeDocument/2006/relationships" xmlns:p="http://schemas.openxmlformats.org/presentationml/2006/main">
+  <p:cSld>
+    <p:spTree>
+      <p:nvGrpSpPr>
+        <p:cNvPr id="1" name="">
+          <a:extLst>
+            <a:ext uri="{FF2B5EF4-FFF2-40B4-BE49-F238E27FC236}">
+              <a16:creationId xmlns:a16="http://schemas.microsoft.com/office/drawing/2014/main" id="{F94131F6-D0AE-BB1D-5078-DBC8DA7B3413}"/>
+            </a:ext>
+          </a:extLst>
+        </p:cNvPr>
+        <p:cNvGrpSpPr/>
+        <p:nvPr/>
+      </p:nvGrpSpPr>
+      <p:grpSpPr>
+        <a:xfrm>
+          <a:off x="0" y="0"/>
+          <a:ext cx="0" cy="0"/>
+          <a:chOff x="0" y="0"/>
+          <a:chExt cx="0" cy="0"/>
+        </a:xfrm>
+      </p:grpSpPr>
+      <p:sp>
+        <p:nvSpPr>
+          <p:cNvPr id="2" name="Espaço Reservado para Imagem de Slide 1">
+            <a:extLst>
+              <a:ext uri="{FF2B5EF4-FFF2-40B4-BE49-F238E27FC236}">
+                <a16:creationId xmlns:a16="http://schemas.microsoft.com/office/drawing/2014/main" id="{03BA5CD6-4965-0EB3-624D-E5C65646EF12}"/>
+              </a:ext>
+            </a:extLst>
+          </p:cNvPr>
+          <p:cNvSpPr>
+            <a:spLocks noGrp="1" noRot="1" noChangeAspect="1"/>
+          </p:cNvSpPr>
+          <p:nvPr>
+            <p:ph type="sldImg"/>
+          </p:nvPr>
+        </p:nvSpPr>
+        <p:spPr>
+          <a:xfrm>
+            <a:off x="381000" y="685800"/>
+            <a:ext cx="6096000" cy="3429000"/>
+          </a:xfrm>
+        </p:spPr>
+      </p:sp>
+      <p:sp>
+        <p:nvSpPr>
+          <p:cNvPr id="3" name="Espaço Reservado para Anotações 2">
+            <a:extLst>
+              <a:ext uri="{FF2B5EF4-FFF2-40B4-BE49-F238E27FC236}">
+                <a16:creationId xmlns:a16="http://schemas.microsoft.com/office/drawing/2014/main" id="{647AEE04-FDD0-E8A8-CE94-350D074FFC1D}"/>
+              </a:ext>
+            </a:extLst>
+          </p:cNvPr>
+          <p:cNvSpPr>
+            <a:spLocks noGrp="1"/>
+          </p:cNvSpPr>
+          <p:nvPr>
+            <p:ph type="body" idx="1"/>
+          </p:nvPr>
+        </p:nvSpPr>
+        <p:spPr/>
+        <p:txBody>
+          <a:bodyPr/>
+          <a:lstStyle/>
+          <a:p>
+            <a:endParaRPr lang="pt-BR" dirty="0"/>
+          </a:p>
+        </p:txBody>
+      </p:sp>
+    </p:spTree>
+    <p:extLst>
+      <p:ext uri="{BB962C8B-B14F-4D97-AF65-F5344CB8AC3E}">
+        <p14:creationId xmlns:p14="http://schemas.microsoft.com/office/powerpoint/2010/main" val="2266274610"/>
+      </p:ext>
+    </p:extLst>
+  </p:cSld>
+  <p:clrMapOvr>
+    <a:masterClrMapping/>
+  </p:clrMapOvr>
+</p:notes>
+</file>
+
+<file path=ppt/notesSlides/notesSlide18.xml><?xml version="1.0" encoding="utf-8"?>
+<p:notes xmlns:a="http://schemas.openxmlformats.org/drawingml/2006/main" xmlns:r="http://schemas.openxmlformats.org/officeDocument/2006/relationships" xmlns:p="http://schemas.openxmlformats.org/presentationml/2006/main">
+  <p:cSld>
+    <p:spTree>
+      <p:nvGrpSpPr>
+        <p:cNvPr id="1" name="">
+          <a:extLst>
+            <a:ext uri="{FF2B5EF4-FFF2-40B4-BE49-F238E27FC236}">
+              <a16:creationId xmlns:a16="http://schemas.microsoft.com/office/drawing/2014/main" id="{CD271084-B93D-3364-8C4F-B268A50A10BD}"/>
+            </a:ext>
+          </a:extLst>
+        </p:cNvPr>
+        <p:cNvGrpSpPr/>
+        <p:nvPr/>
+      </p:nvGrpSpPr>
+      <p:grpSpPr>
+        <a:xfrm>
+          <a:off x="0" y="0"/>
+          <a:ext cx="0" cy="0"/>
+          <a:chOff x="0" y="0"/>
+          <a:chExt cx="0" cy="0"/>
+        </a:xfrm>
+      </p:grpSpPr>
+      <p:sp>
+        <p:nvSpPr>
+          <p:cNvPr id="2" name="Espaço Reservado para Imagem de Slide 1">
+            <a:extLst>
+              <a:ext uri="{FF2B5EF4-FFF2-40B4-BE49-F238E27FC236}">
+                <a16:creationId xmlns:a16="http://schemas.microsoft.com/office/drawing/2014/main" id="{AFC87BEF-8732-3653-A56A-29571916787D}"/>
+              </a:ext>
+            </a:extLst>
+          </p:cNvPr>
+          <p:cNvSpPr>
+            <a:spLocks noGrp="1" noRot="1" noChangeAspect="1"/>
+          </p:cNvSpPr>
+          <p:nvPr>
+            <p:ph type="sldImg"/>
+          </p:nvPr>
+        </p:nvSpPr>
+        <p:spPr>
+          <a:xfrm>
+            <a:off x="381000" y="685800"/>
+            <a:ext cx="6096000" cy="3429000"/>
+          </a:xfrm>
+        </p:spPr>
+      </p:sp>
+      <p:sp>
+        <p:nvSpPr>
+          <p:cNvPr id="3" name="Espaço Reservado para Anotações 2">
+            <a:extLst>
+              <a:ext uri="{FF2B5EF4-FFF2-40B4-BE49-F238E27FC236}">
+                <a16:creationId xmlns:a16="http://schemas.microsoft.com/office/drawing/2014/main" id="{38D52CB4-6C8E-397A-7A21-125F54FDC3A7}"/>
+              </a:ext>
+            </a:extLst>
+          </p:cNvPr>
+          <p:cNvSpPr>
+            <a:spLocks noGrp="1"/>
+          </p:cNvSpPr>
+          <p:nvPr>
+            <p:ph type="body" idx="1"/>
+          </p:nvPr>
+        </p:nvSpPr>
+        <p:spPr/>
+        <p:txBody>
+          <a:bodyPr/>
+          <a:lstStyle/>
+          <a:p>
+            <a:endParaRPr lang="pt-BR" dirty="0"/>
+          </a:p>
+        </p:txBody>
+      </p:sp>
+    </p:spTree>
+    <p:extLst>
+      <p:ext uri="{BB962C8B-B14F-4D97-AF65-F5344CB8AC3E}">
+        <p14:creationId xmlns:p14="http://schemas.microsoft.com/office/powerpoint/2010/main" val="2336446892"/>
+      </p:ext>
+    </p:extLst>
+  </p:cSld>
+  <p:clrMapOvr>
+    <a:masterClrMapping/>
+  </p:clrMapOvr>
+</p:notes>
+</file>
+
+<file path=ppt/notesSlides/notesSlide19.xml><?xml version="1.0" encoding="utf-8"?>
+<p:notes xmlns:a="http://schemas.openxmlformats.org/drawingml/2006/main" xmlns:r="http://schemas.openxmlformats.org/officeDocument/2006/relationships" xmlns:p="http://schemas.openxmlformats.org/presentationml/2006/main">
+  <p:cSld>
+    <p:spTree>
+      <p:nvGrpSpPr>
+        <p:cNvPr id="1" name="">
+          <a:extLst>
+            <a:ext uri="{FF2B5EF4-FFF2-40B4-BE49-F238E27FC236}">
+              <a16:creationId xmlns:a16="http://schemas.microsoft.com/office/drawing/2014/main" id="{3AFDA1C7-3EB0-E154-DE69-CF26BF1CF0DC}"/>
+            </a:ext>
+          </a:extLst>
+        </p:cNvPr>
+        <p:cNvGrpSpPr/>
+        <p:nvPr/>
+      </p:nvGrpSpPr>
+      <p:grpSpPr>
+        <a:xfrm>
+          <a:off x="0" y="0"/>
+          <a:ext cx="0" cy="0"/>
+          <a:chOff x="0" y="0"/>
+          <a:chExt cx="0" cy="0"/>
+        </a:xfrm>
+      </p:grpSpPr>
+      <p:sp>
+        <p:nvSpPr>
+          <p:cNvPr id="2" name="Espaço Reservado para Imagem de Slide 1">
+            <a:extLst>
+              <a:ext uri="{FF2B5EF4-FFF2-40B4-BE49-F238E27FC236}">
+                <a16:creationId xmlns:a16="http://schemas.microsoft.com/office/drawing/2014/main" id="{F844F2B3-EE24-9C68-0516-D73774B4675C}"/>
+              </a:ext>
+            </a:extLst>
+          </p:cNvPr>
+          <p:cNvSpPr>
+            <a:spLocks noGrp="1" noRot="1" noChangeAspect="1"/>
+          </p:cNvSpPr>
+          <p:nvPr>
+            <p:ph type="sldImg"/>
+          </p:nvPr>
+        </p:nvSpPr>
+        <p:spPr>
+          <a:xfrm>
+            <a:off x="381000" y="685800"/>
+            <a:ext cx="6096000" cy="3429000"/>
+          </a:xfrm>
+        </p:spPr>
+      </p:sp>
+      <p:sp>
+        <p:nvSpPr>
+          <p:cNvPr id="3" name="Espaço Reservado para Anotações 2">
+            <a:extLst>
+              <a:ext uri="{FF2B5EF4-FFF2-40B4-BE49-F238E27FC236}">
+                <a16:creationId xmlns:a16="http://schemas.microsoft.com/office/drawing/2014/main" id="{9AA131CD-85AA-D646-2F81-6F80A557F04F}"/>
+              </a:ext>
+            </a:extLst>
+          </p:cNvPr>
+          <p:cNvSpPr>
+            <a:spLocks noGrp="1"/>
+          </p:cNvSpPr>
+          <p:nvPr>
+            <p:ph type="body" idx="1"/>
+          </p:nvPr>
+        </p:nvSpPr>
+        <p:spPr/>
+        <p:txBody>
+          <a:bodyPr/>
+          <a:lstStyle/>
+          <a:p>
+            <a:endParaRPr lang="pt-BR" dirty="0"/>
+          </a:p>
+        </p:txBody>
+      </p:sp>
+    </p:spTree>
+    <p:extLst>
+      <p:ext uri="{BB962C8B-B14F-4D97-AF65-F5344CB8AC3E}">
+        <p14:creationId xmlns:p14="http://schemas.microsoft.com/office/powerpoint/2010/main" val="885860209"/>
+      </p:ext>
+    </p:extLst>
+  </p:cSld>
+  <p:clrMapOvr>
+    <a:masterClrMapping/>
+  </p:clrMapOvr>
+</p:notes>
+</file>
+
 <file path=ppt/notesSlides/notesSlide2.xml><?xml version="1.0" encoding="utf-8"?>
 <p:notes xmlns:a="http://schemas.openxmlformats.org/drawingml/2006/main" xmlns:r="http://schemas.openxmlformats.org/officeDocument/2006/relationships" xmlns:p="http://schemas.openxmlformats.org/presentationml/2006/main">
   <p:cSld>
@@ -646,7 +1504,91 @@
 </p:notes>
 </file>
 
-<file path=ppt/notesSlides/notesSlide3.xml><?xml version="1.0" encoding="utf-8"?>
+<file path=ppt/notesSlides/notesSlide20.xml><?xml version="1.0" encoding="utf-8"?>
+<p:notes xmlns:a="http://schemas.openxmlformats.org/drawingml/2006/main" xmlns:r="http://schemas.openxmlformats.org/officeDocument/2006/relationships" xmlns:p="http://schemas.openxmlformats.org/presentationml/2006/main">
+  <p:cSld>
+    <p:spTree>
+      <p:nvGrpSpPr>
+        <p:cNvPr id="1" name="">
+          <a:extLst>
+            <a:ext uri="{FF2B5EF4-FFF2-40B4-BE49-F238E27FC236}">
+              <a16:creationId xmlns:a16="http://schemas.microsoft.com/office/drawing/2014/main" id="{7B27DF19-9D55-B955-71DE-B6CC0D59C47C}"/>
+            </a:ext>
+          </a:extLst>
+        </p:cNvPr>
+        <p:cNvGrpSpPr/>
+        <p:nvPr/>
+      </p:nvGrpSpPr>
+      <p:grpSpPr>
+        <a:xfrm>
+          <a:off x="0" y="0"/>
+          <a:ext cx="0" cy="0"/>
+          <a:chOff x="0" y="0"/>
+          <a:chExt cx="0" cy="0"/>
+        </a:xfrm>
+      </p:grpSpPr>
+      <p:sp>
+        <p:nvSpPr>
+          <p:cNvPr id="2" name="Espaço Reservado para Imagem de Slide 1">
+            <a:extLst>
+              <a:ext uri="{FF2B5EF4-FFF2-40B4-BE49-F238E27FC236}">
+                <a16:creationId xmlns:a16="http://schemas.microsoft.com/office/drawing/2014/main" id="{670FB68D-73DE-747F-8047-4FCFF5479927}"/>
+              </a:ext>
+            </a:extLst>
+          </p:cNvPr>
+          <p:cNvSpPr>
+            <a:spLocks noGrp="1" noRot="1" noChangeAspect="1"/>
+          </p:cNvSpPr>
+          <p:nvPr>
+            <p:ph type="sldImg"/>
+          </p:nvPr>
+        </p:nvSpPr>
+        <p:spPr>
+          <a:xfrm>
+            <a:off x="381000" y="685800"/>
+            <a:ext cx="6096000" cy="3429000"/>
+          </a:xfrm>
+        </p:spPr>
+      </p:sp>
+      <p:sp>
+        <p:nvSpPr>
+          <p:cNvPr id="3" name="Espaço Reservado para Anotações 2">
+            <a:extLst>
+              <a:ext uri="{FF2B5EF4-FFF2-40B4-BE49-F238E27FC236}">
+                <a16:creationId xmlns:a16="http://schemas.microsoft.com/office/drawing/2014/main" id="{2A8B8A74-2082-CD72-9EB8-131A95B6F21E}"/>
+              </a:ext>
+            </a:extLst>
+          </p:cNvPr>
+          <p:cNvSpPr>
+            <a:spLocks noGrp="1"/>
+          </p:cNvSpPr>
+          <p:nvPr>
+            <p:ph type="body" idx="1"/>
+          </p:nvPr>
+        </p:nvSpPr>
+        <p:spPr/>
+        <p:txBody>
+          <a:bodyPr/>
+          <a:lstStyle/>
+          <a:p>
+            <a:endParaRPr lang="pt-BR" dirty="0"/>
+          </a:p>
+        </p:txBody>
+      </p:sp>
+    </p:spTree>
+    <p:extLst>
+      <p:ext uri="{BB962C8B-B14F-4D97-AF65-F5344CB8AC3E}">
+        <p14:creationId xmlns:p14="http://schemas.microsoft.com/office/powerpoint/2010/main" val="3289251507"/>
+      </p:ext>
+    </p:extLst>
+  </p:cSld>
+  <p:clrMapOvr>
+    <a:masterClrMapping/>
+  </p:clrMapOvr>
+</p:notes>
+</file>
+
+<file path=ppt/notesSlides/notesSlide21.xml><?xml version="1.0" encoding="utf-8"?>
 <p:notes xmlns:a="http://schemas.openxmlformats.org/drawingml/2006/main" xmlns:r="http://schemas.openxmlformats.org/officeDocument/2006/relationships" xmlns:p="http://schemas.openxmlformats.org/presentationml/2006/main">
   <p:cSld>
     <p:spTree>
@@ -712,7 +1654,7 @@
 </p:notes>
 </file>
 
-<file path=ppt/notesSlides/notesSlide4.xml><?xml version="1.0" encoding="utf-8"?>
+<file path=ppt/notesSlides/notesSlide22.xml><?xml version="1.0" encoding="utf-8"?>
 <p:notes xmlns:a="http://schemas.openxmlformats.org/drawingml/2006/main" xmlns:r="http://schemas.openxmlformats.org/officeDocument/2006/relationships" xmlns:p="http://schemas.openxmlformats.org/presentationml/2006/main">
   <p:cSld>
     <p:spTree>
@@ -778,7 +1720,7 @@
 </p:notes>
 </file>
 
-<file path=ppt/notesSlides/notesSlide5.xml><?xml version="1.0" encoding="utf-8"?>
+<file path=ppt/notesSlides/notesSlide23.xml><?xml version="1.0" encoding="utf-8"?>
 <p:notes xmlns:a="http://schemas.openxmlformats.org/drawingml/2006/main" xmlns:r="http://schemas.openxmlformats.org/officeDocument/2006/relationships" xmlns:p="http://schemas.openxmlformats.org/presentationml/2006/main">
   <p:cSld>
     <p:spTree>
@@ -862,7 +1804,7 @@
 </p:notes>
 </file>
 
-<file path=ppt/notesSlides/notesSlide6.xml><?xml version="1.0" encoding="utf-8"?>
+<file path=ppt/notesSlides/notesSlide24.xml><?xml version="1.0" encoding="utf-8"?>
 <p:notes xmlns:a="http://schemas.openxmlformats.org/drawingml/2006/main" xmlns:r="http://schemas.openxmlformats.org/officeDocument/2006/relationships" xmlns:p="http://schemas.openxmlformats.org/presentationml/2006/main">
   <p:cSld>
     <p:spTree>
@@ -919,6 +1861,594 @@
     <p:extLst>
       <p:ext uri="{BB962C8B-B14F-4D97-AF65-F5344CB8AC3E}">
         <p14:creationId xmlns:p14="http://schemas.microsoft.com/office/powerpoint/2010/main" val="4290351292"/>
+      </p:ext>
+    </p:extLst>
+  </p:cSld>
+  <p:clrMapOvr>
+    <a:masterClrMapping/>
+  </p:clrMapOvr>
+</p:notes>
+</file>
+
+<file path=ppt/notesSlides/notesSlide3.xml><?xml version="1.0" encoding="utf-8"?>
+<p:notes xmlns:a="http://schemas.openxmlformats.org/drawingml/2006/main" xmlns:r="http://schemas.openxmlformats.org/officeDocument/2006/relationships" xmlns:p="http://schemas.openxmlformats.org/presentationml/2006/main">
+  <p:cSld>
+    <p:spTree>
+      <p:nvGrpSpPr>
+        <p:cNvPr id="1" name="">
+          <a:extLst>
+            <a:ext uri="{FF2B5EF4-FFF2-40B4-BE49-F238E27FC236}">
+              <a16:creationId xmlns:a16="http://schemas.microsoft.com/office/drawing/2014/main" id="{AA950719-7BC0-364C-1B35-9E2CFCB3EC1C}"/>
+            </a:ext>
+          </a:extLst>
+        </p:cNvPr>
+        <p:cNvGrpSpPr/>
+        <p:nvPr/>
+      </p:nvGrpSpPr>
+      <p:grpSpPr>
+        <a:xfrm>
+          <a:off x="0" y="0"/>
+          <a:ext cx="0" cy="0"/>
+          <a:chOff x="0" y="0"/>
+          <a:chExt cx="0" cy="0"/>
+        </a:xfrm>
+      </p:grpSpPr>
+      <p:sp>
+        <p:nvSpPr>
+          <p:cNvPr id="2" name="Espaço Reservado para Imagem de Slide 1">
+            <a:extLst>
+              <a:ext uri="{FF2B5EF4-FFF2-40B4-BE49-F238E27FC236}">
+                <a16:creationId xmlns:a16="http://schemas.microsoft.com/office/drawing/2014/main" id="{2B087787-4B2F-A504-A1CB-F666A230B466}"/>
+              </a:ext>
+            </a:extLst>
+          </p:cNvPr>
+          <p:cNvSpPr>
+            <a:spLocks noGrp="1" noRot="1" noChangeAspect="1"/>
+          </p:cNvSpPr>
+          <p:nvPr>
+            <p:ph type="sldImg"/>
+          </p:nvPr>
+        </p:nvSpPr>
+        <p:spPr>
+          <a:xfrm>
+            <a:off x="381000" y="685800"/>
+            <a:ext cx="6096000" cy="3429000"/>
+          </a:xfrm>
+        </p:spPr>
+      </p:sp>
+      <p:sp>
+        <p:nvSpPr>
+          <p:cNvPr id="3" name="Espaço Reservado para Anotações 2">
+            <a:extLst>
+              <a:ext uri="{FF2B5EF4-FFF2-40B4-BE49-F238E27FC236}">
+                <a16:creationId xmlns:a16="http://schemas.microsoft.com/office/drawing/2014/main" id="{BB21AF7D-B9E5-56B3-BB00-46F61BD88DEE}"/>
+              </a:ext>
+            </a:extLst>
+          </p:cNvPr>
+          <p:cNvSpPr>
+            <a:spLocks noGrp="1"/>
+          </p:cNvSpPr>
+          <p:nvPr>
+            <p:ph type="body" idx="1"/>
+          </p:nvPr>
+        </p:nvSpPr>
+        <p:spPr/>
+        <p:txBody>
+          <a:bodyPr/>
+          <a:lstStyle/>
+          <a:p>
+            <a:endParaRPr lang="pt-BR" dirty="0"/>
+          </a:p>
+        </p:txBody>
+      </p:sp>
+    </p:spTree>
+    <p:extLst>
+      <p:ext uri="{BB962C8B-B14F-4D97-AF65-F5344CB8AC3E}">
+        <p14:creationId xmlns:p14="http://schemas.microsoft.com/office/powerpoint/2010/main" val="287428165"/>
+      </p:ext>
+    </p:extLst>
+  </p:cSld>
+  <p:clrMapOvr>
+    <a:masterClrMapping/>
+  </p:clrMapOvr>
+</p:notes>
+</file>
+
+<file path=ppt/notesSlides/notesSlide4.xml><?xml version="1.0" encoding="utf-8"?>
+<p:notes xmlns:a="http://schemas.openxmlformats.org/drawingml/2006/main" xmlns:r="http://schemas.openxmlformats.org/officeDocument/2006/relationships" xmlns:p="http://schemas.openxmlformats.org/presentationml/2006/main">
+  <p:cSld>
+    <p:spTree>
+      <p:nvGrpSpPr>
+        <p:cNvPr id="1" name="">
+          <a:extLst>
+            <a:ext uri="{FF2B5EF4-FFF2-40B4-BE49-F238E27FC236}">
+              <a16:creationId xmlns:a16="http://schemas.microsoft.com/office/drawing/2014/main" id="{24D103BD-125A-0799-B4FC-7EF3F2034702}"/>
+            </a:ext>
+          </a:extLst>
+        </p:cNvPr>
+        <p:cNvGrpSpPr/>
+        <p:nvPr/>
+      </p:nvGrpSpPr>
+      <p:grpSpPr>
+        <a:xfrm>
+          <a:off x="0" y="0"/>
+          <a:ext cx="0" cy="0"/>
+          <a:chOff x="0" y="0"/>
+          <a:chExt cx="0" cy="0"/>
+        </a:xfrm>
+      </p:grpSpPr>
+      <p:sp>
+        <p:nvSpPr>
+          <p:cNvPr id="2" name="Espaço Reservado para Imagem de Slide 1">
+            <a:extLst>
+              <a:ext uri="{FF2B5EF4-FFF2-40B4-BE49-F238E27FC236}">
+                <a16:creationId xmlns:a16="http://schemas.microsoft.com/office/drawing/2014/main" id="{92D9342C-171F-6FF2-F141-83B733B9FA67}"/>
+              </a:ext>
+            </a:extLst>
+          </p:cNvPr>
+          <p:cNvSpPr>
+            <a:spLocks noGrp="1" noRot="1" noChangeAspect="1"/>
+          </p:cNvSpPr>
+          <p:nvPr>
+            <p:ph type="sldImg"/>
+          </p:nvPr>
+        </p:nvSpPr>
+        <p:spPr>
+          <a:xfrm>
+            <a:off x="381000" y="685800"/>
+            <a:ext cx="6096000" cy="3429000"/>
+          </a:xfrm>
+        </p:spPr>
+      </p:sp>
+      <p:sp>
+        <p:nvSpPr>
+          <p:cNvPr id="3" name="Espaço Reservado para Anotações 2">
+            <a:extLst>
+              <a:ext uri="{FF2B5EF4-FFF2-40B4-BE49-F238E27FC236}">
+                <a16:creationId xmlns:a16="http://schemas.microsoft.com/office/drawing/2014/main" id="{13504DB8-ECA4-451D-18FE-D88AB711E7A5}"/>
+              </a:ext>
+            </a:extLst>
+          </p:cNvPr>
+          <p:cNvSpPr>
+            <a:spLocks noGrp="1"/>
+          </p:cNvSpPr>
+          <p:nvPr>
+            <p:ph type="body" idx="1"/>
+          </p:nvPr>
+        </p:nvSpPr>
+        <p:spPr/>
+        <p:txBody>
+          <a:bodyPr/>
+          <a:lstStyle/>
+          <a:p>
+            <a:endParaRPr lang="pt-BR" dirty="0"/>
+          </a:p>
+        </p:txBody>
+      </p:sp>
+    </p:spTree>
+    <p:extLst>
+      <p:ext uri="{BB962C8B-B14F-4D97-AF65-F5344CB8AC3E}">
+        <p14:creationId xmlns:p14="http://schemas.microsoft.com/office/powerpoint/2010/main" val="1842805046"/>
+      </p:ext>
+    </p:extLst>
+  </p:cSld>
+  <p:clrMapOvr>
+    <a:masterClrMapping/>
+  </p:clrMapOvr>
+</p:notes>
+</file>
+
+<file path=ppt/notesSlides/notesSlide5.xml><?xml version="1.0" encoding="utf-8"?>
+<p:notes xmlns:a="http://schemas.openxmlformats.org/drawingml/2006/main" xmlns:r="http://schemas.openxmlformats.org/officeDocument/2006/relationships" xmlns:p="http://schemas.openxmlformats.org/presentationml/2006/main">
+  <p:cSld>
+    <p:spTree>
+      <p:nvGrpSpPr>
+        <p:cNvPr id="1" name="">
+          <a:extLst>
+            <a:ext uri="{FF2B5EF4-FFF2-40B4-BE49-F238E27FC236}">
+              <a16:creationId xmlns:a16="http://schemas.microsoft.com/office/drawing/2014/main" id="{10FB429A-2A49-6EB8-0F30-D4398F5D16BA}"/>
+            </a:ext>
+          </a:extLst>
+        </p:cNvPr>
+        <p:cNvGrpSpPr/>
+        <p:nvPr/>
+      </p:nvGrpSpPr>
+      <p:grpSpPr>
+        <a:xfrm>
+          <a:off x="0" y="0"/>
+          <a:ext cx="0" cy="0"/>
+          <a:chOff x="0" y="0"/>
+          <a:chExt cx="0" cy="0"/>
+        </a:xfrm>
+      </p:grpSpPr>
+      <p:sp>
+        <p:nvSpPr>
+          <p:cNvPr id="2" name="Espaço Reservado para Imagem de Slide 1">
+            <a:extLst>
+              <a:ext uri="{FF2B5EF4-FFF2-40B4-BE49-F238E27FC236}">
+                <a16:creationId xmlns:a16="http://schemas.microsoft.com/office/drawing/2014/main" id="{8A4E9E6D-D45F-D430-8E32-C99C18A05B74}"/>
+              </a:ext>
+            </a:extLst>
+          </p:cNvPr>
+          <p:cNvSpPr>
+            <a:spLocks noGrp="1" noRot="1" noChangeAspect="1"/>
+          </p:cNvSpPr>
+          <p:nvPr>
+            <p:ph type="sldImg"/>
+          </p:nvPr>
+        </p:nvSpPr>
+        <p:spPr>
+          <a:xfrm>
+            <a:off x="381000" y="685800"/>
+            <a:ext cx="6096000" cy="3429000"/>
+          </a:xfrm>
+        </p:spPr>
+      </p:sp>
+      <p:sp>
+        <p:nvSpPr>
+          <p:cNvPr id="3" name="Espaço Reservado para Anotações 2">
+            <a:extLst>
+              <a:ext uri="{FF2B5EF4-FFF2-40B4-BE49-F238E27FC236}">
+                <a16:creationId xmlns:a16="http://schemas.microsoft.com/office/drawing/2014/main" id="{F18CD64F-8B94-DF1E-CBA6-1BDA582A15A0}"/>
+              </a:ext>
+            </a:extLst>
+          </p:cNvPr>
+          <p:cNvSpPr>
+            <a:spLocks noGrp="1"/>
+          </p:cNvSpPr>
+          <p:nvPr>
+            <p:ph type="body" idx="1"/>
+          </p:nvPr>
+        </p:nvSpPr>
+        <p:spPr/>
+        <p:txBody>
+          <a:bodyPr/>
+          <a:lstStyle/>
+          <a:p>
+            <a:endParaRPr lang="pt-BR" dirty="0"/>
+          </a:p>
+        </p:txBody>
+      </p:sp>
+    </p:spTree>
+    <p:extLst>
+      <p:ext uri="{BB962C8B-B14F-4D97-AF65-F5344CB8AC3E}">
+        <p14:creationId xmlns:p14="http://schemas.microsoft.com/office/powerpoint/2010/main" val="243733431"/>
+      </p:ext>
+    </p:extLst>
+  </p:cSld>
+  <p:clrMapOvr>
+    <a:masterClrMapping/>
+  </p:clrMapOvr>
+</p:notes>
+</file>
+
+<file path=ppt/notesSlides/notesSlide6.xml><?xml version="1.0" encoding="utf-8"?>
+<p:notes xmlns:a="http://schemas.openxmlformats.org/drawingml/2006/main" xmlns:r="http://schemas.openxmlformats.org/officeDocument/2006/relationships" xmlns:p="http://schemas.openxmlformats.org/presentationml/2006/main">
+  <p:cSld>
+    <p:spTree>
+      <p:nvGrpSpPr>
+        <p:cNvPr id="1" name="">
+          <a:extLst>
+            <a:ext uri="{FF2B5EF4-FFF2-40B4-BE49-F238E27FC236}">
+              <a16:creationId xmlns:a16="http://schemas.microsoft.com/office/drawing/2014/main" id="{F5358260-C7A5-3A5C-457A-833EACFCBEC7}"/>
+            </a:ext>
+          </a:extLst>
+        </p:cNvPr>
+        <p:cNvGrpSpPr/>
+        <p:nvPr/>
+      </p:nvGrpSpPr>
+      <p:grpSpPr>
+        <a:xfrm>
+          <a:off x="0" y="0"/>
+          <a:ext cx="0" cy="0"/>
+          <a:chOff x="0" y="0"/>
+          <a:chExt cx="0" cy="0"/>
+        </a:xfrm>
+      </p:grpSpPr>
+      <p:sp>
+        <p:nvSpPr>
+          <p:cNvPr id="2" name="Espaço Reservado para Imagem de Slide 1">
+            <a:extLst>
+              <a:ext uri="{FF2B5EF4-FFF2-40B4-BE49-F238E27FC236}">
+                <a16:creationId xmlns:a16="http://schemas.microsoft.com/office/drawing/2014/main" id="{4AF11062-D9D7-5006-838C-0487CA47CB4F}"/>
+              </a:ext>
+            </a:extLst>
+          </p:cNvPr>
+          <p:cNvSpPr>
+            <a:spLocks noGrp="1" noRot="1" noChangeAspect="1"/>
+          </p:cNvSpPr>
+          <p:nvPr>
+            <p:ph type="sldImg"/>
+          </p:nvPr>
+        </p:nvSpPr>
+        <p:spPr>
+          <a:xfrm>
+            <a:off x="381000" y="685800"/>
+            <a:ext cx="6096000" cy="3429000"/>
+          </a:xfrm>
+        </p:spPr>
+      </p:sp>
+      <p:sp>
+        <p:nvSpPr>
+          <p:cNvPr id="3" name="Espaço Reservado para Anotações 2">
+            <a:extLst>
+              <a:ext uri="{FF2B5EF4-FFF2-40B4-BE49-F238E27FC236}">
+                <a16:creationId xmlns:a16="http://schemas.microsoft.com/office/drawing/2014/main" id="{ED157BAF-16C9-A9F5-0BEA-8C02AE866475}"/>
+              </a:ext>
+            </a:extLst>
+          </p:cNvPr>
+          <p:cNvSpPr>
+            <a:spLocks noGrp="1"/>
+          </p:cNvSpPr>
+          <p:nvPr>
+            <p:ph type="body" idx="1"/>
+          </p:nvPr>
+        </p:nvSpPr>
+        <p:spPr/>
+        <p:txBody>
+          <a:bodyPr/>
+          <a:lstStyle/>
+          <a:p>
+            <a:endParaRPr lang="pt-BR" dirty="0"/>
+          </a:p>
+        </p:txBody>
+      </p:sp>
+    </p:spTree>
+    <p:extLst>
+      <p:ext uri="{BB962C8B-B14F-4D97-AF65-F5344CB8AC3E}">
+        <p14:creationId xmlns:p14="http://schemas.microsoft.com/office/powerpoint/2010/main" val="3441253639"/>
+      </p:ext>
+    </p:extLst>
+  </p:cSld>
+  <p:clrMapOvr>
+    <a:masterClrMapping/>
+  </p:clrMapOvr>
+</p:notes>
+</file>
+
+<file path=ppt/notesSlides/notesSlide7.xml><?xml version="1.0" encoding="utf-8"?>
+<p:notes xmlns:a="http://schemas.openxmlformats.org/drawingml/2006/main" xmlns:r="http://schemas.openxmlformats.org/officeDocument/2006/relationships" xmlns:p="http://schemas.openxmlformats.org/presentationml/2006/main">
+  <p:cSld>
+    <p:spTree>
+      <p:nvGrpSpPr>
+        <p:cNvPr id="1" name="">
+          <a:extLst>
+            <a:ext uri="{FF2B5EF4-FFF2-40B4-BE49-F238E27FC236}">
+              <a16:creationId xmlns:a16="http://schemas.microsoft.com/office/drawing/2014/main" id="{0E2FCEFC-DD25-2F9F-7893-A67BE205B4A3}"/>
+            </a:ext>
+          </a:extLst>
+        </p:cNvPr>
+        <p:cNvGrpSpPr/>
+        <p:nvPr/>
+      </p:nvGrpSpPr>
+      <p:grpSpPr>
+        <a:xfrm>
+          <a:off x="0" y="0"/>
+          <a:ext cx="0" cy="0"/>
+          <a:chOff x="0" y="0"/>
+          <a:chExt cx="0" cy="0"/>
+        </a:xfrm>
+      </p:grpSpPr>
+      <p:sp>
+        <p:nvSpPr>
+          <p:cNvPr id="2" name="Espaço Reservado para Imagem de Slide 1">
+            <a:extLst>
+              <a:ext uri="{FF2B5EF4-FFF2-40B4-BE49-F238E27FC236}">
+                <a16:creationId xmlns:a16="http://schemas.microsoft.com/office/drawing/2014/main" id="{0B59C269-7AA0-99E6-E74D-CC55AF5BA945}"/>
+              </a:ext>
+            </a:extLst>
+          </p:cNvPr>
+          <p:cNvSpPr>
+            <a:spLocks noGrp="1" noRot="1" noChangeAspect="1"/>
+          </p:cNvSpPr>
+          <p:nvPr>
+            <p:ph type="sldImg"/>
+          </p:nvPr>
+        </p:nvSpPr>
+        <p:spPr>
+          <a:xfrm>
+            <a:off x="381000" y="685800"/>
+            <a:ext cx="6096000" cy="3429000"/>
+          </a:xfrm>
+        </p:spPr>
+      </p:sp>
+      <p:sp>
+        <p:nvSpPr>
+          <p:cNvPr id="3" name="Espaço Reservado para Anotações 2">
+            <a:extLst>
+              <a:ext uri="{FF2B5EF4-FFF2-40B4-BE49-F238E27FC236}">
+                <a16:creationId xmlns:a16="http://schemas.microsoft.com/office/drawing/2014/main" id="{C3DDEB4A-0307-CEA0-3A3B-BC541D4FA826}"/>
+              </a:ext>
+            </a:extLst>
+          </p:cNvPr>
+          <p:cNvSpPr>
+            <a:spLocks noGrp="1"/>
+          </p:cNvSpPr>
+          <p:nvPr>
+            <p:ph type="body" idx="1"/>
+          </p:nvPr>
+        </p:nvSpPr>
+        <p:spPr/>
+        <p:txBody>
+          <a:bodyPr/>
+          <a:lstStyle/>
+          <a:p>
+            <a:endParaRPr lang="pt-BR" dirty="0"/>
+          </a:p>
+        </p:txBody>
+      </p:sp>
+    </p:spTree>
+    <p:extLst>
+      <p:ext uri="{BB962C8B-B14F-4D97-AF65-F5344CB8AC3E}">
+        <p14:creationId xmlns:p14="http://schemas.microsoft.com/office/powerpoint/2010/main" val="3798868008"/>
+      </p:ext>
+    </p:extLst>
+  </p:cSld>
+  <p:clrMapOvr>
+    <a:masterClrMapping/>
+  </p:clrMapOvr>
+</p:notes>
+</file>
+
+<file path=ppt/notesSlides/notesSlide8.xml><?xml version="1.0" encoding="utf-8"?>
+<p:notes xmlns:a="http://schemas.openxmlformats.org/drawingml/2006/main" xmlns:r="http://schemas.openxmlformats.org/officeDocument/2006/relationships" xmlns:p="http://schemas.openxmlformats.org/presentationml/2006/main">
+  <p:cSld>
+    <p:spTree>
+      <p:nvGrpSpPr>
+        <p:cNvPr id="1" name="">
+          <a:extLst>
+            <a:ext uri="{FF2B5EF4-FFF2-40B4-BE49-F238E27FC236}">
+              <a16:creationId xmlns:a16="http://schemas.microsoft.com/office/drawing/2014/main" id="{65FD390C-9542-FC86-3937-7EF7A6B3CDCD}"/>
+            </a:ext>
+          </a:extLst>
+        </p:cNvPr>
+        <p:cNvGrpSpPr/>
+        <p:nvPr/>
+      </p:nvGrpSpPr>
+      <p:grpSpPr>
+        <a:xfrm>
+          <a:off x="0" y="0"/>
+          <a:ext cx="0" cy="0"/>
+          <a:chOff x="0" y="0"/>
+          <a:chExt cx="0" cy="0"/>
+        </a:xfrm>
+      </p:grpSpPr>
+      <p:sp>
+        <p:nvSpPr>
+          <p:cNvPr id="2" name="Espaço Reservado para Imagem de Slide 1">
+            <a:extLst>
+              <a:ext uri="{FF2B5EF4-FFF2-40B4-BE49-F238E27FC236}">
+                <a16:creationId xmlns:a16="http://schemas.microsoft.com/office/drawing/2014/main" id="{179F5B3D-CE24-9248-1D3A-E608AC51B912}"/>
+              </a:ext>
+            </a:extLst>
+          </p:cNvPr>
+          <p:cNvSpPr>
+            <a:spLocks noGrp="1" noRot="1" noChangeAspect="1"/>
+          </p:cNvSpPr>
+          <p:nvPr>
+            <p:ph type="sldImg"/>
+          </p:nvPr>
+        </p:nvSpPr>
+        <p:spPr>
+          <a:xfrm>
+            <a:off x="381000" y="685800"/>
+            <a:ext cx="6096000" cy="3429000"/>
+          </a:xfrm>
+        </p:spPr>
+      </p:sp>
+      <p:sp>
+        <p:nvSpPr>
+          <p:cNvPr id="3" name="Espaço Reservado para Anotações 2">
+            <a:extLst>
+              <a:ext uri="{FF2B5EF4-FFF2-40B4-BE49-F238E27FC236}">
+                <a16:creationId xmlns:a16="http://schemas.microsoft.com/office/drawing/2014/main" id="{F47998E4-5947-6E62-FE92-424BAC65619D}"/>
+              </a:ext>
+            </a:extLst>
+          </p:cNvPr>
+          <p:cNvSpPr>
+            <a:spLocks noGrp="1"/>
+          </p:cNvSpPr>
+          <p:nvPr>
+            <p:ph type="body" idx="1"/>
+          </p:nvPr>
+        </p:nvSpPr>
+        <p:spPr/>
+        <p:txBody>
+          <a:bodyPr/>
+          <a:lstStyle/>
+          <a:p>
+            <a:endParaRPr lang="pt-BR" dirty="0"/>
+          </a:p>
+        </p:txBody>
+      </p:sp>
+    </p:spTree>
+    <p:extLst>
+      <p:ext uri="{BB962C8B-B14F-4D97-AF65-F5344CB8AC3E}">
+        <p14:creationId xmlns:p14="http://schemas.microsoft.com/office/powerpoint/2010/main" val="3046015588"/>
+      </p:ext>
+    </p:extLst>
+  </p:cSld>
+  <p:clrMapOvr>
+    <a:masterClrMapping/>
+  </p:clrMapOvr>
+</p:notes>
+</file>
+
+<file path=ppt/notesSlides/notesSlide9.xml><?xml version="1.0" encoding="utf-8"?>
+<p:notes xmlns:a="http://schemas.openxmlformats.org/drawingml/2006/main" xmlns:r="http://schemas.openxmlformats.org/officeDocument/2006/relationships" xmlns:p="http://schemas.openxmlformats.org/presentationml/2006/main">
+  <p:cSld>
+    <p:spTree>
+      <p:nvGrpSpPr>
+        <p:cNvPr id="1" name="">
+          <a:extLst>
+            <a:ext uri="{FF2B5EF4-FFF2-40B4-BE49-F238E27FC236}">
+              <a16:creationId xmlns:a16="http://schemas.microsoft.com/office/drawing/2014/main" id="{E5F08CD0-E966-175B-BD98-528F7824422F}"/>
+            </a:ext>
+          </a:extLst>
+        </p:cNvPr>
+        <p:cNvGrpSpPr/>
+        <p:nvPr/>
+      </p:nvGrpSpPr>
+      <p:grpSpPr>
+        <a:xfrm>
+          <a:off x="0" y="0"/>
+          <a:ext cx="0" cy="0"/>
+          <a:chOff x="0" y="0"/>
+          <a:chExt cx="0" cy="0"/>
+        </a:xfrm>
+      </p:grpSpPr>
+      <p:sp>
+        <p:nvSpPr>
+          <p:cNvPr id="2" name="Espaço Reservado para Imagem de Slide 1">
+            <a:extLst>
+              <a:ext uri="{FF2B5EF4-FFF2-40B4-BE49-F238E27FC236}">
+                <a16:creationId xmlns:a16="http://schemas.microsoft.com/office/drawing/2014/main" id="{6177E51A-0C27-73CC-CD06-1A15207E03D9}"/>
+              </a:ext>
+            </a:extLst>
+          </p:cNvPr>
+          <p:cNvSpPr>
+            <a:spLocks noGrp="1" noRot="1" noChangeAspect="1"/>
+          </p:cNvSpPr>
+          <p:nvPr>
+            <p:ph type="sldImg"/>
+          </p:nvPr>
+        </p:nvSpPr>
+        <p:spPr>
+          <a:xfrm>
+            <a:off x="381000" y="685800"/>
+            <a:ext cx="6096000" cy="3429000"/>
+          </a:xfrm>
+        </p:spPr>
+      </p:sp>
+      <p:sp>
+        <p:nvSpPr>
+          <p:cNvPr id="3" name="Espaço Reservado para Anotações 2">
+            <a:extLst>
+              <a:ext uri="{FF2B5EF4-FFF2-40B4-BE49-F238E27FC236}">
+                <a16:creationId xmlns:a16="http://schemas.microsoft.com/office/drawing/2014/main" id="{FFDAE7CA-009F-666F-5C34-E8C0AD51637D}"/>
+              </a:ext>
+            </a:extLst>
+          </p:cNvPr>
+          <p:cNvSpPr>
+            <a:spLocks noGrp="1"/>
+          </p:cNvSpPr>
+          <p:nvPr>
+            <p:ph type="body" idx="1"/>
+          </p:nvPr>
+        </p:nvSpPr>
+        <p:spPr/>
+        <p:txBody>
+          <a:bodyPr/>
+          <a:lstStyle/>
+          <a:p>
+            <a:endParaRPr lang="pt-BR" dirty="0"/>
+          </a:p>
+        </p:txBody>
+      </p:sp>
+    </p:spTree>
+    <p:extLst>
+      <p:ext uri="{BB962C8B-B14F-4D97-AF65-F5344CB8AC3E}">
+        <p14:creationId xmlns:p14="http://schemas.microsoft.com/office/powerpoint/2010/main" val="3345533705"/>
       </p:ext>
     </p:extLst>
   </p:cSld>
@@ -3865,6 +5395,2710 @@
 </p:sld>
 </file>
 
+<file path=ppt/slides/slide10.xml><?xml version="1.0" encoding="utf-8"?>
+<p:sld xmlns:a="http://schemas.openxmlformats.org/drawingml/2006/main" xmlns:r="http://schemas.openxmlformats.org/officeDocument/2006/relationships" xmlns:p="http://schemas.openxmlformats.org/presentationml/2006/main">
+  <p:cSld>
+    <p:spTree>
+      <p:nvGrpSpPr>
+        <p:cNvPr id="1" name="">
+          <a:extLst>
+            <a:ext uri="{FF2B5EF4-FFF2-40B4-BE49-F238E27FC236}">
+              <a16:creationId xmlns:a16="http://schemas.microsoft.com/office/drawing/2014/main" id="{F06BE104-9EDF-9B9A-5083-18E1C1646A9E}"/>
+            </a:ext>
+          </a:extLst>
+        </p:cNvPr>
+        <p:cNvGrpSpPr/>
+        <p:nvPr/>
+      </p:nvGrpSpPr>
+      <p:grpSpPr>
+        <a:xfrm>
+          <a:off x="0" y="0"/>
+          <a:ext cx="0" cy="0"/>
+          <a:chOff x="0" y="0"/>
+          <a:chExt cx="0" cy="0"/>
+        </a:xfrm>
+      </p:grpSpPr>
+      <p:sp>
+        <p:nvSpPr>
+          <p:cNvPr id="6" name="Title 1">
+            <a:extLst>
+              <a:ext uri="{FF2B5EF4-FFF2-40B4-BE49-F238E27FC236}">
+                <a16:creationId xmlns:a16="http://schemas.microsoft.com/office/drawing/2014/main" id="{91726CEA-9889-505B-AB3C-96749D9CB5AA}"/>
+              </a:ext>
+            </a:extLst>
+          </p:cNvPr>
+          <p:cNvSpPr>
+            <a:spLocks noGrp="1"/>
+          </p:cNvSpPr>
+          <p:nvPr>
+            <p:ph type="title"/>
+          </p:nvPr>
+        </p:nvSpPr>
+        <p:spPr>
+          <a:xfrm>
+            <a:off x="457200" y="205980"/>
+            <a:ext cx="8229600" cy="857251"/>
+          </a:xfrm>
+        </p:spPr>
+        <p:txBody>
+          <a:bodyPr>
+            <a:normAutofit/>
+          </a:bodyPr>
+          <a:lstStyle/>
+          <a:p>
+            <a:r>
+              <a:rPr lang="en-US" b="1" dirty="0">
+                <a:solidFill>
+                  <a:srgbClr val="0070C0"/>
+                </a:solidFill>
+              </a:rPr>
+              <a:t>CLP – </a:t>
+            </a:r>
+            <a:r>
+              <a:rPr lang="en-US" b="1" dirty="0" err="1">
+                <a:solidFill>
+                  <a:srgbClr val="0070C0"/>
+                </a:solidFill>
+              </a:rPr>
+              <a:t>Classificação</a:t>
+            </a:r>
+            <a:r>
+              <a:rPr lang="en-US" b="1" dirty="0">
+                <a:solidFill>
+                  <a:srgbClr val="0070C0"/>
+                </a:solidFill>
+              </a:rPr>
+              <a:t> (</a:t>
+            </a:r>
+            <a:r>
+              <a:rPr lang="en-US" b="1" dirty="0" err="1">
+                <a:solidFill>
+                  <a:srgbClr val="0070C0"/>
+                </a:solidFill>
+              </a:rPr>
+              <a:t>Tamanho</a:t>
+            </a:r>
+            <a:r>
+              <a:rPr lang="en-US" b="1" dirty="0">
+                <a:solidFill>
+                  <a:srgbClr val="0070C0"/>
+                </a:solidFill>
+              </a:rPr>
+              <a:t>)</a:t>
+            </a:r>
+          </a:p>
+        </p:txBody>
+      </p:sp>
+      <p:sp>
+        <p:nvSpPr>
+          <p:cNvPr id="8" name="Text Placeholder 2">
+            <a:extLst>
+              <a:ext uri="{FF2B5EF4-FFF2-40B4-BE49-F238E27FC236}">
+                <a16:creationId xmlns:a16="http://schemas.microsoft.com/office/drawing/2014/main" id="{CFAEFE57-A4B0-2245-0F6C-6FD284D7C9FF}"/>
+              </a:ext>
+            </a:extLst>
+          </p:cNvPr>
+          <p:cNvSpPr>
+            <a:spLocks noGrp="1"/>
+          </p:cNvSpPr>
+          <p:nvPr>
+            <p:ph type="body" sz="half" idx="1"/>
+          </p:nvPr>
+        </p:nvSpPr>
+        <p:spPr>
+          <a:xfrm>
+            <a:off x="139472" y="1109008"/>
+            <a:ext cx="8865056" cy="3994150"/>
+          </a:xfrm>
+        </p:spPr>
+        <p:txBody>
+          <a:bodyPr>
+            <a:noAutofit/>
+          </a:bodyPr>
+          <a:lstStyle/>
+          <a:p>
+            <a:pPr algn="just">
+              <a:buFont typeface="Wingdings" panose="05000000000000000000" pitchFamily="2" charset="2"/>
+              <a:buChar char="§"/>
+            </a:pPr>
+            <a:r>
+              <a:rPr lang="pt-BR" sz="2200" b="1" dirty="0">
+                <a:latin typeface="Times New Roman" panose="02020603050405020304" pitchFamily="18" charset="0"/>
+                <a:cs typeface="Times New Roman" panose="02020603050405020304" pitchFamily="18" charset="0"/>
+              </a:rPr>
+              <a:t>Números de I/O</a:t>
+            </a:r>
+          </a:p>
+          <a:p>
+            <a:pPr marL="0" indent="0" algn="just">
+              <a:buNone/>
+            </a:pPr>
+            <a:endParaRPr lang="pt-BR" sz="2200" dirty="0">
+              <a:latin typeface="Times New Roman" panose="02020603050405020304" pitchFamily="18" charset="0"/>
+              <a:cs typeface="Times New Roman" panose="02020603050405020304" pitchFamily="18" charset="0"/>
+            </a:endParaRPr>
+          </a:p>
+          <a:p>
+            <a:pPr algn="just">
+              <a:buFont typeface="Wingdings" panose="05000000000000000000" pitchFamily="2" charset="2"/>
+              <a:buChar char="ü"/>
+            </a:pPr>
+            <a:r>
+              <a:rPr lang="pt-BR" sz="2200" b="1" dirty="0">
+                <a:solidFill>
+                  <a:srgbClr val="FF0000"/>
+                </a:solidFill>
+                <a:latin typeface="Times New Roman" panose="02020603050405020304" pitchFamily="18" charset="0"/>
+                <a:cs typeface="Times New Roman" panose="02020603050405020304" pitchFamily="18" charset="0"/>
+              </a:rPr>
+              <a:t>Nano CLP (</a:t>
+            </a:r>
+            <a:r>
+              <a:rPr lang="pt-BR" sz="2200" b="1" dirty="0">
+                <a:solidFill>
+                  <a:schemeClr val="tx1"/>
+                </a:solidFill>
+                <a:latin typeface="Times New Roman" panose="02020603050405020304" pitchFamily="18" charset="0"/>
+                <a:cs typeface="Times New Roman" panose="02020603050405020304" pitchFamily="18" charset="0"/>
+              </a:rPr>
+              <a:t>menos de 15 I/Os</a:t>
+            </a:r>
+            <a:r>
+              <a:rPr lang="pt-BR" sz="2200" b="1" dirty="0">
+                <a:solidFill>
+                  <a:srgbClr val="FF0000"/>
+                </a:solidFill>
+                <a:latin typeface="Times New Roman" panose="02020603050405020304" pitchFamily="18" charset="0"/>
+                <a:cs typeface="Times New Roman" panose="02020603050405020304" pitchFamily="18" charset="0"/>
+              </a:rPr>
+              <a:t>)</a:t>
+            </a:r>
+          </a:p>
+          <a:p>
+            <a:pPr algn="just">
+              <a:buFont typeface="Wingdings" panose="05000000000000000000" pitchFamily="2" charset="2"/>
+              <a:buChar char="ü"/>
+            </a:pPr>
+            <a:endParaRPr lang="pt-BR" sz="2200" b="1" dirty="0">
+              <a:solidFill>
+                <a:srgbClr val="FF0000"/>
+              </a:solidFill>
+              <a:latin typeface="Times New Roman" panose="02020603050405020304" pitchFamily="18" charset="0"/>
+              <a:cs typeface="Times New Roman" panose="02020603050405020304" pitchFamily="18" charset="0"/>
+            </a:endParaRPr>
+          </a:p>
+          <a:p>
+            <a:pPr algn="just">
+              <a:buFont typeface="Wingdings" panose="05000000000000000000" pitchFamily="2" charset="2"/>
+              <a:buChar char="ü"/>
+            </a:pPr>
+            <a:r>
+              <a:rPr lang="pt-BR" sz="2200" b="1" dirty="0">
+                <a:solidFill>
+                  <a:srgbClr val="FF0000"/>
+                </a:solidFill>
+                <a:latin typeface="Times New Roman" panose="02020603050405020304" pitchFamily="18" charset="0"/>
+                <a:cs typeface="Times New Roman" panose="02020603050405020304" pitchFamily="18" charset="0"/>
+              </a:rPr>
+              <a:t>Micro CLP (</a:t>
+            </a:r>
+            <a:r>
+              <a:rPr lang="pt-BR" sz="2200" b="1" dirty="0">
+                <a:solidFill>
+                  <a:schemeClr val="tx1"/>
+                </a:solidFill>
+                <a:latin typeface="Times New Roman" panose="02020603050405020304" pitchFamily="18" charset="0"/>
+                <a:cs typeface="Times New Roman" panose="02020603050405020304" pitchFamily="18" charset="0"/>
+              </a:rPr>
+              <a:t>15 a 128 I/Os</a:t>
+            </a:r>
+            <a:r>
+              <a:rPr lang="pt-BR" sz="2200" b="1" dirty="0">
+                <a:solidFill>
+                  <a:srgbClr val="FF0000"/>
+                </a:solidFill>
+                <a:latin typeface="Times New Roman" panose="02020603050405020304" pitchFamily="18" charset="0"/>
+                <a:cs typeface="Times New Roman" panose="02020603050405020304" pitchFamily="18" charset="0"/>
+              </a:rPr>
+              <a:t>)</a:t>
+            </a:r>
+          </a:p>
+          <a:p>
+            <a:pPr algn="just">
+              <a:buFont typeface="Wingdings" panose="05000000000000000000" pitchFamily="2" charset="2"/>
+              <a:buChar char="ü"/>
+            </a:pPr>
+            <a:endParaRPr lang="pt-BR" sz="2200" b="1" dirty="0">
+              <a:solidFill>
+                <a:srgbClr val="FF0000"/>
+              </a:solidFill>
+              <a:latin typeface="Times New Roman" panose="02020603050405020304" pitchFamily="18" charset="0"/>
+              <a:cs typeface="Times New Roman" panose="02020603050405020304" pitchFamily="18" charset="0"/>
+            </a:endParaRPr>
+          </a:p>
+          <a:p>
+            <a:pPr algn="just">
+              <a:buFont typeface="Wingdings" panose="05000000000000000000" pitchFamily="2" charset="2"/>
+              <a:buChar char="ü"/>
+            </a:pPr>
+            <a:r>
+              <a:rPr lang="pt-BR" sz="2200" b="1" dirty="0">
+                <a:solidFill>
+                  <a:srgbClr val="FF0000"/>
+                </a:solidFill>
+                <a:latin typeface="Times New Roman" panose="02020603050405020304" pitchFamily="18" charset="0"/>
+                <a:cs typeface="Times New Roman" panose="02020603050405020304" pitchFamily="18" charset="0"/>
+              </a:rPr>
+              <a:t>CLP de médio porte (</a:t>
+            </a:r>
+            <a:r>
+              <a:rPr lang="pt-BR" sz="2200" b="1" dirty="0">
+                <a:solidFill>
+                  <a:schemeClr val="tx1"/>
+                </a:solidFill>
+                <a:latin typeface="Times New Roman" panose="02020603050405020304" pitchFamily="18" charset="0"/>
+                <a:cs typeface="Times New Roman" panose="02020603050405020304" pitchFamily="18" charset="0"/>
+              </a:rPr>
+              <a:t>128 a 512 I/Os</a:t>
+            </a:r>
+            <a:r>
+              <a:rPr lang="pt-BR" sz="2200" b="1" dirty="0">
+                <a:solidFill>
+                  <a:srgbClr val="FF0000"/>
+                </a:solidFill>
+                <a:latin typeface="Times New Roman" panose="02020603050405020304" pitchFamily="18" charset="0"/>
+                <a:cs typeface="Times New Roman" panose="02020603050405020304" pitchFamily="18" charset="0"/>
+              </a:rPr>
+              <a:t>)</a:t>
+            </a:r>
+          </a:p>
+          <a:p>
+            <a:pPr algn="just">
+              <a:buFont typeface="Wingdings" panose="05000000000000000000" pitchFamily="2" charset="2"/>
+              <a:buChar char="ü"/>
+            </a:pPr>
+            <a:endParaRPr lang="pt-BR" sz="2200" b="1" dirty="0">
+              <a:solidFill>
+                <a:srgbClr val="FF0000"/>
+              </a:solidFill>
+              <a:latin typeface="Times New Roman" panose="02020603050405020304" pitchFamily="18" charset="0"/>
+              <a:cs typeface="Times New Roman" panose="02020603050405020304" pitchFamily="18" charset="0"/>
+            </a:endParaRPr>
+          </a:p>
+          <a:p>
+            <a:pPr algn="just">
+              <a:buFont typeface="Wingdings" panose="05000000000000000000" pitchFamily="2" charset="2"/>
+              <a:buChar char="ü"/>
+            </a:pPr>
+            <a:r>
+              <a:rPr lang="pt-BR" sz="2200" b="1" dirty="0">
+                <a:solidFill>
+                  <a:srgbClr val="FF0000"/>
+                </a:solidFill>
+                <a:latin typeface="Times New Roman" panose="02020603050405020304" pitchFamily="18" charset="0"/>
+                <a:cs typeface="Times New Roman" panose="02020603050405020304" pitchFamily="18" charset="0"/>
+              </a:rPr>
+              <a:t>CLP de grande porte (</a:t>
+            </a:r>
+            <a:r>
+              <a:rPr lang="pt-BR" sz="2200" b="1" dirty="0">
+                <a:solidFill>
+                  <a:schemeClr val="tx1"/>
+                </a:solidFill>
+                <a:latin typeface="Times New Roman" panose="02020603050405020304" pitchFamily="18" charset="0"/>
+                <a:cs typeface="Times New Roman" panose="02020603050405020304" pitchFamily="18" charset="0"/>
+              </a:rPr>
+              <a:t>+512 I/Os</a:t>
+            </a:r>
+            <a:r>
+              <a:rPr lang="pt-BR" sz="2200" b="1" dirty="0">
+                <a:solidFill>
+                  <a:srgbClr val="FF0000"/>
+                </a:solidFill>
+                <a:latin typeface="Times New Roman" panose="02020603050405020304" pitchFamily="18" charset="0"/>
+                <a:cs typeface="Times New Roman" panose="02020603050405020304" pitchFamily="18" charset="0"/>
+              </a:rPr>
+              <a:t>)</a:t>
+            </a:r>
+          </a:p>
+          <a:p>
+            <a:pPr marL="0" indent="0" algn="just">
+              <a:buNone/>
+            </a:pPr>
+            <a:endParaRPr lang="pt-BR" sz="2200" dirty="0">
+              <a:latin typeface="Times New Roman" panose="02020603050405020304" pitchFamily="18" charset="0"/>
+              <a:cs typeface="Times New Roman" panose="02020603050405020304" pitchFamily="18" charset="0"/>
+            </a:endParaRPr>
+          </a:p>
+          <a:p>
+            <a:pPr marL="0" indent="0" algn="just">
+              <a:buNone/>
+            </a:pPr>
+            <a:endParaRPr lang="pt-BR" sz="2200" dirty="0">
+              <a:latin typeface="Times New Roman" panose="02020603050405020304" pitchFamily="18" charset="0"/>
+              <a:cs typeface="Times New Roman" panose="02020603050405020304" pitchFamily="18" charset="0"/>
+            </a:endParaRPr>
+          </a:p>
+        </p:txBody>
+      </p:sp>
+    </p:spTree>
+    <p:extLst>
+      <p:ext uri="{BB962C8B-B14F-4D97-AF65-F5344CB8AC3E}">
+        <p14:creationId xmlns:p14="http://schemas.microsoft.com/office/powerpoint/2010/main" val="1144906697"/>
+      </p:ext>
+    </p:extLst>
+  </p:cSld>
+  <p:clrMapOvr>
+    <a:masterClrMapping/>
+  </p:clrMapOvr>
+  <p:transition spd="med"/>
+</p:sld>
+</file>
+
+<file path=ppt/slides/slide11.xml><?xml version="1.0" encoding="utf-8"?>
+<p:sld xmlns:a="http://schemas.openxmlformats.org/drawingml/2006/main" xmlns:r="http://schemas.openxmlformats.org/officeDocument/2006/relationships" xmlns:p="http://schemas.openxmlformats.org/presentationml/2006/main">
+  <p:cSld>
+    <p:spTree>
+      <p:nvGrpSpPr>
+        <p:cNvPr id="1" name="">
+          <a:extLst>
+            <a:ext uri="{FF2B5EF4-FFF2-40B4-BE49-F238E27FC236}">
+              <a16:creationId xmlns:a16="http://schemas.microsoft.com/office/drawing/2014/main" id="{06EF1706-3AA7-9806-5AAC-439F1D67BE44}"/>
+            </a:ext>
+          </a:extLst>
+        </p:cNvPr>
+        <p:cNvGrpSpPr/>
+        <p:nvPr/>
+      </p:nvGrpSpPr>
+      <p:grpSpPr>
+        <a:xfrm>
+          <a:off x="0" y="0"/>
+          <a:ext cx="0" cy="0"/>
+          <a:chOff x="0" y="0"/>
+          <a:chExt cx="0" cy="0"/>
+        </a:xfrm>
+      </p:grpSpPr>
+      <p:sp>
+        <p:nvSpPr>
+          <p:cNvPr id="6" name="Title 1">
+            <a:extLst>
+              <a:ext uri="{FF2B5EF4-FFF2-40B4-BE49-F238E27FC236}">
+                <a16:creationId xmlns:a16="http://schemas.microsoft.com/office/drawing/2014/main" id="{1ABCF4B7-6B57-9232-152B-29AAC04B8614}"/>
+              </a:ext>
+            </a:extLst>
+          </p:cNvPr>
+          <p:cNvSpPr>
+            <a:spLocks noGrp="1"/>
+          </p:cNvSpPr>
+          <p:nvPr>
+            <p:ph type="title"/>
+          </p:nvPr>
+        </p:nvSpPr>
+        <p:spPr>
+          <a:xfrm>
+            <a:off x="457200" y="205980"/>
+            <a:ext cx="8229600" cy="857251"/>
+          </a:xfrm>
+        </p:spPr>
+        <p:txBody>
+          <a:bodyPr>
+            <a:normAutofit/>
+          </a:bodyPr>
+          <a:lstStyle/>
+          <a:p>
+            <a:r>
+              <a:rPr lang="en-US" b="1" dirty="0">
+                <a:solidFill>
+                  <a:srgbClr val="0070C0"/>
+                </a:solidFill>
+              </a:rPr>
+              <a:t>CLP – </a:t>
+            </a:r>
+            <a:r>
+              <a:rPr lang="en-US" b="1" dirty="0" err="1">
+                <a:solidFill>
+                  <a:srgbClr val="0070C0"/>
+                </a:solidFill>
+              </a:rPr>
+              <a:t>Funcionamento</a:t>
+            </a:r>
+            <a:endParaRPr lang="en-US" b="1" dirty="0">
+              <a:solidFill>
+                <a:srgbClr val="0070C0"/>
+              </a:solidFill>
+            </a:endParaRPr>
+          </a:p>
+        </p:txBody>
+      </p:sp>
+      <p:sp>
+        <p:nvSpPr>
+          <p:cNvPr id="8" name="Text Placeholder 2">
+            <a:extLst>
+              <a:ext uri="{FF2B5EF4-FFF2-40B4-BE49-F238E27FC236}">
+                <a16:creationId xmlns:a16="http://schemas.microsoft.com/office/drawing/2014/main" id="{BA8C1EE0-220E-8595-4F7B-E3A2468982F8}"/>
+              </a:ext>
+            </a:extLst>
+          </p:cNvPr>
+          <p:cNvSpPr>
+            <a:spLocks noGrp="1"/>
+          </p:cNvSpPr>
+          <p:nvPr>
+            <p:ph type="body" sz="half" idx="1"/>
+          </p:nvPr>
+        </p:nvSpPr>
+        <p:spPr>
+          <a:xfrm>
+            <a:off x="142865" y="1035050"/>
+            <a:ext cx="8865056" cy="3994150"/>
+          </a:xfrm>
+        </p:spPr>
+        <p:txBody>
+          <a:bodyPr>
+            <a:noAutofit/>
+          </a:bodyPr>
+          <a:lstStyle/>
+          <a:p>
+            <a:pPr algn="just">
+              <a:buFont typeface="Wingdings" panose="05000000000000000000" pitchFamily="2" charset="2"/>
+              <a:buChar char="§"/>
+            </a:pPr>
+            <a:r>
+              <a:rPr lang="pt-BR" sz="2200" b="1" dirty="0">
+                <a:latin typeface="Times New Roman" panose="02020603050405020304" pitchFamily="18" charset="0"/>
+                <a:cs typeface="Times New Roman" panose="02020603050405020304" pitchFamily="18" charset="0"/>
+              </a:rPr>
+              <a:t>Processo de Ciclo de Execução</a:t>
+            </a:r>
+          </a:p>
+          <a:p>
+            <a:pPr marL="0" indent="0" algn="just">
+              <a:buNone/>
+            </a:pPr>
+            <a:endParaRPr lang="pt-BR" sz="2200" dirty="0">
+              <a:latin typeface="Times New Roman" panose="02020603050405020304" pitchFamily="18" charset="0"/>
+              <a:cs typeface="Times New Roman" panose="02020603050405020304" pitchFamily="18" charset="0"/>
+            </a:endParaRPr>
+          </a:p>
+          <a:p>
+            <a:pPr algn="just">
+              <a:buFont typeface="Wingdings" panose="05000000000000000000" pitchFamily="2" charset="2"/>
+              <a:buChar char="ü"/>
+            </a:pPr>
+            <a:r>
+              <a:rPr lang="pt-BR" sz="2200" b="1" dirty="0">
+                <a:solidFill>
+                  <a:srgbClr val="FF0000"/>
+                </a:solidFill>
+                <a:latin typeface="Times New Roman" panose="02020603050405020304" pitchFamily="18" charset="0"/>
+                <a:cs typeface="Times New Roman" panose="02020603050405020304" pitchFamily="18" charset="0"/>
+              </a:rPr>
+              <a:t>Leitura das entradas</a:t>
+            </a:r>
+            <a:r>
+              <a:rPr lang="pt-BR" sz="2200" dirty="0">
+                <a:solidFill>
+                  <a:srgbClr val="FF0000"/>
+                </a:solidFill>
+                <a:latin typeface="Times New Roman" panose="02020603050405020304" pitchFamily="18" charset="0"/>
+                <a:cs typeface="Times New Roman" panose="02020603050405020304" pitchFamily="18" charset="0"/>
+              </a:rPr>
+              <a:t>.</a:t>
+            </a:r>
+          </a:p>
+          <a:p>
+            <a:pPr algn="just">
+              <a:buFont typeface="Wingdings" panose="05000000000000000000" pitchFamily="2" charset="2"/>
+              <a:buChar char="ü"/>
+            </a:pPr>
+            <a:endParaRPr lang="pt-BR" sz="2200" dirty="0">
+              <a:solidFill>
+                <a:srgbClr val="FF0000"/>
+              </a:solidFill>
+              <a:latin typeface="Times New Roman" panose="02020603050405020304" pitchFamily="18" charset="0"/>
+              <a:cs typeface="Times New Roman" panose="02020603050405020304" pitchFamily="18" charset="0"/>
+            </a:endParaRPr>
+          </a:p>
+          <a:p>
+            <a:pPr algn="just">
+              <a:buFont typeface="Wingdings" panose="05000000000000000000" pitchFamily="2" charset="2"/>
+              <a:buChar char="ü"/>
+            </a:pPr>
+            <a:r>
+              <a:rPr lang="pt-BR" sz="2200" b="1" dirty="0">
+                <a:solidFill>
+                  <a:srgbClr val="FF0000"/>
+                </a:solidFill>
+                <a:latin typeface="Times New Roman" panose="02020603050405020304" pitchFamily="18" charset="0"/>
+                <a:cs typeface="Times New Roman" panose="02020603050405020304" pitchFamily="18" charset="0"/>
+              </a:rPr>
+              <a:t>Execução do programa de controle (cálculos e lógica)</a:t>
+            </a:r>
+            <a:r>
+              <a:rPr lang="pt-BR" sz="2200" dirty="0">
+                <a:solidFill>
+                  <a:srgbClr val="FF0000"/>
+                </a:solidFill>
+                <a:latin typeface="Times New Roman" panose="02020603050405020304" pitchFamily="18" charset="0"/>
+                <a:cs typeface="Times New Roman" panose="02020603050405020304" pitchFamily="18" charset="0"/>
+              </a:rPr>
+              <a:t>.</a:t>
+            </a:r>
+          </a:p>
+          <a:p>
+            <a:pPr algn="just">
+              <a:buFont typeface="Wingdings" panose="05000000000000000000" pitchFamily="2" charset="2"/>
+              <a:buChar char="ü"/>
+            </a:pPr>
+            <a:endParaRPr lang="pt-BR" sz="2200" dirty="0">
+              <a:solidFill>
+                <a:srgbClr val="FF0000"/>
+              </a:solidFill>
+              <a:latin typeface="Times New Roman" panose="02020603050405020304" pitchFamily="18" charset="0"/>
+              <a:cs typeface="Times New Roman" panose="02020603050405020304" pitchFamily="18" charset="0"/>
+            </a:endParaRPr>
+          </a:p>
+          <a:p>
+            <a:pPr algn="just">
+              <a:buFont typeface="Wingdings" panose="05000000000000000000" pitchFamily="2" charset="2"/>
+              <a:buChar char="ü"/>
+            </a:pPr>
+            <a:r>
+              <a:rPr lang="pt-BR" sz="2200" b="1" dirty="0">
+                <a:solidFill>
+                  <a:srgbClr val="FF0000"/>
+                </a:solidFill>
+                <a:latin typeface="Times New Roman" panose="02020603050405020304" pitchFamily="18" charset="0"/>
+                <a:cs typeface="Times New Roman" panose="02020603050405020304" pitchFamily="18" charset="0"/>
+              </a:rPr>
+              <a:t>Atualização das saídas conforme o programa.</a:t>
+            </a:r>
+          </a:p>
+        </p:txBody>
+      </p:sp>
+    </p:spTree>
+    <p:extLst>
+      <p:ext uri="{BB962C8B-B14F-4D97-AF65-F5344CB8AC3E}">
+        <p14:creationId xmlns:p14="http://schemas.microsoft.com/office/powerpoint/2010/main" val="4194249219"/>
+      </p:ext>
+    </p:extLst>
+  </p:cSld>
+  <p:clrMapOvr>
+    <a:masterClrMapping/>
+  </p:clrMapOvr>
+  <p:transition spd="med"/>
+</p:sld>
+</file>
+
+<file path=ppt/slides/slide12.xml><?xml version="1.0" encoding="utf-8"?>
+<p:sld xmlns:a="http://schemas.openxmlformats.org/drawingml/2006/main" xmlns:r="http://schemas.openxmlformats.org/officeDocument/2006/relationships" xmlns:p="http://schemas.openxmlformats.org/presentationml/2006/main">
+  <p:cSld>
+    <p:spTree>
+      <p:nvGrpSpPr>
+        <p:cNvPr id="1" name="">
+          <a:extLst>
+            <a:ext uri="{FF2B5EF4-FFF2-40B4-BE49-F238E27FC236}">
+              <a16:creationId xmlns:a16="http://schemas.microsoft.com/office/drawing/2014/main" id="{871496BE-A0A1-9D98-F20D-ED2EF86975AF}"/>
+            </a:ext>
+          </a:extLst>
+        </p:cNvPr>
+        <p:cNvGrpSpPr/>
+        <p:nvPr/>
+      </p:nvGrpSpPr>
+      <p:grpSpPr>
+        <a:xfrm>
+          <a:off x="0" y="0"/>
+          <a:ext cx="0" cy="0"/>
+          <a:chOff x="0" y="0"/>
+          <a:chExt cx="0" cy="0"/>
+        </a:xfrm>
+      </p:grpSpPr>
+      <p:sp>
+        <p:nvSpPr>
+          <p:cNvPr id="6" name="Title 1">
+            <a:extLst>
+              <a:ext uri="{FF2B5EF4-FFF2-40B4-BE49-F238E27FC236}">
+                <a16:creationId xmlns:a16="http://schemas.microsoft.com/office/drawing/2014/main" id="{E48289BF-E957-3CE7-690A-50FEFEDBBA3D}"/>
+              </a:ext>
+            </a:extLst>
+          </p:cNvPr>
+          <p:cNvSpPr>
+            <a:spLocks noGrp="1"/>
+          </p:cNvSpPr>
+          <p:nvPr>
+            <p:ph type="title"/>
+          </p:nvPr>
+        </p:nvSpPr>
+        <p:spPr>
+          <a:xfrm>
+            <a:off x="457200" y="205980"/>
+            <a:ext cx="8229600" cy="857251"/>
+          </a:xfrm>
+        </p:spPr>
+        <p:txBody>
+          <a:bodyPr>
+            <a:normAutofit/>
+          </a:bodyPr>
+          <a:lstStyle/>
+          <a:p>
+            <a:r>
+              <a:rPr lang="en-US" b="1" dirty="0">
+                <a:solidFill>
+                  <a:srgbClr val="0070C0"/>
+                </a:solidFill>
+              </a:rPr>
+              <a:t>CLP – </a:t>
+            </a:r>
+            <a:r>
+              <a:rPr lang="en-US" b="1" dirty="0" err="1">
+                <a:solidFill>
+                  <a:srgbClr val="0070C0"/>
+                </a:solidFill>
+              </a:rPr>
+              <a:t>Funcionamento</a:t>
+            </a:r>
+            <a:endParaRPr lang="en-US" b="1" dirty="0">
+              <a:solidFill>
+                <a:srgbClr val="0070C0"/>
+              </a:solidFill>
+            </a:endParaRPr>
+          </a:p>
+        </p:txBody>
+      </p:sp>
+      <p:sp>
+        <p:nvSpPr>
+          <p:cNvPr id="8" name="Text Placeholder 2">
+            <a:extLst>
+              <a:ext uri="{FF2B5EF4-FFF2-40B4-BE49-F238E27FC236}">
+                <a16:creationId xmlns:a16="http://schemas.microsoft.com/office/drawing/2014/main" id="{C834F224-561F-AE52-990B-6DE78B7D8824}"/>
+              </a:ext>
+            </a:extLst>
+          </p:cNvPr>
+          <p:cNvSpPr>
+            <a:spLocks noGrp="1"/>
+          </p:cNvSpPr>
+          <p:nvPr>
+            <p:ph type="body" sz="half" idx="1"/>
+          </p:nvPr>
+        </p:nvSpPr>
+        <p:spPr>
+          <a:xfrm>
+            <a:off x="142865" y="1035050"/>
+            <a:ext cx="8865056" cy="3994150"/>
+          </a:xfrm>
+        </p:spPr>
+        <p:txBody>
+          <a:bodyPr>
+            <a:noAutofit/>
+          </a:bodyPr>
+          <a:lstStyle/>
+          <a:p>
+            <a:pPr algn="just">
+              <a:buFont typeface="Wingdings" panose="05000000000000000000" pitchFamily="2" charset="2"/>
+              <a:buChar char="§"/>
+            </a:pPr>
+            <a:r>
+              <a:rPr lang="pt-BR" sz="2200" b="1" dirty="0">
+                <a:latin typeface="Times New Roman" panose="02020603050405020304" pitchFamily="18" charset="0"/>
+                <a:cs typeface="Times New Roman" panose="02020603050405020304" pitchFamily="18" charset="0"/>
+              </a:rPr>
+              <a:t>Programação do CLP (</a:t>
+            </a:r>
+            <a:r>
+              <a:rPr lang="pt-BR" sz="2200" dirty="0">
+                <a:latin typeface="Times New Roman" panose="02020603050405020304" pitchFamily="18" charset="0"/>
+                <a:cs typeface="Times New Roman" panose="02020603050405020304" pitchFamily="18" charset="0"/>
+              </a:rPr>
+              <a:t>Norma IEC 61131-3</a:t>
+            </a:r>
+            <a:r>
+              <a:rPr lang="pt-BR" sz="2200" b="1" dirty="0">
+                <a:latin typeface="Times New Roman" panose="02020603050405020304" pitchFamily="18" charset="0"/>
+                <a:cs typeface="Times New Roman" panose="02020603050405020304" pitchFamily="18" charset="0"/>
+              </a:rPr>
+              <a:t>)</a:t>
+            </a:r>
+            <a:endParaRPr lang="pt-BR" sz="2200" dirty="0">
+              <a:latin typeface="Times New Roman" panose="02020603050405020304" pitchFamily="18" charset="0"/>
+              <a:cs typeface="Times New Roman" panose="02020603050405020304" pitchFamily="18" charset="0"/>
+            </a:endParaRPr>
+          </a:p>
+          <a:p>
+            <a:pPr marL="0" indent="0" algn="just">
+              <a:buNone/>
+            </a:pPr>
+            <a:endParaRPr lang="pt-BR" sz="2200" dirty="0">
+              <a:latin typeface="Times New Roman" panose="02020603050405020304" pitchFamily="18" charset="0"/>
+              <a:cs typeface="Times New Roman" panose="02020603050405020304" pitchFamily="18" charset="0"/>
+            </a:endParaRPr>
+          </a:p>
+          <a:p>
+            <a:pPr algn="just">
+              <a:buFont typeface="Wingdings" panose="05000000000000000000" pitchFamily="2" charset="2"/>
+              <a:buChar char="v"/>
+            </a:pPr>
+            <a:r>
+              <a:rPr lang="pt-BR" sz="2200" b="1" dirty="0">
+                <a:solidFill>
+                  <a:srgbClr val="FF0000"/>
+                </a:solidFill>
+                <a:latin typeface="Times New Roman" panose="02020603050405020304" pitchFamily="18" charset="0"/>
+                <a:cs typeface="Times New Roman" panose="02020603050405020304" pitchFamily="18" charset="0"/>
+              </a:rPr>
+              <a:t>Linguagens de programação gráficas e textuais</a:t>
+            </a:r>
+            <a:r>
+              <a:rPr lang="pt-BR" sz="2200" dirty="0">
+                <a:latin typeface="Times New Roman" panose="02020603050405020304" pitchFamily="18" charset="0"/>
+                <a:cs typeface="Times New Roman" panose="02020603050405020304" pitchFamily="18" charset="0"/>
+              </a:rPr>
+              <a:t>: </a:t>
+            </a:r>
+            <a:r>
+              <a:rPr lang="pt-BR" sz="2200" dirty="0" err="1">
+                <a:latin typeface="Times New Roman" panose="02020603050405020304" pitchFamily="18" charset="0"/>
+                <a:cs typeface="Times New Roman" panose="02020603050405020304" pitchFamily="18" charset="0"/>
+              </a:rPr>
+              <a:t>Ladder</a:t>
+            </a:r>
+            <a:r>
+              <a:rPr lang="pt-BR" sz="2200" dirty="0">
+                <a:latin typeface="Times New Roman" panose="02020603050405020304" pitchFamily="18" charset="0"/>
+                <a:cs typeface="Times New Roman" panose="02020603050405020304" pitchFamily="18" charset="0"/>
+              </a:rPr>
+              <a:t> (</a:t>
+            </a:r>
+            <a:r>
+              <a:rPr lang="pt-BR" sz="2200" b="1" dirty="0">
+                <a:latin typeface="Times New Roman" panose="02020603050405020304" pitchFamily="18" charset="0"/>
+                <a:cs typeface="Times New Roman" panose="02020603050405020304" pitchFamily="18" charset="0"/>
+              </a:rPr>
+              <a:t>LD</a:t>
+            </a:r>
+            <a:r>
+              <a:rPr lang="pt-BR" sz="2200" dirty="0">
+                <a:latin typeface="Times New Roman" panose="02020603050405020304" pitchFamily="18" charset="0"/>
+                <a:cs typeface="Times New Roman" panose="02020603050405020304" pitchFamily="18" charset="0"/>
+              </a:rPr>
+              <a:t>) (</a:t>
+            </a:r>
+            <a:r>
+              <a:rPr lang="pt-BR" sz="2200" b="1" dirty="0">
+                <a:latin typeface="Times New Roman" panose="02020603050405020304" pitchFamily="18" charset="0"/>
+                <a:cs typeface="Times New Roman" panose="02020603050405020304" pitchFamily="18" charset="0"/>
+              </a:rPr>
+              <a:t>ou Diagrama de Escada</a:t>
+            </a:r>
+            <a:r>
+              <a:rPr lang="pt-BR" sz="2200" dirty="0">
+                <a:latin typeface="Times New Roman" panose="02020603050405020304" pitchFamily="18" charset="0"/>
+                <a:cs typeface="Times New Roman" panose="02020603050405020304" pitchFamily="18" charset="0"/>
+              </a:rPr>
+              <a:t>) , Bloco Funcional (</a:t>
+            </a:r>
+            <a:r>
+              <a:rPr lang="pt-BR" sz="2200" b="1" dirty="0">
+                <a:latin typeface="Times New Roman" panose="02020603050405020304" pitchFamily="18" charset="0"/>
+                <a:cs typeface="Times New Roman" panose="02020603050405020304" pitchFamily="18" charset="0"/>
+              </a:rPr>
+              <a:t>FBD</a:t>
+            </a:r>
+            <a:r>
+              <a:rPr lang="pt-BR" sz="2200" dirty="0">
+                <a:latin typeface="Times New Roman" panose="02020603050405020304" pitchFamily="18" charset="0"/>
+                <a:cs typeface="Times New Roman" panose="02020603050405020304" pitchFamily="18" charset="0"/>
+              </a:rPr>
+              <a:t>), </a:t>
+            </a:r>
+            <a:r>
+              <a:rPr lang="pt-BR" sz="2200" dirty="0" err="1">
+                <a:latin typeface="Times New Roman" panose="02020603050405020304" pitchFamily="18" charset="0"/>
+                <a:cs typeface="Times New Roman" panose="02020603050405020304" pitchFamily="18" charset="0"/>
+              </a:rPr>
+              <a:t>Grafcet</a:t>
+            </a:r>
+            <a:r>
+              <a:rPr lang="pt-BR" sz="2200" dirty="0">
+                <a:latin typeface="Times New Roman" panose="02020603050405020304" pitchFamily="18" charset="0"/>
+                <a:cs typeface="Times New Roman" panose="02020603050405020304" pitchFamily="18" charset="0"/>
+              </a:rPr>
+              <a:t> (</a:t>
+            </a:r>
+            <a:r>
+              <a:rPr lang="pt-BR" sz="2200" b="1" dirty="0">
+                <a:latin typeface="Times New Roman" panose="02020603050405020304" pitchFamily="18" charset="0"/>
+                <a:cs typeface="Times New Roman" panose="02020603050405020304" pitchFamily="18" charset="0"/>
+              </a:rPr>
+              <a:t>SFC</a:t>
+            </a:r>
+            <a:r>
+              <a:rPr lang="pt-BR" sz="2200" dirty="0">
+                <a:latin typeface="Times New Roman" panose="02020603050405020304" pitchFamily="18" charset="0"/>
+                <a:cs typeface="Times New Roman" panose="02020603050405020304" pitchFamily="18" charset="0"/>
+              </a:rPr>
+              <a:t>), Texto Estruturado (</a:t>
+            </a:r>
+            <a:r>
+              <a:rPr lang="pt-BR" sz="2200" b="1" dirty="0">
+                <a:latin typeface="Times New Roman" panose="02020603050405020304" pitchFamily="18" charset="0"/>
+                <a:cs typeface="Times New Roman" panose="02020603050405020304" pitchFamily="18" charset="0"/>
+              </a:rPr>
+              <a:t>SCL</a:t>
+            </a:r>
+            <a:r>
+              <a:rPr lang="pt-BR" sz="2200" dirty="0">
+                <a:latin typeface="Times New Roman" panose="02020603050405020304" pitchFamily="18" charset="0"/>
+                <a:cs typeface="Times New Roman" panose="02020603050405020304" pitchFamily="18" charset="0"/>
+              </a:rPr>
+              <a:t>), Lista de Instruções (LI) etc.</a:t>
+            </a:r>
+          </a:p>
+          <a:p>
+            <a:pPr marL="0" indent="0" algn="just">
+              <a:buNone/>
+            </a:pPr>
+            <a:endParaRPr lang="pt-BR" sz="2200" dirty="0">
+              <a:latin typeface="Times New Roman" panose="02020603050405020304" pitchFamily="18" charset="0"/>
+              <a:cs typeface="Times New Roman" panose="02020603050405020304" pitchFamily="18" charset="0"/>
+            </a:endParaRPr>
+          </a:p>
+          <a:p>
+            <a:pPr algn="just">
+              <a:buFont typeface="Wingdings" panose="05000000000000000000" pitchFamily="2" charset="2"/>
+              <a:buChar char="v"/>
+            </a:pPr>
+            <a:r>
+              <a:rPr lang="pt-BR" sz="2200" b="1" dirty="0">
+                <a:solidFill>
+                  <a:srgbClr val="FF0000"/>
+                </a:solidFill>
+                <a:latin typeface="Times New Roman" panose="02020603050405020304" pitchFamily="18" charset="0"/>
+                <a:cs typeface="Times New Roman" panose="02020603050405020304" pitchFamily="18" charset="0"/>
+              </a:rPr>
+              <a:t>Exemplo</a:t>
+            </a:r>
+            <a:r>
+              <a:rPr lang="pt-BR" sz="2200" dirty="0">
+                <a:latin typeface="Times New Roman" panose="02020603050405020304" pitchFamily="18" charset="0"/>
+                <a:cs typeface="Times New Roman" panose="02020603050405020304" pitchFamily="18" charset="0"/>
+              </a:rPr>
+              <a:t> </a:t>
+            </a:r>
+            <a:r>
+              <a:rPr lang="pt-BR" sz="2200" b="1" dirty="0">
+                <a:solidFill>
+                  <a:srgbClr val="FF0000"/>
+                </a:solidFill>
+                <a:latin typeface="Times New Roman" panose="02020603050405020304" pitchFamily="18" charset="0"/>
+                <a:cs typeface="Times New Roman" panose="02020603050405020304" pitchFamily="18" charset="0"/>
+              </a:rPr>
+              <a:t>utilizando linguagem </a:t>
+            </a:r>
+            <a:r>
+              <a:rPr lang="pt-BR" sz="2200" b="1" dirty="0" err="1">
+                <a:solidFill>
+                  <a:srgbClr val="FF0000"/>
+                </a:solidFill>
+                <a:latin typeface="Times New Roman" panose="02020603050405020304" pitchFamily="18" charset="0"/>
+                <a:cs typeface="Times New Roman" panose="02020603050405020304" pitchFamily="18" charset="0"/>
+              </a:rPr>
+              <a:t>Ladder</a:t>
+            </a:r>
+            <a:r>
+              <a:rPr lang="pt-BR" sz="2200" b="1">
+                <a:solidFill>
+                  <a:srgbClr val="FF0000"/>
+                </a:solidFill>
+                <a:latin typeface="Times New Roman" panose="02020603050405020304" pitchFamily="18" charset="0"/>
+                <a:cs typeface="Times New Roman" panose="02020603050405020304" pitchFamily="18" charset="0"/>
+              </a:rPr>
+              <a:t>: </a:t>
+            </a:r>
+            <a:r>
+              <a:rPr lang="pt-BR" sz="2200">
+                <a:solidFill>
+                  <a:schemeClr val="tx1"/>
+                </a:solidFill>
+                <a:latin typeface="Times New Roman" panose="02020603050405020304" pitchFamily="18" charset="0"/>
+                <a:cs typeface="Times New Roman" panose="02020603050405020304" pitchFamily="18" charset="0"/>
+              </a:rPr>
+              <a:t>Controle </a:t>
+            </a:r>
+            <a:r>
+              <a:rPr lang="pt-BR" sz="2200" dirty="0">
+                <a:solidFill>
+                  <a:schemeClr val="tx1"/>
+                </a:solidFill>
+                <a:latin typeface="Times New Roman" panose="02020603050405020304" pitchFamily="18" charset="0"/>
+                <a:cs typeface="Times New Roman" panose="02020603050405020304" pitchFamily="18" charset="0"/>
+              </a:rPr>
+              <a:t>de um motor</a:t>
+            </a:r>
+            <a:r>
+              <a:rPr lang="pt-BR" sz="2200" dirty="0">
+                <a:latin typeface="Times New Roman" panose="02020603050405020304" pitchFamily="18" charset="0"/>
+                <a:cs typeface="Times New Roman" panose="02020603050405020304" pitchFamily="18" charset="0"/>
+              </a:rPr>
+              <a:t>.</a:t>
+            </a:r>
+          </a:p>
+        </p:txBody>
+      </p:sp>
+    </p:spTree>
+    <p:extLst>
+      <p:ext uri="{BB962C8B-B14F-4D97-AF65-F5344CB8AC3E}">
+        <p14:creationId xmlns:p14="http://schemas.microsoft.com/office/powerpoint/2010/main" val="529157382"/>
+      </p:ext>
+    </p:extLst>
+  </p:cSld>
+  <p:clrMapOvr>
+    <a:masterClrMapping/>
+  </p:clrMapOvr>
+  <p:transition spd="med"/>
+</p:sld>
+</file>
+
+<file path=ppt/slides/slide13.xml><?xml version="1.0" encoding="utf-8"?>
+<p:sld xmlns:a="http://schemas.openxmlformats.org/drawingml/2006/main" xmlns:r="http://schemas.openxmlformats.org/officeDocument/2006/relationships" xmlns:p="http://schemas.openxmlformats.org/presentationml/2006/main">
+  <p:cSld>
+    <p:spTree>
+      <p:nvGrpSpPr>
+        <p:cNvPr id="1" name="">
+          <a:extLst>
+            <a:ext uri="{FF2B5EF4-FFF2-40B4-BE49-F238E27FC236}">
+              <a16:creationId xmlns:a16="http://schemas.microsoft.com/office/drawing/2014/main" id="{9D2B3F45-9539-9CA6-C8F7-5373C6BC3996}"/>
+            </a:ext>
+          </a:extLst>
+        </p:cNvPr>
+        <p:cNvGrpSpPr/>
+        <p:nvPr/>
+      </p:nvGrpSpPr>
+      <p:grpSpPr>
+        <a:xfrm>
+          <a:off x="0" y="0"/>
+          <a:ext cx="0" cy="0"/>
+          <a:chOff x="0" y="0"/>
+          <a:chExt cx="0" cy="0"/>
+        </a:xfrm>
+      </p:grpSpPr>
+      <p:sp>
+        <p:nvSpPr>
+          <p:cNvPr id="6" name="Title 1">
+            <a:extLst>
+              <a:ext uri="{FF2B5EF4-FFF2-40B4-BE49-F238E27FC236}">
+                <a16:creationId xmlns:a16="http://schemas.microsoft.com/office/drawing/2014/main" id="{0A867F9D-9751-5437-9823-9E517CFA492F}"/>
+              </a:ext>
+            </a:extLst>
+          </p:cNvPr>
+          <p:cNvSpPr>
+            <a:spLocks noGrp="1"/>
+          </p:cNvSpPr>
+          <p:nvPr>
+            <p:ph type="title"/>
+          </p:nvPr>
+        </p:nvSpPr>
+        <p:spPr>
+          <a:xfrm>
+            <a:off x="457200" y="205980"/>
+            <a:ext cx="8229600" cy="857251"/>
+          </a:xfrm>
+        </p:spPr>
+        <p:txBody>
+          <a:bodyPr>
+            <a:normAutofit/>
+          </a:bodyPr>
+          <a:lstStyle/>
+          <a:p>
+            <a:r>
+              <a:rPr lang="en-US" b="1" dirty="0">
+                <a:solidFill>
+                  <a:srgbClr val="0070C0"/>
+                </a:solidFill>
+              </a:rPr>
+              <a:t>CLP – </a:t>
+            </a:r>
+            <a:r>
+              <a:rPr lang="en-US" b="1" dirty="0" err="1">
+                <a:solidFill>
+                  <a:srgbClr val="0070C0"/>
+                </a:solidFill>
+              </a:rPr>
+              <a:t>Funcionamento</a:t>
+            </a:r>
+            <a:endParaRPr lang="en-US" b="1" dirty="0">
+              <a:solidFill>
+                <a:srgbClr val="0070C0"/>
+              </a:solidFill>
+            </a:endParaRPr>
+          </a:p>
+        </p:txBody>
+      </p:sp>
+      <p:sp>
+        <p:nvSpPr>
+          <p:cNvPr id="8" name="Text Placeholder 2">
+            <a:extLst>
+              <a:ext uri="{FF2B5EF4-FFF2-40B4-BE49-F238E27FC236}">
+                <a16:creationId xmlns:a16="http://schemas.microsoft.com/office/drawing/2014/main" id="{A328EBAC-4CA3-621C-726A-072248D1044B}"/>
+              </a:ext>
+            </a:extLst>
+          </p:cNvPr>
+          <p:cNvSpPr>
+            <a:spLocks noGrp="1"/>
+          </p:cNvSpPr>
+          <p:nvPr>
+            <p:ph type="body" sz="half" idx="1"/>
+          </p:nvPr>
+        </p:nvSpPr>
+        <p:spPr>
+          <a:xfrm>
+            <a:off x="142865" y="1035050"/>
+            <a:ext cx="8865056" cy="3994150"/>
+          </a:xfrm>
+        </p:spPr>
+        <p:txBody>
+          <a:bodyPr>
+            <a:noAutofit/>
+          </a:bodyPr>
+          <a:lstStyle/>
+          <a:p>
+            <a:pPr algn="just">
+              <a:buFont typeface="Wingdings" panose="05000000000000000000" pitchFamily="2" charset="2"/>
+              <a:buChar char="§"/>
+            </a:pPr>
+            <a:r>
+              <a:rPr lang="pt-BR" sz="2200" b="1" dirty="0">
+                <a:latin typeface="Times New Roman" panose="02020603050405020304" pitchFamily="18" charset="0"/>
+                <a:cs typeface="Times New Roman" panose="02020603050405020304" pitchFamily="18" charset="0"/>
+              </a:rPr>
+              <a:t>Ciclo de varredura</a:t>
+            </a:r>
+          </a:p>
+          <a:p>
+            <a:pPr marL="0" indent="0" algn="just">
+              <a:buNone/>
+            </a:pPr>
+            <a:endParaRPr lang="pt-BR" sz="2200" dirty="0">
+              <a:latin typeface="Times New Roman" panose="02020603050405020304" pitchFamily="18" charset="0"/>
+              <a:cs typeface="Times New Roman" panose="02020603050405020304" pitchFamily="18" charset="0"/>
+            </a:endParaRPr>
+          </a:p>
+          <a:p>
+            <a:pPr marL="0" indent="0" algn="just">
+              <a:buNone/>
+            </a:pPr>
+            <a:endParaRPr lang="pt-BR" sz="2200" dirty="0">
+              <a:latin typeface="Times New Roman" panose="02020603050405020304" pitchFamily="18" charset="0"/>
+              <a:cs typeface="Times New Roman" panose="02020603050405020304" pitchFamily="18" charset="0"/>
+            </a:endParaRPr>
+          </a:p>
+          <a:p>
+            <a:pPr marL="0" indent="0" algn="just">
+              <a:buNone/>
+            </a:pPr>
+            <a:r>
+              <a:rPr lang="pt-BR" sz="2200" dirty="0">
+                <a:latin typeface="Times New Roman" panose="02020603050405020304" pitchFamily="18" charset="0"/>
+                <a:cs typeface="Times New Roman" panose="02020603050405020304" pitchFamily="18" charset="0"/>
+              </a:rPr>
+              <a:t>O </a:t>
+            </a:r>
+            <a:r>
+              <a:rPr lang="pt-BR" sz="2200" b="1" dirty="0">
+                <a:latin typeface="Times New Roman" panose="02020603050405020304" pitchFamily="18" charset="0"/>
+                <a:cs typeface="Times New Roman" panose="02020603050405020304" pitchFamily="18" charset="0"/>
+              </a:rPr>
+              <a:t>CLP</a:t>
+            </a:r>
+            <a:r>
+              <a:rPr lang="pt-BR" sz="2200" dirty="0">
+                <a:latin typeface="Times New Roman" panose="02020603050405020304" pitchFamily="18" charset="0"/>
+                <a:cs typeface="Times New Roman" panose="02020603050405020304" pitchFamily="18" charset="0"/>
+              </a:rPr>
+              <a:t> faz uma leitura contínua das entradas, processa as informações e atualiza as saídas periodicamente.</a:t>
+            </a:r>
+          </a:p>
+        </p:txBody>
+      </p:sp>
+    </p:spTree>
+    <p:extLst>
+      <p:ext uri="{BB962C8B-B14F-4D97-AF65-F5344CB8AC3E}">
+        <p14:creationId xmlns:p14="http://schemas.microsoft.com/office/powerpoint/2010/main" val="286911132"/>
+      </p:ext>
+    </p:extLst>
+  </p:cSld>
+  <p:clrMapOvr>
+    <a:masterClrMapping/>
+  </p:clrMapOvr>
+  <p:transition spd="med"/>
+</p:sld>
+</file>
+
+<file path=ppt/slides/slide14.xml><?xml version="1.0" encoding="utf-8"?>
+<p:sld xmlns:a="http://schemas.openxmlformats.org/drawingml/2006/main" xmlns:r="http://schemas.openxmlformats.org/officeDocument/2006/relationships" xmlns:p="http://schemas.openxmlformats.org/presentationml/2006/main">
+  <p:cSld>
+    <p:spTree>
+      <p:nvGrpSpPr>
+        <p:cNvPr id="1" name="">
+          <a:extLst>
+            <a:ext uri="{FF2B5EF4-FFF2-40B4-BE49-F238E27FC236}">
+              <a16:creationId xmlns:a16="http://schemas.microsoft.com/office/drawing/2014/main" id="{8C6363CA-E8CF-D925-2106-8B148199CA48}"/>
+            </a:ext>
+          </a:extLst>
+        </p:cNvPr>
+        <p:cNvGrpSpPr/>
+        <p:nvPr/>
+      </p:nvGrpSpPr>
+      <p:grpSpPr>
+        <a:xfrm>
+          <a:off x="0" y="0"/>
+          <a:ext cx="0" cy="0"/>
+          <a:chOff x="0" y="0"/>
+          <a:chExt cx="0" cy="0"/>
+        </a:xfrm>
+      </p:grpSpPr>
+      <p:sp>
+        <p:nvSpPr>
+          <p:cNvPr id="6" name="Title 1">
+            <a:extLst>
+              <a:ext uri="{FF2B5EF4-FFF2-40B4-BE49-F238E27FC236}">
+                <a16:creationId xmlns:a16="http://schemas.microsoft.com/office/drawing/2014/main" id="{A0A1E97D-2AA9-A486-BA42-CF701255F1D4}"/>
+              </a:ext>
+            </a:extLst>
+          </p:cNvPr>
+          <p:cNvSpPr>
+            <a:spLocks noGrp="1"/>
+          </p:cNvSpPr>
+          <p:nvPr>
+            <p:ph type="title"/>
+          </p:nvPr>
+        </p:nvSpPr>
+        <p:spPr>
+          <a:xfrm>
+            <a:off x="457200" y="205980"/>
+            <a:ext cx="8229600" cy="857251"/>
+          </a:xfrm>
+        </p:spPr>
+        <p:txBody>
+          <a:bodyPr>
+            <a:normAutofit/>
+          </a:bodyPr>
+          <a:lstStyle/>
+          <a:p>
+            <a:r>
+              <a:rPr lang="en-US" b="1" dirty="0">
+                <a:solidFill>
+                  <a:srgbClr val="0070C0"/>
+                </a:solidFill>
+              </a:rPr>
+              <a:t>CLP – </a:t>
+            </a:r>
+            <a:r>
+              <a:rPr lang="en-US" b="1" dirty="0" err="1">
+                <a:solidFill>
+                  <a:srgbClr val="0070C0"/>
+                </a:solidFill>
+              </a:rPr>
+              <a:t>Exemplo</a:t>
+            </a:r>
+            <a:r>
+              <a:rPr lang="en-US" b="1" dirty="0">
+                <a:solidFill>
+                  <a:srgbClr val="0070C0"/>
+                </a:solidFill>
+              </a:rPr>
+              <a:t> Controle de Motor</a:t>
+            </a:r>
+          </a:p>
+        </p:txBody>
+      </p:sp>
+      <p:sp>
+        <p:nvSpPr>
+          <p:cNvPr id="8" name="Text Placeholder 2">
+            <a:extLst>
+              <a:ext uri="{FF2B5EF4-FFF2-40B4-BE49-F238E27FC236}">
+                <a16:creationId xmlns:a16="http://schemas.microsoft.com/office/drawing/2014/main" id="{0AE2E1FA-A97F-823E-A38E-33D2DAA63DFE}"/>
+              </a:ext>
+            </a:extLst>
+          </p:cNvPr>
+          <p:cNvSpPr>
+            <a:spLocks noGrp="1"/>
+          </p:cNvSpPr>
+          <p:nvPr>
+            <p:ph type="body" sz="half" idx="1"/>
+          </p:nvPr>
+        </p:nvSpPr>
+        <p:spPr>
+          <a:xfrm>
+            <a:off x="142865" y="1035050"/>
+            <a:ext cx="8865056" cy="3994150"/>
+          </a:xfrm>
+        </p:spPr>
+        <p:txBody>
+          <a:bodyPr>
+            <a:noAutofit/>
+          </a:bodyPr>
+          <a:lstStyle/>
+          <a:p>
+            <a:pPr marL="0" indent="0" algn="just">
+              <a:buNone/>
+            </a:pPr>
+            <a:r>
+              <a:rPr lang="pt-BR" sz="2200" dirty="0">
+                <a:latin typeface="Times New Roman" panose="02020603050405020304" pitchFamily="18" charset="0"/>
+                <a:cs typeface="Times New Roman" panose="02020603050405020304" pitchFamily="18" charset="0"/>
+              </a:rPr>
+              <a:t>Este programa irá acionar um motor quando o botão de partida (</a:t>
+            </a:r>
+            <a:r>
+              <a:rPr lang="pt-BR" sz="2200" b="1" dirty="0">
+                <a:latin typeface="Times New Roman" panose="02020603050405020304" pitchFamily="18" charset="0"/>
+                <a:cs typeface="Times New Roman" panose="02020603050405020304" pitchFamily="18" charset="0"/>
+              </a:rPr>
+              <a:t>Start</a:t>
+            </a:r>
+            <a:r>
+              <a:rPr lang="pt-BR" sz="2200" dirty="0">
+                <a:latin typeface="Times New Roman" panose="02020603050405020304" pitchFamily="18" charset="0"/>
+                <a:cs typeface="Times New Roman" panose="02020603050405020304" pitchFamily="18" charset="0"/>
+              </a:rPr>
+              <a:t>) for pressionado e </a:t>
+            </a:r>
+            <a:r>
+              <a:rPr lang="pt-BR" sz="2200" dirty="0" err="1">
+                <a:latin typeface="Times New Roman" panose="02020603050405020304" pitchFamily="18" charset="0"/>
+                <a:cs typeface="Times New Roman" panose="02020603050405020304" pitchFamily="18" charset="0"/>
+              </a:rPr>
+              <a:t>desacioná-lo</a:t>
+            </a:r>
+            <a:r>
+              <a:rPr lang="pt-BR" sz="2200" dirty="0">
+                <a:latin typeface="Times New Roman" panose="02020603050405020304" pitchFamily="18" charset="0"/>
+                <a:cs typeface="Times New Roman" panose="02020603050405020304" pitchFamily="18" charset="0"/>
+              </a:rPr>
+              <a:t> quando o botão de parada (</a:t>
+            </a:r>
+            <a:r>
+              <a:rPr lang="pt-BR" sz="2200" b="1" dirty="0">
+                <a:latin typeface="Times New Roman" panose="02020603050405020304" pitchFamily="18" charset="0"/>
+                <a:cs typeface="Times New Roman" panose="02020603050405020304" pitchFamily="18" charset="0"/>
+              </a:rPr>
+              <a:t>Stop</a:t>
+            </a:r>
+            <a:r>
+              <a:rPr lang="pt-BR" sz="2200" dirty="0">
+                <a:latin typeface="Times New Roman" panose="02020603050405020304" pitchFamily="18" charset="0"/>
+                <a:cs typeface="Times New Roman" panose="02020603050405020304" pitchFamily="18" charset="0"/>
+              </a:rPr>
+              <a:t>) for pressionado.</a:t>
+            </a:r>
+          </a:p>
+          <a:p>
+            <a:pPr marL="0" indent="0" algn="just">
+              <a:buNone/>
+            </a:pPr>
+            <a:endParaRPr lang="pt-BR" sz="2200" dirty="0">
+              <a:latin typeface="Times New Roman" panose="02020603050405020304" pitchFamily="18" charset="0"/>
+              <a:cs typeface="Times New Roman" panose="02020603050405020304" pitchFamily="18" charset="0"/>
+            </a:endParaRPr>
+          </a:p>
+          <a:p>
+            <a:pPr algn="just">
+              <a:buFont typeface="Wingdings" panose="05000000000000000000" pitchFamily="2" charset="2"/>
+              <a:buChar char="§"/>
+            </a:pPr>
+            <a:r>
+              <a:rPr lang="pt-BR" sz="2200" b="1" dirty="0">
+                <a:latin typeface="Times New Roman" panose="02020603050405020304" pitchFamily="18" charset="0"/>
+                <a:cs typeface="Times New Roman" panose="02020603050405020304" pitchFamily="18" charset="0"/>
+              </a:rPr>
+              <a:t>Componentes</a:t>
+            </a:r>
+          </a:p>
+          <a:p>
+            <a:pPr marL="0" indent="0" algn="just">
+              <a:buNone/>
+            </a:pPr>
+            <a:endParaRPr lang="pt-BR" sz="2200" b="1" dirty="0">
+              <a:latin typeface="Times New Roman" panose="02020603050405020304" pitchFamily="18" charset="0"/>
+              <a:cs typeface="Times New Roman" panose="02020603050405020304" pitchFamily="18" charset="0"/>
+            </a:endParaRPr>
+          </a:p>
+          <a:p>
+            <a:pPr algn="just">
+              <a:buFont typeface="Wingdings" panose="05000000000000000000" pitchFamily="2" charset="2"/>
+              <a:buChar char="ü"/>
+            </a:pPr>
+            <a:r>
+              <a:rPr lang="pt-BR" sz="2200" dirty="0">
+                <a:latin typeface="Times New Roman" panose="02020603050405020304" pitchFamily="18" charset="0"/>
+                <a:cs typeface="Times New Roman" panose="02020603050405020304" pitchFamily="18" charset="0"/>
+              </a:rPr>
+              <a:t>I0.0: Botão de partida (</a:t>
+            </a:r>
+            <a:r>
+              <a:rPr lang="pt-BR" sz="2200" b="1" dirty="0">
+                <a:latin typeface="Times New Roman" panose="02020603050405020304" pitchFamily="18" charset="0"/>
+                <a:cs typeface="Times New Roman" panose="02020603050405020304" pitchFamily="18" charset="0"/>
+              </a:rPr>
+              <a:t>Start</a:t>
+            </a:r>
+            <a:r>
+              <a:rPr lang="pt-BR" sz="2200" dirty="0">
+                <a:latin typeface="Times New Roman" panose="02020603050405020304" pitchFamily="18" charset="0"/>
+                <a:cs typeface="Times New Roman" panose="02020603050405020304" pitchFamily="18" charset="0"/>
+              </a:rPr>
+              <a:t>)</a:t>
+            </a:r>
+          </a:p>
+          <a:p>
+            <a:pPr algn="just">
+              <a:buFont typeface="Wingdings" panose="05000000000000000000" pitchFamily="2" charset="2"/>
+              <a:buChar char="ü"/>
+            </a:pPr>
+            <a:r>
+              <a:rPr lang="pt-BR" sz="2200" dirty="0">
+                <a:latin typeface="Times New Roman" panose="02020603050405020304" pitchFamily="18" charset="0"/>
+                <a:cs typeface="Times New Roman" panose="02020603050405020304" pitchFamily="18" charset="0"/>
+              </a:rPr>
+              <a:t>I0.1: Botão de parada (</a:t>
+            </a:r>
+            <a:r>
+              <a:rPr lang="pt-BR" sz="2200" b="1" dirty="0">
+                <a:latin typeface="Times New Roman" panose="02020603050405020304" pitchFamily="18" charset="0"/>
+                <a:cs typeface="Times New Roman" panose="02020603050405020304" pitchFamily="18" charset="0"/>
+              </a:rPr>
+              <a:t>Stop</a:t>
+            </a:r>
+            <a:r>
+              <a:rPr lang="pt-BR" sz="2200" dirty="0">
+                <a:latin typeface="Times New Roman" panose="02020603050405020304" pitchFamily="18" charset="0"/>
+                <a:cs typeface="Times New Roman" panose="02020603050405020304" pitchFamily="18" charset="0"/>
+              </a:rPr>
+              <a:t>)</a:t>
+            </a:r>
+          </a:p>
+          <a:p>
+            <a:pPr algn="just">
+              <a:buFont typeface="Wingdings" panose="05000000000000000000" pitchFamily="2" charset="2"/>
+              <a:buChar char="ü"/>
+            </a:pPr>
+            <a:r>
+              <a:rPr lang="pt-BR" sz="2200" dirty="0">
+                <a:latin typeface="Times New Roman" panose="02020603050405020304" pitchFamily="18" charset="0"/>
+                <a:cs typeface="Times New Roman" panose="02020603050405020304" pitchFamily="18" charset="0"/>
+              </a:rPr>
+              <a:t>Q0.0: Motor</a:t>
+            </a:r>
+          </a:p>
+        </p:txBody>
+      </p:sp>
+    </p:spTree>
+    <p:extLst>
+      <p:ext uri="{BB962C8B-B14F-4D97-AF65-F5344CB8AC3E}">
+        <p14:creationId xmlns:p14="http://schemas.microsoft.com/office/powerpoint/2010/main" val="2686460194"/>
+      </p:ext>
+    </p:extLst>
+  </p:cSld>
+  <p:clrMapOvr>
+    <a:masterClrMapping/>
+  </p:clrMapOvr>
+  <p:transition spd="med"/>
+</p:sld>
+</file>
+
+<file path=ppt/slides/slide15.xml><?xml version="1.0" encoding="utf-8"?>
+<p:sld xmlns:a="http://schemas.openxmlformats.org/drawingml/2006/main" xmlns:r="http://schemas.openxmlformats.org/officeDocument/2006/relationships" xmlns:p="http://schemas.openxmlformats.org/presentationml/2006/main">
+  <p:cSld>
+    <p:spTree>
+      <p:nvGrpSpPr>
+        <p:cNvPr id="1" name="">
+          <a:extLst>
+            <a:ext uri="{FF2B5EF4-FFF2-40B4-BE49-F238E27FC236}">
+              <a16:creationId xmlns:a16="http://schemas.microsoft.com/office/drawing/2014/main" id="{92B94736-8198-B49F-A88E-3C9451AE8555}"/>
+            </a:ext>
+          </a:extLst>
+        </p:cNvPr>
+        <p:cNvGrpSpPr/>
+        <p:nvPr/>
+      </p:nvGrpSpPr>
+      <p:grpSpPr>
+        <a:xfrm>
+          <a:off x="0" y="0"/>
+          <a:ext cx="0" cy="0"/>
+          <a:chOff x="0" y="0"/>
+          <a:chExt cx="0" cy="0"/>
+        </a:xfrm>
+      </p:grpSpPr>
+      <p:sp>
+        <p:nvSpPr>
+          <p:cNvPr id="6" name="Title 1">
+            <a:extLst>
+              <a:ext uri="{FF2B5EF4-FFF2-40B4-BE49-F238E27FC236}">
+                <a16:creationId xmlns:a16="http://schemas.microsoft.com/office/drawing/2014/main" id="{30442642-8946-7393-DA7C-B7A7EF2404F8}"/>
+              </a:ext>
+            </a:extLst>
+          </p:cNvPr>
+          <p:cNvSpPr>
+            <a:spLocks noGrp="1"/>
+          </p:cNvSpPr>
+          <p:nvPr>
+            <p:ph type="title"/>
+          </p:nvPr>
+        </p:nvSpPr>
+        <p:spPr>
+          <a:xfrm>
+            <a:off x="457200" y="205980"/>
+            <a:ext cx="8229600" cy="857251"/>
+          </a:xfrm>
+        </p:spPr>
+        <p:txBody>
+          <a:bodyPr>
+            <a:normAutofit/>
+          </a:bodyPr>
+          <a:lstStyle/>
+          <a:p>
+            <a:r>
+              <a:rPr lang="en-US" b="1" dirty="0">
+                <a:solidFill>
+                  <a:srgbClr val="0070C0"/>
+                </a:solidFill>
+              </a:rPr>
+              <a:t>CLP – </a:t>
+            </a:r>
+            <a:r>
+              <a:rPr lang="en-US" b="1" dirty="0" err="1">
+                <a:solidFill>
+                  <a:srgbClr val="0070C0"/>
+                </a:solidFill>
+              </a:rPr>
+              <a:t>Exemplo</a:t>
+            </a:r>
+            <a:r>
+              <a:rPr lang="en-US" b="1" dirty="0">
+                <a:solidFill>
+                  <a:srgbClr val="0070C0"/>
+                </a:solidFill>
+              </a:rPr>
+              <a:t> Controle de Motor</a:t>
+            </a:r>
+          </a:p>
+        </p:txBody>
+      </p:sp>
+      <p:sp>
+        <p:nvSpPr>
+          <p:cNvPr id="8" name="Text Placeholder 2">
+            <a:extLst>
+              <a:ext uri="{FF2B5EF4-FFF2-40B4-BE49-F238E27FC236}">
+                <a16:creationId xmlns:a16="http://schemas.microsoft.com/office/drawing/2014/main" id="{A85014D2-F773-E4B0-88C1-AB44C842AE16}"/>
+              </a:ext>
+            </a:extLst>
+          </p:cNvPr>
+          <p:cNvSpPr>
+            <a:spLocks noGrp="1"/>
+          </p:cNvSpPr>
+          <p:nvPr>
+            <p:ph type="body" sz="half" idx="1"/>
+          </p:nvPr>
+        </p:nvSpPr>
+        <p:spPr>
+          <a:xfrm>
+            <a:off x="142865" y="1035050"/>
+            <a:ext cx="8865056" cy="3994150"/>
+          </a:xfrm>
+        </p:spPr>
+        <p:txBody>
+          <a:bodyPr>
+            <a:noAutofit/>
+          </a:bodyPr>
+          <a:lstStyle/>
+          <a:p>
+            <a:pPr algn="just">
+              <a:buFont typeface="Wingdings" panose="05000000000000000000" pitchFamily="2" charset="2"/>
+              <a:buChar char="§"/>
+            </a:pPr>
+            <a:r>
+              <a:rPr lang="pt-BR" sz="2200" b="1" dirty="0">
+                <a:latin typeface="Times New Roman" panose="02020603050405020304" pitchFamily="18" charset="0"/>
+                <a:cs typeface="Times New Roman" panose="02020603050405020304" pitchFamily="18" charset="0"/>
+              </a:rPr>
+              <a:t>Diagrama </a:t>
+            </a:r>
+            <a:r>
+              <a:rPr lang="pt-BR" sz="2200" b="1" dirty="0" err="1">
+                <a:latin typeface="Times New Roman" panose="02020603050405020304" pitchFamily="18" charset="0"/>
+                <a:cs typeface="Times New Roman" panose="02020603050405020304" pitchFamily="18" charset="0"/>
+              </a:rPr>
+              <a:t>Ladder</a:t>
+            </a:r>
+            <a:endParaRPr lang="pt-BR" sz="2200" b="1" dirty="0">
+              <a:latin typeface="Times New Roman" panose="02020603050405020304" pitchFamily="18" charset="0"/>
+              <a:cs typeface="Times New Roman" panose="02020603050405020304" pitchFamily="18" charset="0"/>
+            </a:endParaRPr>
+          </a:p>
+          <a:p>
+            <a:pPr marL="0" indent="0" algn="just">
+              <a:buNone/>
+            </a:pPr>
+            <a:endParaRPr lang="pt-BR" sz="2200" b="1" dirty="0">
+              <a:latin typeface="Times New Roman" panose="02020603050405020304" pitchFamily="18" charset="0"/>
+              <a:cs typeface="Times New Roman" panose="02020603050405020304" pitchFamily="18" charset="0"/>
+            </a:endParaRPr>
+          </a:p>
+          <a:p>
+            <a:pPr marL="0" indent="0" algn="just">
+              <a:buNone/>
+            </a:pPr>
+            <a:r>
+              <a:rPr lang="pt-BR" sz="2200" b="1" dirty="0">
+                <a:latin typeface="Times New Roman" panose="02020603050405020304" pitchFamily="18" charset="0"/>
+                <a:cs typeface="Times New Roman" panose="02020603050405020304" pitchFamily="18" charset="0"/>
+              </a:rPr>
+              <a:t>|----[ I0.0 ]----[ Q0.0 ]----|   </a:t>
+            </a:r>
+            <a:r>
+              <a:rPr lang="pt-BR" sz="2200" b="1" dirty="0">
+                <a:solidFill>
+                  <a:srgbClr val="0070C0"/>
+                </a:solidFill>
+                <a:latin typeface="Times New Roman" panose="02020603050405020304" pitchFamily="18" charset="0"/>
+                <a:cs typeface="Times New Roman" panose="02020603050405020304" pitchFamily="18" charset="0"/>
+              </a:rPr>
+              <a:t>(Start Motor</a:t>
+            </a:r>
+            <a:r>
+              <a:rPr lang="pt-BR" sz="2200" b="1" dirty="0">
+                <a:latin typeface="Times New Roman" panose="02020603050405020304" pitchFamily="18" charset="0"/>
+                <a:cs typeface="Times New Roman" panose="02020603050405020304" pitchFamily="18" charset="0"/>
+              </a:rPr>
+              <a:t>)</a:t>
+            </a:r>
+          </a:p>
+          <a:p>
+            <a:pPr marL="0" indent="0" algn="just">
+              <a:buNone/>
+            </a:pPr>
+            <a:r>
+              <a:rPr lang="pt-BR" sz="2200" b="1" dirty="0">
+                <a:latin typeface="Times New Roman" panose="02020603050405020304" pitchFamily="18" charset="0"/>
+                <a:cs typeface="Times New Roman" panose="02020603050405020304" pitchFamily="18" charset="0"/>
+              </a:rPr>
+              <a:t>|                           		 |</a:t>
+            </a:r>
+          </a:p>
+          <a:p>
+            <a:pPr marL="0" indent="0" algn="just">
+              <a:buNone/>
+            </a:pPr>
+            <a:r>
+              <a:rPr lang="pt-BR" sz="2200" b="1" dirty="0">
+                <a:latin typeface="Times New Roman" panose="02020603050405020304" pitchFamily="18" charset="0"/>
+                <a:cs typeface="Times New Roman" panose="02020603050405020304" pitchFamily="18" charset="0"/>
+              </a:rPr>
+              <a:t>|----[ I0.1 ]----|            		(</a:t>
+            </a:r>
+            <a:r>
+              <a:rPr lang="pt-BR" sz="2200" b="1" dirty="0">
+                <a:solidFill>
+                  <a:srgbClr val="FF0000"/>
+                </a:solidFill>
+                <a:latin typeface="Times New Roman" panose="02020603050405020304" pitchFamily="18" charset="0"/>
+                <a:cs typeface="Times New Roman" panose="02020603050405020304" pitchFamily="18" charset="0"/>
+              </a:rPr>
+              <a:t>Stop Motor</a:t>
+            </a:r>
+            <a:r>
+              <a:rPr lang="pt-BR" sz="2200" b="1" dirty="0">
+                <a:latin typeface="Times New Roman" panose="02020603050405020304" pitchFamily="18" charset="0"/>
+                <a:cs typeface="Times New Roman" panose="02020603050405020304" pitchFamily="18" charset="0"/>
+              </a:rPr>
+              <a:t>)</a:t>
+            </a:r>
+          </a:p>
+        </p:txBody>
+      </p:sp>
+    </p:spTree>
+    <p:extLst>
+      <p:ext uri="{BB962C8B-B14F-4D97-AF65-F5344CB8AC3E}">
+        <p14:creationId xmlns:p14="http://schemas.microsoft.com/office/powerpoint/2010/main" val="2620132255"/>
+      </p:ext>
+    </p:extLst>
+  </p:cSld>
+  <p:clrMapOvr>
+    <a:masterClrMapping/>
+  </p:clrMapOvr>
+  <p:transition spd="med"/>
+</p:sld>
+</file>
+
+<file path=ppt/slides/slide16.xml><?xml version="1.0" encoding="utf-8"?>
+<p:sld xmlns:a="http://schemas.openxmlformats.org/drawingml/2006/main" xmlns:r="http://schemas.openxmlformats.org/officeDocument/2006/relationships" xmlns:p="http://schemas.openxmlformats.org/presentationml/2006/main">
+  <p:cSld>
+    <p:spTree>
+      <p:nvGrpSpPr>
+        <p:cNvPr id="1" name="">
+          <a:extLst>
+            <a:ext uri="{FF2B5EF4-FFF2-40B4-BE49-F238E27FC236}">
+              <a16:creationId xmlns:a16="http://schemas.microsoft.com/office/drawing/2014/main" id="{C790FCB0-3E5B-158C-6CB9-59371534B856}"/>
+            </a:ext>
+          </a:extLst>
+        </p:cNvPr>
+        <p:cNvGrpSpPr/>
+        <p:nvPr/>
+      </p:nvGrpSpPr>
+      <p:grpSpPr>
+        <a:xfrm>
+          <a:off x="0" y="0"/>
+          <a:ext cx="0" cy="0"/>
+          <a:chOff x="0" y="0"/>
+          <a:chExt cx="0" cy="0"/>
+        </a:xfrm>
+      </p:grpSpPr>
+      <p:sp>
+        <p:nvSpPr>
+          <p:cNvPr id="6" name="Title 1">
+            <a:extLst>
+              <a:ext uri="{FF2B5EF4-FFF2-40B4-BE49-F238E27FC236}">
+                <a16:creationId xmlns:a16="http://schemas.microsoft.com/office/drawing/2014/main" id="{410BF68E-BFD3-56D6-146E-F2106185E33A}"/>
+              </a:ext>
+            </a:extLst>
+          </p:cNvPr>
+          <p:cNvSpPr>
+            <a:spLocks noGrp="1"/>
+          </p:cNvSpPr>
+          <p:nvPr>
+            <p:ph type="title"/>
+          </p:nvPr>
+        </p:nvSpPr>
+        <p:spPr>
+          <a:xfrm>
+            <a:off x="457200" y="205980"/>
+            <a:ext cx="8229600" cy="857251"/>
+          </a:xfrm>
+        </p:spPr>
+        <p:txBody>
+          <a:bodyPr>
+            <a:normAutofit/>
+          </a:bodyPr>
+          <a:lstStyle/>
+          <a:p>
+            <a:r>
+              <a:rPr lang="en-US" b="1" dirty="0">
+                <a:solidFill>
+                  <a:srgbClr val="0070C0"/>
+                </a:solidFill>
+              </a:rPr>
+              <a:t>CLP – </a:t>
+            </a:r>
+            <a:r>
+              <a:rPr lang="en-US" b="1" dirty="0" err="1">
+                <a:solidFill>
+                  <a:srgbClr val="0070C0"/>
+                </a:solidFill>
+              </a:rPr>
+              <a:t>Exemplo</a:t>
+            </a:r>
+            <a:r>
+              <a:rPr lang="en-US" b="1" dirty="0">
+                <a:solidFill>
+                  <a:srgbClr val="0070C0"/>
+                </a:solidFill>
+              </a:rPr>
+              <a:t> Controle de Motor</a:t>
+            </a:r>
+          </a:p>
+        </p:txBody>
+      </p:sp>
+      <p:sp>
+        <p:nvSpPr>
+          <p:cNvPr id="8" name="Text Placeholder 2">
+            <a:extLst>
+              <a:ext uri="{FF2B5EF4-FFF2-40B4-BE49-F238E27FC236}">
+                <a16:creationId xmlns:a16="http://schemas.microsoft.com/office/drawing/2014/main" id="{35C4904A-A7C5-F6AC-1230-F5EF9BCEF556}"/>
+              </a:ext>
+            </a:extLst>
+          </p:cNvPr>
+          <p:cNvSpPr>
+            <a:spLocks noGrp="1"/>
+          </p:cNvSpPr>
+          <p:nvPr>
+            <p:ph type="body" sz="half" idx="1"/>
+          </p:nvPr>
+        </p:nvSpPr>
+        <p:spPr>
+          <a:xfrm>
+            <a:off x="142865" y="1035050"/>
+            <a:ext cx="8865056" cy="3994150"/>
+          </a:xfrm>
+        </p:spPr>
+        <p:txBody>
+          <a:bodyPr>
+            <a:noAutofit/>
+          </a:bodyPr>
+          <a:lstStyle/>
+          <a:p>
+            <a:pPr algn="just">
+              <a:buFont typeface="Wingdings" panose="05000000000000000000" pitchFamily="2" charset="2"/>
+              <a:buChar char="§"/>
+            </a:pPr>
+            <a:r>
+              <a:rPr lang="pt-BR" sz="2000" b="1" dirty="0">
+                <a:latin typeface="Times New Roman" panose="02020603050405020304" pitchFamily="18" charset="0"/>
+                <a:cs typeface="Times New Roman" panose="02020603050405020304" pitchFamily="18" charset="0"/>
+              </a:rPr>
+              <a:t>Explicação do Diagrama</a:t>
+            </a:r>
+          </a:p>
+          <a:p>
+            <a:pPr marL="0" indent="0" algn="just">
+              <a:buNone/>
+            </a:pPr>
+            <a:endParaRPr lang="pt-BR" sz="2000" dirty="0">
+              <a:latin typeface="Times New Roman" panose="02020603050405020304" pitchFamily="18" charset="0"/>
+              <a:cs typeface="Times New Roman" panose="02020603050405020304" pitchFamily="18" charset="0"/>
+            </a:endParaRPr>
+          </a:p>
+          <a:p>
+            <a:pPr algn="just">
+              <a:buFont typeface="Wingdings" panose="05000000000000000000" pitchFamily="2" charset="2"/>
+              <a:buChar char="ü"/>
+            </a:pPr>
+            <a:r>
+              <a:rPr lang="pt-BR" sz="2000" b="1" dirty="0">
+                <a:solidFill>
+                  <a:srgbClr val="FF0000"/>
+                </a:solidFill>
+                <a:latin typeface="Times New Roman" panose="02020603050405020304" pitchFamily="18" charset="0"/>
+                <a:cs typeface="Times New Roman" panose="02020603050405020304" pitchFamily="18" charset="0"/>
+              </a:rPr>
+              <a:t>Linha 1: </a:t>
+            </a:r>
+            <a:r>
+              <a:rPr lang="pt-BR" sz="2000" dirty="0">
+                <a:latin typeface="Times New Roman" panose="02020603050405020304" pitchFamily="18" charset="0"/>
+                <a:cs typeface="Times New Roman" panose="02020603050405020304" pitchFamily="18" charset="0"/>
+              </a:rPr>
+              <a:t>Quando o botão de partida (</a:t>
+            </a:r>
+            <a:r>
+              <a:rPr lang="pt-BR" sz="2000" b="1" dirty="0">
+                <a:latin typeface="Times New Roman" panose="02020603050405020304" pitchFamily="18" charset="0"/>
+                <a:cs typeface="Times New Roman" panose="02020603050405020304" pitchFamily="18" charset="0"/>
+              </a:rPr>
+              <a:t>I0.0</a:t>
+            </a:r>
+            <a:r>
+              <a:rPr lang="pt-BR" sz="2000" dirty="0">
+                <a:latin typeface="Times New Roman" panose="02020603050405020304" pitchFamily="18" charset="0"/>
+                <a:cs typeface="Times New Roman" panose="02020603050405020304" pitchFamily="18" charset="0"/>
+              </a:rPr>
+              <a:t>) é pressionado, a saída </a:t>
+            </a:r>
+            <a:r>
+              <a:rPr lang="pt-BR" sz="2000" b="1" dirty="0">
+                <a:latin typeface="Times New Roman" panose="02020603050405020304" pitchFamily="18" charset="0"/>
+                <a:cs typeface="Times New Roman" panose="02020603050405020304" pitchFamily="18" charset="0"/>
+              </a:rPr>
+              <a:t>Q0.0</a:t>
+            </a:r>
+            <a:r>
+              <a:rPr lang="pt-BR" sz="2000" dirty="0">
+                <a:latin typeface="Times New Roman" panose="02020603050405020304" pitchFamily="18" charset="0"/>
+                <a:cs typeface="Times New Roman" panose="02020603050405020304" pitchFamily="18" charset="0"/>
+              </a:rPr>
+              <a:t> (motor) é acionada. A linha é representada por um contato normalmente aberto que fecha quando o botão de partida é pressionado, permitindo que a corrente "flua" para o motor.</a:t>
+            </a:r>
+          </a:p>
+          <a:p>
+            <a:pPr marL="0" indent="0" algn="just">
+              <a:buNone/>
+            </a:pPr>
+            <a:endParaRPr lang="pt-BR" sz="2000" dirty="0">
+              <a:latin typeface="Times New Roman" panose="02020603050405020304" pitchFamily="18" charset="0"/>
+              <a:cs typeface="Times New Roman" panose="02020603050405020304" pitchFamily="18" charset="0"/>
+            </a:endParaRPr>
+          </a:p>
+          <a:p>
+            <a:pPr algn="just">
+              <a:buFont typeface="Wingdings" panose="05000000000000000000" pitchFamily="2" charset="2"/>
+              <a:buChar char="ü"/>
+            </a:pPr>
+            <a:r>
+              <a:rPr lang="pt-BR" sz="2000" b="1" dirty="0">
+                <a:solidFill>
+                  <a:srgbClr val="FF0000"/>
+                </a:solidFill>
+                <a:latin typeface="Times New Roman" panose="02020603050405020304" pitchFamily="18" charset="0"/>
+                <a:cs typeface="Times New Roman" panose="02020603050405020304" pitchFamily="18" charset="0"/>
+              </a:rPr>
+              <a:t>Linha 2: </a:t>
+            </a:r>
+            <a:r>
+              <a:rPr lang="pt-BR" sz="2000" dirty="0">
+                <a:latin typeface="Times New Roman" panose="02020603050405020304" pitchFamily="18" charset="0"/>
+                <a:cs typeface="Times New Roman" panose="02020603050405020304" pitchFamily="18" charset="0"/>
+              </a:rPr>
+              <a:t>Quando o botão de parada (</a:t>
+            </a:r>
+            <a:r>
+              <a:rPr lang="pt-BR" sz="2000" b="1" dirty="0">
+                <a:latin typeface="Times New Roman" panose="02020603050405020304" pitchFamily="18" charset="0"/>
+                <a:cs typeface="Times New Roman" panose="02020603050405020304" pitchFamily="18" charset="0"/>
+              </a:rPr>
+              <a:t>I0.1</a:t>
+            </a:r>
+            <a:r>
+              <a:rPr lang="pt-BR" sz="2000" dirty="0">
+                <a:latin typeface="Times New Roman" panose="02020603050405020304" pitchFamily="18" charset="0"/>
+                <a:cs typeface="Times New Roman" panose="02020603050405020304" pitchFamily="18" charset="0"/>
+              </a:rPr>
+              <a:t>) é pressionado, o motor é desligado. Esse contato é normalmente fechado, e ao pressionar o botão de parada, ele abre, interrompendo a corrente para o motor.</a:t>
+            </a:r>
+          </a:p>
+        </p:txBody>
+      </p:sp>
+    </p:spTree>
+    <p:extLst>
+      <p:ext uri="{BB962C8B-B14F-4D97-AF65-F5344CB8AC3E}">
+        <p14:creationId xmlns:p14="http://schemas.microsoft.com/office/powerpoint/2010/main" val="1234660850"/>
+      </p:ext>
+    </p:extLst>
+  </p:cSld>
+  <p:clrMapOvr>
+    <a:masterClrMapping/>
+  </p:clrMapOvr>
+  <p:transition spd="med"/>
+</p:sld>
+</file>
+
+<file path=ppt/slides/slide17.xml><?xml version="1.0" encoding="utf-8"?>
+<p:sld xmlns:a="http://schemas.openxmlformats.org/drawingml/2006/main" xmlns:r="http://schemas.openxmlformats.org/officeDocument/2006/relationships" xmlns:p="http://schemas.openxmlformats.org/presentationml/2006/main">
+  <p:cSld>
+    <p:spTree>
+      <p:nvGrpSpPr>
+        <p:cNvPr id="1" name="">
+          <a:extLst>
+            <a:ext uri="{FF2B5EF4-FFF2-40B4-BE49-F238E27FC236}">
+              <a16:creationId xmlns:a16="http://schemas.microsoft.com/office/drawing/2014/main" id="{FFC737DF-4599-4256-A9F1-FB1B3690EBDA}"/>
+            </a:ext>
+          </a:extLst>
+        </p:cNvPr>
+        <p:cNvGrpSpPr/>
+        <p:nvPr/>
+      </p:nvGrpSpPr>
+      <p:grpSpPr>
+        <a:xfrm>
+          <a:off x="0" y="0"/>
+          <a:ext cx="0" cy="0"/>
+          <a:chOff x="0" y="0"/>
+          <a:chExt cx="0" cy="0"/>
+        </a:xfrm>
+      </p:grpSpPr>
+      <p:sp>
+        <p:nvSpPr>
+          <p:cNvPr id="6" name="Title 1">
+            <a:extLst>
+              <a:ext uri="{FF2B5EF4-FFF2-40B4-BE49-F238E27FC236}">
+                <a16:creationId xmlns:a16="http://schemas.microsoft.com/office/drawing/2014/main" id="{C2D17A7E-0BC3-448F-FDF9-2D3471E0081F}"/>
+              </a:ext>
+            </a:extLst>
+          </p:cNvPr>
+          <p:cNvSpPr>
+            <a:spLocks noGrp="1"/>
+          </p:cNvSpPr>
+          <p:nvPr>
+            <p:ph type="title"/>
+          </p:nvPr>
+        </p:nvSpPr>
+        <p:spPr>
+          <a:xfrm>
+            <a:off x="457200" y="205980"/>
+            <a:ext cx="8229600" cy="857251"/>
+          </a:xfrm>
+        </p:spPr>
+        <p:txBody>
+          <a:bodyPr>
+            <a:normAutofit/>
+          </a:bodyPr>
+          <a:lstStyle/>
+          <a:p>
+            <a:r>
+              <a:rPr lang="en-US" b="1" dirty="0">
+                <a:solidFill>
+                  <a:srgbClr val="0070C0"/>
+                </a:solidFill>
+              </a:rPr>
+              <a:t>CLP – </a:t>
+            </a:r>
+            <a:r>
+              <a:rPr lang="en-US" b="1" dirty="0" err="1">
+                <a:solidFill>
+                  <a:srgbClr val="0070C0"/>
+                </a:solidFill>
+              </a:rPr>
+              <a:t>Exemplo</a:t>
+            </a:r>
+            <a:r>
+              <a:rPr lang="en-US" b="1" dirty="0">
+                <a:solidFill>
+                  <a:srgbClr val="0070C0"/>
+                </a:solidFill>
+              </a:rPr>
+              <a:t> Controle de Motor</a:t>
+            </a:r>
+          </a:p>
+        </p:txBody>
+      </p:sp>
+      <p:sp>
+        <p:nvSpPr>
+          <p:cNvPr id="8" name="Text Placeholder 2">
+            <a:extLst>
+              <a:ext uri="{FF2B5EF4-FFF2-40B4-BE49-F238E27FC236}">
+                <a16:creationId xmlns:a16="http://schemas.microsoft.com/office/drawing/2014/main" id="{7B6271CE-ADAC-925D-7DAA-B17DF20EDA37}"/>
+              </a:ext>
+            </a:extLst>
+          </p:cNvPr>
+          <p:cNvSpPr>
+            <a:spLocks noGrp="1"/>
+          </p:cNvSpPr>
+          <p:nvPr>
+            <p:ph type="body" sz="half" idx="1"/>
+          </p:nvPr>
+        </p:nvSpPr>
+        <p:spPr>
+          <a:xfrm>
+            <a:off x="142865" y="1035050"/>
+            <a:ext cx="8865056" cy="3994150"/>
+          </a:xfrm>
+        </p:spPr>
+        <p:txBody>
+          <a:bodyPr>
+            <a:noAutofit/>
+          </a:bodyPr>
+          <a:lstStyle/>
+          <a:p>
+            <a:pPr algn="just">
+              <a:buFont typeface="Wingdings" panose="05000000000000000000" pitchFamily="2" charset="2"/>
+              <a:buChar char="§"/>
+            </a:pPr>
+            <a:r>
+              <a:rPr lang="pt-BR" sz="2200" b="1" dirty="0">
+                <a:latin typeface="Times New Roman" panose="02020603050405020304" pitchFamily="18" charset="0"/>
+                <a:cs typeface="Times New Roman" panose="02020603050405020304" pitchFamily="18" charset="0"/>
+              </a:rPr>
+              <a:t>Funcionamento</a:t>
+            </a:r>
+          </a:p>
+          <a:p>
+            <a:pPr marL="0" indent="0" algn="just">
+              <a:buNone/>
+            </a:pPr>
+            <a:endParaRPr lang="pt-BR" sz="2200" b="1" dirty="0">
+              <a:latin typeface="Times New Roman" panose="02020603050405020304" pitchFamily="18" charset="0"/>
+              <a:cs typeface="Times New Roman" panose="02020603050405020304" pitchFamily="18" charset="0"/>
+            </a:endParaRPr>
+          </a:p>
+          <a:p>
+            <a:pPr algn="just">
+              <a:buFont typeface="Wingdings" panose="05000000000000000000" pitchFamily="2" charset="2"/>
+              <a:buChar char="ü"/>
+            </a:pPr>
+            <a:r>
+              <a:rPr lang="pt-BR" sz="2200" dirty="0">
+                <a:latin typeface="Times New Roman" panose="02020603050405020304" pitchFamily="18" charset="0"/>
+                <a:cs typeface="Times New Roman" panose="02020603050405020304" pitchFamily="18" charset="0"/>
+              </a:rPr>
+              <a:t>Quando </a:t>
+            </a:r>
+            <a:r>
+              <a:rPr lang="pt-BR" sz="2200" b="1" dirty="0">
+                <a:latin typeface="Times New Roman" panose="02020603050405020304" pitchFamily="18" charset="0"/>
+                <a:cs typeface="Times New Roman" panose="02020603050405020304" pitchFamily="18" charset="0"/>
+              </a:rPr>
+              <a:t>I0.0</a:t>
+            </a:r>
+            <a:r>
+              <a:rPr lang="pt-BR" sz="2200" dirty="0">
+                <a:latin typeface="Times New Roman" panose="02020603050405020304" pitchFamily="18" charset="0"/>
+                <a:cs typeface="Times New Roman" panose="02020603050405020304" pitchFamily="18" charset="0"/>
+              </a:rPr>
+              <a:t> (</a:t>
+            </a:r>
+            <a:r>
+              <a:rPr lang="pt-BR" sz="2200" b="1" dirty="0">
+                <a:solidFill>
+                  <a:srgbClr val="FF0000"/>
+                </a:solidFill>
+                <a:latin typeface="Times New Roman" panose="02020603050405020304" pitchFamily="18" charset="0"/>
+                <a:cs typeface="Times New Roman" panose="02020603050405020304" pitchFamily="18" charset="0"/>
+              </a:rPr>
+              <a:t>botão de partida</a:t>
+            </a:r>
+            <a:r>
+              <a:rPr lang="pt-BR" sz="2200" dirty="0">
+                <a:latin typeface="Times New Roman" panose="02020603050405020304" pitchFamily="18" charset="0"/>
+                <a:cs typeface="Times New Roman" panose="02020603050405020304" pitchFamily="18" charset="0"/>
+              </a:rPr>
+              <a:t>) é pressionado, a saída </a:t>
+            </a:r>
+            <a:r>
+              <a:rPr lang="pt-BR" sz="2200" b="1" dirty="0">
+                <a:latin typeface="Times New Roman" panose="02020603050405020304" pitchFamily="18" charset="0"/>
+                <a:cs typeface="Times New Roman" panose="02020603050405020304" pitchFamily="18" charset="0"/>
+              </a:rPr>
+              <a:t>Q0.0</a:t>
+            </a:r>
+            <a:r>
+              <a:rPr lang="pt-BR" sz="2200" dirty="0">
+                <a:latin typeface="Times New Roman" panose="02020603050405020304" pitchFamily="18" charset="0"/>
+                <a:cs typeface="Times New Roman" panose="02020603050405020304" pitchFamily="18" charset="0"/>
+              </a:rPr>
+              <a:t> (motor) é </a:t>
+            </a:r>
+            <a:r>
+              <a:rPr lang="pt-BR" sz="2200" b="1" dirty="0">
+                <a:solidFill>
+                  <a:srgbClr val="FF0000"/>
+                </a:solidFill>
+                <a:latin typeface="Times New Roman" panose="02020603050405020304" pitchFamily="18" charset="0"/>
+                <a:cs typeface="Times New Roman" panose="02020603050405020304" pitchFamily="18" charset="0"/>
+              </a:rPr>
+              <a:t>ativada</a:t>
+            </a:r>
+            <a:r>
+              <a:rPr lang="pt-BR" sz="2200" dirty="0">
+                <a:latin typeface="Times New Roman" panose="02020603050405020304" pitchFamily="18" charset="0"/>
+                <a:cs typeface="Times New Roman" panose="02020603050405020304" pitchFamily="18" charset="0"/>
+              </a:rPr>
+              <a:t>.</a:t>
+            </a:r>
+          </a:p>
+          <a:p>
+            <a:pPr marL="0" indent="0" algn="just">
+              <a:buNone/>
+            </a:pPr>
+            <a:endParaRPr lang="pt-BR" sz="2200" dirty="0">
+              <a:latin typeface="Times New Roman" panose="02020603050405020304" pitchFamily="18" charset="0"/>
+              <a:cs typeface="Times New Roman" panose="02020603050405020304" pitchFamily="18" charset="0"/>
+            </a:endParaRPr>
+          </a:p>
+          <a:p>
+            <a:pPr algn="just">
+              <a:buFont typeface="Wingdings" panose="05000000000000000000" pitchFamily="2" charset="2"/>
+              <a:buChar char="ü"/>
+            </a:pPr>
+            <a:r>
+              <a:rPr lang="pt-BR" sz="2200" dirty="0">
+                <a:latin typeface="Times New Roman" panose="02020603050405020304" pitchFamily="18" charset="0"/>
+                <a:cs typeface="Times New Roman" panose="02020603050405020304" pitchFamily="18" charset="0"/>
+              </a:rPr>
+              <a:t>Quando </a:t>
+            </a:r>
+            <a:r>
+              <a:rPr lang="pt-BR" sz="2200" b="1" dirty="0">
+                <a:latin typeface="Times New Roman" panose="02020603050405020304" pitchFamily="18" charset="0"/>
+                <a:cs typeface="Times New Roman" panose="02020603050405020304" pitchFamily="18" charset="0"/>
+              </a:rPr>
+              <a:t>I0.1</a:t>
+            </a:r>
+            <a:r>
+              <a:rPr lang="pt-BR" sz="2200" dirty="0">
+                <a:latin typeface="Times New Roman" panose="02020603050405020304" pitchFamily="18" charset="0"/>
+                <a:cs typeface="Times New Roman" panose="02020603050405020304" pitchFamily="18" charset="0"/>
+              </a:rPr>
+              <a:t> (</a:t>
+            </a:r>
+            <a:r>
+              <a:rPr lang="pt-BR" sz="2200" b="1" dirty="0">
+                <a:solidFill>
+                  <a:srgbClr val="FF0000"/>
+                </a:solidFill>
+                <a:latin typeface="Times New Roman" panose="02020603050405020304" pitchFamily="18" charset="0"/>
+                <a:cs typeface="Times New Roman" panose="02020603050405020304" pitchFamily="18" charset="0"/>
+              </a:rPr>
+              <a:t>botão de parada</a:t>
+            </a:r>
+            <a:r>
+              <a:rPr lang="pt-BR" sz="2200" dirty="0">
+                <a:latin typeface="Times New Roman" panose="02020603050405020304" pitchFamily="18" charset="0"/>
+                <a:cs typeface="Times New Roman" panose="02020603050405020304" pitchFamily="18" charset="0"/>
+              </a:rPr>
+              <a:t>) é pressionado, o motor (</a:t>
+            </a:r>
+            <a:r>
+              <a:rPr lang="pt-BR" sz="2200" b="1" dirty="0">
+                <a:latin typeface="Times New Roman" panose="02020603050405020304" pitchFamily="18" charset="0"/>
+                <a:cs typeface="Times New Roman" panose="02020603050405020304" pitchFamily="18" charset="0"/>
+              </a:rPr>
+              <a:t>Q0.0</a:t>
+            </a:r>
+            <a:r>
+              <a:rPr lang="pt-BR" sz="2200" dirty="0">
+                <a:latin typeface="Times New Roman" panose="02020603050405020304" pitchFamily="18" charset="0"/>
+                <a:cs typeface="Times New Roman" panose="02020603050405020304" pitchFamily="18" charset="0"/>
+              </a:rPr>
+              <a:t>) é </a:t>
+            </a:r>
+            <a:r>
+              <a:rPr lang="pt-BR" sz="2200" b="1" dirty="0">
+                <a:solidFill>
+                  <a:srgbClr val="FF0000"/>
+                </a:solidFill>
+                <a:latin typeface="Times New Roman" panose="02020603050405020304" pitchFamily="18" charset="0"/>
+                <a:cs typeface="Times New Roman" panose="02020603050405020304" pitchFamily="18" charset="0"/>
+              </a:rPr>
+              <a:t>desativado</a:t>
+            </a:r>
+            <a:r>
+              <a:rPr lang="pt-BR" sz="2200" dirty="0">
+                <a:latin typeface="Times New Roman" panose="02020603050405020304" pitchFamily="18" charset="0"/>
+                <a:cs typeface="Times New Roman" panose="02020603050405020304" pitchFamily="18" charset="0"/>
+              </a:rPr>
+              <a:t>.</a:t>
+            </a:r>
+            <a:endParaRPr lang="pt-BR" sz="2000" dirty="0">
+              <a:latin typeface="Times New Roman" panose="02020603050405020304" pitchFamily="18" charset="0"/>
+              <a:cs typeface="Times New Roman" panose="02020603050405020304" pitchFamily="18" charset="0"/>
+            </a:endParaRPr>
+          </a:p>
+        </p:txBody>
+      </p:sp>
+    </p:spTree>
+    <p:extLst>
+      <p:ext uri="{BB962C8B-B14F-4D97-AF65-F5344CB8AC3E}">
+        <p14:creationId xmlns:p14="http://schemas.microsoft.com/office/powerpoint/2010/main" val="2597081964"/>
+      </p:ext>
+    </p:extLst>
+  </p:cSld>
+  <p:clrMapOvr>
+    <a:masterClrMapping/>
+  </p:clrMapOvr>
+  <p:transition spd="med"/>
+</p:sld>
+</file>
+
+<file path=ppt/slides/slide18.xml><?xml version="1.0" encoding="utf-8"?>
+<p:sld xmlns:a="http://schemas.openxmlformats.org/drawingml/2006/main" xmlns:r="http://schemas.openxmlformats.org/officeDocument/2006/relationships" xmlns:p="http://schemas.openxmlformats.org/presentationml/2006/main">
+  <p:cSld>
+    <p:spTree>
+      <p:nvGrpSpPr>
+        <p:cNvPr id="1" name="">
+          <a:extLst>
+            <a:ext uri="{FF2B5EF4-FFF2-40B4-BE49-F238E27FC236}">
+              <a16:creationId xmlns:a16="http://schemas.microsoft.com/office/drawing/2014/main" id="{47248597-85DE-B359-11EE-FDF49C3EF368}"/>
+            </a:ext>
+          </a:extLst>
+        </p:cNvPr>
+        <p:cNvGrpSpPr/>
+        <p:nvPr/>
+      </p:nvGrpSpPr>
+      <p:grpSpPr>
+        <a:xfrm>
+          <a:off x="0" y="0"/>
+          <a:ext cx="0" cy="0"/>
+          <a:chOff x="0" y="0"/>
+          <a:chExt cx="0" cy="0"/>
+        </a:xfrm>
+      </p:grpSpPr>
+      <p:sp>
+        <p:nvSpPr>
+          <p:cNvPr id="6" name="Title 1">
+            <a:extLst>
+              <a:ext uri="{FF2B5EF4-FFF2-40B4-BE49-F238E27FC236}">
+                <a16:creationId xmlns:a16="http://schemas.microsoft.com/office/drawing/2014/main" id="{0D217C2C-7BFD-2783-0EB6-FDE7D5CCEF0B}"/>
+              </a:ext>
+            </a:extLst>
+          </p:cNvPr>
+          <p:cNvSpPr>
+            <a:spLocks noGrp="1"/>
+          </p:cNvSpPr>
+          <p:nvPr>
+            <p:ph type="title"/>
+          </p:nvPr>
+        </p:nvSpPr>
+        <p:spPr>
+          <a:xfrm>
+            <a:off x="457200" y="205980"/>
+            <a:ext cx="8229600" cy="857251"/>
+          </a:xfrm>
+        </p:spPr>
+        <p:txBody>
+          <a:bodyPr>
+            <a:normAutofit/>
+          </a:bodyPr>
+          <a:lstStyle/>
+          <a:p>
+            <a:r>
+              <a:rPr lang="en-US" b="1" dirty="0">
+                <a:solidFill>
+                  <a:srgbClr val="0070C0"/>
+                </a:solidFill>
+              </a:rPr>
+              <a:t>CLP – </a:t>
+            </a:r>
+            <a:r>
+              <a:rPr lang="en-US" b="1" dirty="0" err="1">
+                <a:solidFill>
+                  <a:srgbClr val="0070C0"/>
+                </a:solidFill>
+              </a:rPr>
+              <a:t>Unidade</a:t>
+            </a:r>
+            <a:r>
+              <a:rPr lang="en-US" b="1" dirty="0">
+                <a:solidFill>
+                  <a:srgbClr val="0070C0"/>
+                </a:solidFill>
+              </a:rPr>
+              <a:t> de </a:t>
+            </a:r>
+            <a:r>
+              <a:rPr lang="en-US" b="1" dirty="0" err="1">
+                <a:solidFill>
+                  <a:srgbClr val="0070C0"/>
+                </a:solidFill>
+              </a:rPr>
+              <a:t>Processamento</a:t>
+            </a:r>
+            <a:endParaRPr lang="en-US" b="1" dirty="0">
+              <a:solidFill>
+                <a:srgbClr val="0070C0"/>
+              </a:solidFill>
+            </a:endParaRPr>
+          </a:p>
+        </p:txBody>
+      </p:sp>
+      <p:sp>
+        <p:nvSpPr>
+          <p:cNvPr id="8" name="Text Placeholder 2">
+            <a:extLst>
+              <a:ext uri="{FF2B5EF4-FFF2-40B4-BE49-F238E27FC236}">
+                <a16:creationId xmlns:a16="http://schemas.microsoft.com/office/drawing/2014/main" id="{7F7C3667-981B-2FEE-5223-CF9A7E6D7ECB}"/>
+              </a:ext>
+            </a:extLst>
+          </p:cNvPr>
+          <p:cNvSpPr>
+            <a:spLocks noGrp="1"/>
+          </p:cNvSpPr>
+          <p:nvPr>
+            <p:ph type="body" sz="half" idx="1"/>
+          </p:nvPr>
+        </p:nvSpPr>
+        <p:spPr>
+          <a:xfrm>
+            <a:off x="142865" y="1035050"/>
+            <a:ext cx="8865056" cy="3994150"/>
+          </a:xfrm>
+        </p:spPr>
+        <p:txBody>
+          <a:bodyPr>
+            <a:noAutofit/>
+          </a:bodyPr>
+          <a:lstStyle/>
+          <a:p>
+            <a:pPr algn="just">
+              <a:buFont typeface="Wingdings" panose="05000000000000000000" pitchFamily="2" charset="2"/>
+              <a:buChar char="§"/>
+            </a:pPr>
+            <a:r>
+              <a:rPr lang="pt-BR" sz="2200" b="1" dirty="0">
+                <a:latin typeface="Times New Roman" panose="02020603050405020304" pitchFamily="18" charset="0"/>
+                <a:cs typeface="Times New Roman" panose="02020603050405020304" pitchFamily="18" charset="0"/>
+              </a:rPr>
+              <a:t>Função da CPU</a:t>
+            </a:r>
+            <a:endParaRPr lang="pt-BR" sz="2200" dirty="0">
+              <a:latin typeface="Times New Roman" panose="02020603050405020304" pitchFamily="18" charset="0"/>
+              <a:cs typeface="Times New Roman" panose="02020603050405020304" pitchFamily="18" charset="0"/>
+            </a:endParaRPr>
+          </a:p>
+          <a:p>
+            <a:pPr marL="0" indent="0" algn="just">
+              <a:buNone/>
+            </a:pPr>
+            <a:endParaRPr lang="pt-BR" sz="2200" dirty="0">
+              <a:latin typeface="Times New Roman" panose="02020603050405020304" pitchFamily="18" charset="0"/>
+              <a:cs typeface="Times New Roman" panose="02020603050405020304" pitchFamily="18" charset="0"/>
+            </a:endParaRPr>
+          </a:p>
+          <a:p>
+            <a:pPr algn="just">
+              <a:buFont typeface="Wingdings" panose="05000000000000000000" pitchFamily="2" charset="2"/>
+              <a:buChar char="ü"/>
+            </a:pPr>
+            <a:r>
+              <a:rPr lang="pt-BR" sz="2200" dirty="0">
+                <a:latin typeface="Times New Roman" panose="02020603050405020304" pitchFamily="18" charset="0"/>
+                <a:cs typeface="Times New Roman" panose="02020603050405020304" pitchFamily="18" charset="0"/>
+              </a:rPr>
+              <a:t>A CPU é o “</a:t>
+            </a:r>
+            <a:r>
+              <a:rPr lang="pt-BR" sz="2200" b="1" dirty="0">
+                <a:solidFill>
+                  <a:srgbClr val="FF0000"/>
+                </a:solidFill>
+                <a:latin typeface="Times New Roman" panose="02020603050405020304" pitchFamily="18" charset="0"/>
+                <a:cs typeface="Times New Roman" panose="02020603050405020304" pitchFamily="18" charset="0"/>
+              </a:rPr>
+              <a:t>cérebro</a:t>
+            </a:r>
+            <a:r>
+              <a:rPr lang="pt-BR" sz="2200" dirty="0">
+                <a:latin typeface="Times New Roman" panose="02020603050405020304" pitchFamily="18" charset="0"/>
+                <a:cs typeface="Times New Roman" panose="02020603050405020304" pitchFamily="18" charset="0"/>
+              </a:rPr>
+              <a:t>” do CLP e realiza a execução do programa e controle lógico.</a:t>
+            </a:r>
+          </a:p>
+          <a:p>
+            <a:pPr algn="just">
+              <a:buFont typeface="Wingdings" panose="05000000000000000000" pitchFamily="2" charset="2"/>
+              <a:buChar char="ü"/>
+            </a:pPr>
+            <a:endParaRPr lang="pt-BR" sz="2200" dirty="0">
+              <a:latin typeface="Times New Roman" panose="02020603050405020304" pitchFamily="18" charset="0"/>
+              <a:cs typeface="Times New Roman" panose="02020603050405020304" pitchFamily="18" charset="0"/>
+            </a:endParaRPr>
+          </a:p>
+          <a:p>
+            <a:pPr algn="just">
+              <a:buFont typeface="Wingdings" panose="05000000000000000000" pitchFamily="2" charset="2"/>
+              <a:buChar char="ü"/>
+            </a:pPr>
+            <a:r>
+              <a:rPr lang="pt-BR" sz="2200" dirty="0">
+                <a:latin typeface="Times New Roman" panose="02020603050405020304" pitchFamily="18" charset="0"/>
+                <a:cs typeface="Times New Roman" panose="02020603050405020304" pitchFamily="18" charset="0"/>
+              </a:rPr>
+              <a:t>Contém a </a:t>
+            </a:r>
+            <a:r>
+              <a:rPr lang="pt-BR" sz="2200" b="1" dirty="0">
+                <a:solidFill>
+                  <a:srgbClr val="FF0000"/>
+                </a:solidFill>
+                <a:latin typeface="Times New Roman" panose="02020603050405020304" pitchFamily="18" charset="0"/>
+                <a:cs typeface="Times New Roman" panose="02020603050405020304" pitchFamily="18" charset="0"/>
+              </a:rPr>
+              <a:t>unidade de controle</a:t>
+            </a:r>
+            <a:r>
+              <a:rPr lang="pt-BR" sz="2200" dirty="0">
+                <a:latin typeface="Times New Roman" panose="02020603050405020304" pitchFamily="18" charset="0"/>
+                <a:cs typeface="Times New Roman" panose="02020603050405020304" pitchFamily="18" charset="0"/>
+              </a:rPr>
+              <a:t>, unidade aritmética e lógica (</a:t>
+            </a:r>
+            <a:r>
+              <a:rPr lang="pt-BR" sz="2200" b="1" dirty="0">
+                <a:latin typeface="Times New Roman" panose="02020603050405020304" pitchFamily="18" charset="0"/>
+                <a:cs typeface="Times New Roman" panose="02020603050405020304" pitchFamily="18" charset="0"/>
+              </a:rPr>
+              <a:t>ULA</a:t>
+            </a:r>
+            <a:r>
+              <a:rPr lang="pt-BR" sz="2200" dirty="0">
+                <a:latin typeface="Times New Roman" panose="02020603050405020304" pitchFamily="18" charset="0"/>
+                <a:cs typeface="Times New Roman" panose="02020603050405020304" pitchFamily="18" charset="0"/>
+              </a:rPr>
+              <a:t>), </a:t>
+            </a:r>
+            <a:r>
+              <a:rPr lang="pt-BR" sz="2200" b="1" dirty="0">
+                <a:solidFill>
+                  <a:srgbClr val="FF0000"/>
+                </a:solidFill>
+                <a:latin typeface="Times New Roman" panose="02020603050405020304" pitchFamily="18" charset="0"/>
+                <a:cs typeface="Times New Roman" panose="02020603050405020304" pitchFamily="18" charset="0"/>
+              </a:rPr>
+              <a:t>registradores</a:t>
+            </a:r>
+            <a:r>
+              <a:rPr lang="pt-BR" sz="2200" dirty="0">
+                <a:latin typeface="Times New Roman" panose="02020603050405020304" pitchFamily="18" charset="0"/>
+                <a:cs typeface="Times New Roman" panose="02020603050405020304" pitchFamily="18" charset="0"/>
+              </a:rPr>
+              <a:t>, e os </a:t>
+            </a:r>
+            <a:r>
+              <a:rPr lang="pt-BR" sz="2200" b="1" dirty="0">
+                <a:solidFill>
+                  <a:srgbClr val="FF0000"/>
+                </a:solidFill>
+                <a:latin typeface="Times New Roman" panose="02020603050405020304" pitchFamily="18" charset="0"/>
+                <a:cs typeface="Times New Roman" panose="02020603050405020304" pitchFamily="18" charset="0"/>
+              </a:rPr>
+              <a:t>registros de controle</a:t>
+            </a:r>
+            <a:r>
+              <a:rPr lang="pt-BR" sz="2200" dirty="0">
+                <a:latin typeface="Times New Roman" panose="02020603050405020304" pitchFamily="18" charset="0"/>
+                <a:cs typeface="Times New Roman" panose="02020603050405020304" pitchFamily="18" charset="0"/>
+              </a:rPr>
+              <a:t>.</a:t>
+            </a:r>
+          </a:p>
+        </p:txBody>
+      </p:sp>
+    </p:spTree>
+    <p:extLst>
+      <p:ext uri="{BB962C8B-B14F-4D97-AF65-F5344CB8AC3E}">
+        <p14:creationId xmlns:p14="http://schemas.microsoft.com/office/powerpoint/2010/main" val="1963636102"/>
+      </p:ext>
+    </p:extLst>
+  </p:cSld>
+  <p:clrMapOvr>
+    <a:masterClrMapping/>
+  </p:clrMapOvr>
+  <p:transition spd="med"/>
+</p:sld>
+</file>
+
+<file path=ppt/slides/slide19.xml><?xml version="1.0" encoding="utf-8"?>
+<p:sld xmlns:a="http://schemas.openxmlformats.org/drawingml/2006/main" xmlns:r="http://schemas.openxmlformats.org/officeDocument/2006/relationships" xmlns:p="http://schemas.openxmlformats.org/presentationml/2006/main">
+  <p:cSld>
+    <p:spTree>
+      <p:nvGrpSpPr>
+        <p:cNvPr id="1" name="">
+          <a:extLst>
+            <a:ext uri="{FF2B5EF4-FFF2-40B4-BE49-F238E27FC236}">
+              <a16:creationId xmlns:a16="http://schemas.microsoft.com/office/drawing/2014/main" id="{BD986312-970B-550B-1204-48EBE3BB8512}"/>
+            </a:ext>
+          </a:extLst>
+        </p:cNvPr>
+        <p:cNvGrpSpPr/>
+        <p:nvPr/>
+      </p:nvGrpSpPr>
+      <p:grpSpPr>
+        <a:xfrm>
+          <a:off x="0" y="0"/>
+          <a:ext cx="0" cy="0"/>
+          <a:chOff x="0" y="0"/>
+          <a:chExt cx="0" cy="0"/>
+        </a:xfrm>
+      </p:grpSpPr>
+      <p:sp>
+        <p:nvSpPr>
+          <p:cNvPr id="6" name="Title 1">
+            <a:extLst>
+              <a:ext uri="{FF2B5EF4-FFF2-40B4-BE49-F238E27FC236}">
+                <a16:creationId xmlns:a16="http://schemas.microsoft.com/office/drawing/2014/main" id="{F4919E99-2874-6741-1C41-3C4C1BF0FC44}"/>
+              </a:ext>
+            </a:extLst>
+          </p:cNvPr>
+          <p:cNvSpPr>
+            <a:spLocks noGrp="1"/>
+          </p:cNvSpPr>
+          <p:nvPr>
+            <p:ph type="title"/>
+          </p:nvPr>
+        </p:nvSpPr>
+        <p:spPr>
+          <a:xfrm>
+            <a:off x="457200" y="205980"/>
+            <a:ext cx="8229600" cy="857251"/>
+          </a:xfrm>
+        </p:spPr>
+        <p:txBody>
+          <a:bodyPr>
+            <a:normAutofit/>
+          </a:bodyPr>
+          <a:lstStyle/>
+          <a:p>
+            <a:r>
+              <a:rPr lang="en-US" b="1" dirty="0">
+                <a:solidFill>
+                  <a:srgbClr val="0070C0"/>
+                </a:solidFill>
+              </a:rPr>
+              <a:t>CLP – </a:t>
+            </a:r>
+            <a:r>
+              <a:rPr lang="en-US" b="1" dirty="0" err="1">
+                <a:solidFill>
+                  <a:srgbClr val="0070C0"/>
+                </a:solidFill>
+              </a:rPr>
+              <a:t>Unidade</a:t>
+            </a:r>
+            <a:r>
+              <a:rPr lang="en-US" b="1" dirty="0">
+                <a:solidFill>
+                  <a:srgbClr val="0070C0"/>
+                </a:solidFill>
+              </a:rPr>
+              <a:t> de </a:t>
+            </a:r>
+            <a:r>
+              <a:rPr lang="en-US" b="1" dirty="0" err="1">
+                <a:solidFill>
+                  <a:srgbClr val="0070C0"/>
+                </a:solidFill>
+              </a:rPr>
+              <a:t>Processamento</a:t>
+            </a:r>
+            <a:endParaRPr lang="en-US" b="1" dirty="0">
+              <a:solidFill>
+                <a:srgbClr val="0070C0"/>
+              </a:solidFill>
+            </a:endParaRPr>
+          </a:p>
+        </p:txBody>
+      </p:sp>
+      <p:sp>
+        <p:nvSpPr>
+          <p:cNvPr id="8" name="Text Placeholder 2">
+            <a:extLst>
+              <a:ext uri="{FF2B5EF4-FFF2-40B4-BE49-F238E27FC236}">
+                <a16:creationId xmlns:a16="http://schemas.microsoft.com/office/drawing/2014/main" id="{8CFF8581-AC10-624F-A041-7086DD8FA171}"/>
+              </a:ext>
+            </a:extLst>
+          </p:cNvPr>
+          <p:cNvSpPr>
+            <a:spLocks noGrp="1"/>
+          </p:cNvSpPr>
+          <p:nvPr>
+            <p:ph type="body" sz="half" idx="1"/>
+          </p:nvPr>
+        </p:nvSpPr>
+        <p:spPr>
+          <a:xfrm>
+            <a:off x="142865" y="1035050"/>
+            <a:ext cx="8865056" cy="3994150"/>
+          </a:xfrm>
+        </p:spPr>
+        <p:txBody>
+          <a:bodyPr>
+            <a:noAutofit/>
+          </a:bodyPr>
+          <a:lstStyle/>
+          <a:p>
+            <a:pPr algn="just">
+              <a:buFont typeface="Wingdings" panose="05000000000000000000" pitchFamily="2" charset="2"/>
+              <a:buChar char="§"/>
+            </a:pPr>
+            <a:r>
+              <a:rPr lang="pt-BR" sz="2200" b="1" dirty="0">
+                <a:latin typeface="Times New Roman" panose="02020603050405020304" pitchFamily="18" charset="0"/>
+                <a:cs typeface="Times New Roman" panose="02020603050405020304" pitchFamily="18" charset="0"/>
+              </a:rPr>
+              <a:t>Arquitetura da CPU</a:t>
+            </a:r>
+            <a:endParaRPr lang="pt-BR" sz="2200" dirty="0">
+              <a:latin typeface="Times New Roman" panose="02020603050405020304" pitchFamily="18" charset="0"/>
+              <a:cs typeface="Times New Roman" panose="02020603050405020304" pitchFamily="18" charset="0"/>
+            </a:endParaRPr>
+          </a:p>
+          <a:p>
+            <a:pPr algn="just">
+              <a:buFont typeface="Wingdings" panose="05000000000000000000" pitchFamily="2" charset="2"/>
+              <a:buChar char="ü"/>
+            </a:pPr>
+            <a:r>
+              <a:rPr lang="pt-BR" sz="2200" b="1" dirty="0">
+                <a:solidFill>
+                  <a:srgbClr val="FF0000"/>
+                </a:solidFill>
+                <a:latin typeface="Times New Roman" panose="02020603050405020304" pitchFamily="18" charset="0"/>
+                <a:cs typeface="Times New Roman" panose="02020603050405020304" pitchFamily="18" charset="0"/>
+              </a:rPr>
+              <a:t>Unidade de Controle</a:t>
+            </a:r>
+            <a:r>
+              <a:rPr lang="pt-BR" sz="2200" dirty="0">
+                <a:latin typeface="Times New Roman" panose="02020603050405020304" pitchFamily="18" charset="0"/>
+                <a:cs typeface="Times New Roman" panose="02020603050405020304" pitchFamily="18" charset="0"/>
+              </a:rPr>
+              <a:t>: Responsável por coordenar o funcionamento de todo o sistema.</a:t>
+            </a:r>
+          </a:p>
+          <a:p>
+            <a:pPr marL="0" indent="0" algn="just">
+              <a:buNone/>
+            </a:pPr>
+            <a:endParaRPr lang="pt-BR" sz="2200" dirty="0">
+              <a:latin typeface="Times New Roman" panose="02020603050405020304" pitchFamily="18" charset="0"/>
+              <a:cs typeface="Times New Roman" panose="02020603050405020304" pitchFamily="18" charset="0"/>
+            </a:endParaRPr>
+          </a:p>
+          <a:p>
+            <a:pPr algn="just">
+              <a:buFont typeface="Wingdings" panose="05000000000000000000" pitchFamily="2" charset="2"/>
+              <a:buChar char="ü"/>
+            </a:pPr>
+            <a:r>
+              <a:rPr lang="pt-BR" sz="2200" b="1" dirty="0">
+                <a:solidFill>
+                  <a:srgbClr val="FF0000"/>
+                </a:solidFill>
+                <a:latin typeface="Times New Roman" panose="02020603050405020304" pitchFamily="18" charset="0"/>
+                <a:cs typeface="Times New Roman" panose="02020603050405020304" pitchFamily="18" charset="0"/>
+              </a:rPr>
+              <a:t>Unidade Aritmética e Lógica (ULA)</a:t>
+            </a:r>
+            <a:r>
+              <a:rPr lang="pt-BR" sz="2200" dirty="0">
+                <a:latin typeface="Times New Roman" panose="02020603050405020304" pitchFamily="18" charset="0"/>
+                <a:cs typeface="Times New Roman" panose="02020603050405020304" pitchFamily="18" charset="0"/>
+              </a:rPr>
+              <a:t>: Realiza operações matemáticas e lógicas (como soma, subtração, comparação).</a:t>
+            </a:r>
+          </a:p>
+          <a:p>
+            <a:pPr algn="just">
+              <a:buFont typeface="Wingdings" panose="05000000000000000000" pitchFamily="2" charset="2"/>
+              <a:buChar char="ü"/>
+            </a:pPr>
+            <a:endParaRPr lang="pt-BR" sz="2200" dirty="0">
+              <a:latin typeface="Times New Roman" panose="02020603050405020304" pitchFamily="18" charset="0"/>
+              <a:cs typeface="Times New Roman" panose="02020603050405020304" pitchFamily="18" charset="0"/>
+            </a:endParaRPr>
+          </a:p>
+          <a:p>
+            <a:pPr algn="just">
+              <a:buFont typeface="Wingdings" panose="05000000000000000000" pitchFamily="2" charset="2"/>
+              <a:buChar char="§"/>
+            </a:pPr>
+            <a:r>
+              <a:rPr lang="pt-BR" sz="2200" b="1" dirty="0">
+                <a:latin typeface="Times New Roman" panose="02020603050405020304" pitchFamily="18" charset="0"/>
+                <a:cs typeface="Times New Roman" panose="02020603050405020304" pitchFamily="18" charset="0"/>
+              </a:rPr>
+              <a:t>Operações Típicas</a:t>
+            </a:r>
+            <a:endParaRPr lang="pt-BR" sz="2200" dirty="0">
+              <a:latin typeface="Times New Roman" panose="02020603050405020304" pitchFamily="18" charset="0"/>
+              <a:cs typeface="Times New Roman" panose="02020603050405020304" pitchFamily="18" charset="0"/>
+            </a:endParaRPr>
+          </a:p>
+          <a:p>
+            <a:pPr algn="just">
+              <a:buFont typeface="Wingdings" panose="05000000000000000000" pitchFamily="2" charset="2"/>
+              <a:buChar char="ü"/>
+            </a:pPr>
+            <a:r>
+              <a:rPr lang="pt-BR" sz="2200" dirty="0">
+                <a:latin typeface="Times New Roman" panose="02020603050405020304" pitchFamily="18" charset="0"/>
+                <a:cs typeface="Times New Roman" panose="02020603050405020304" pitchFamily="18" charset="0"/>
+              </a:rPr>
+              <a:t>Lógica de controle, contagem, temporização, controle de eventos.</a:t>
+            </a:r>
+          </a:p>
+        </p:txBody>
+      </p:sp>
+    </p:spTree>
+    <p:extLst>
+      <p:ext uri="{BB962C8B-B14F-4D97-AF65-F5344CB8AC3E}">
+        <p14:creationId xmlns:p14="http://schemas.microsoft.com/office/powerpoint/2010/main" val="3415549394"/>
+      </p:ext>
+    </p:extLst>
+  </p:cSld>
+  <p:clrMapOvr>
+    <a:masterClrMapping/>
+  </p:clrMapOvr>
+  <p:transition spd="med"/>
+</p:sld>
+</file>
+
 <file path=ppt/slides/slide2.xml><?xml version="1.0" encoding="utf-8"?>
 <p:sld xmlns:a="http://schemas.openxmlformats.org/drawingml/2006/main" xmlns:r="http://schemas.openxmlformats.org/officeDocument/2006/relationships" xmlns:p="http://schemas.openxmlformats.org/presentationml/2006/main">
   <p:cSld>
@@ -4343,7 +8577,7 @@
 </p:sld>
 </file>
 
-<file path=ppt/slides/slide3.xml><?xml version="1.0" encoding="utf-8"?>
+<file path=ppt/slides/slide20.xml><?xml version="1.0" encoding="utf-8"?>
 <p:sld xmlns:a="http://schemas.openxmlformats.org/drawingml/2006/main" xmlns:r="http://schemas.openxmlformats.org/officeDocument/2006/relationships" xmlns:p="http://schemas.openxmlformats.org/presentationml/2006/main">
   <p:cSld>
     <p:spTree>
@@ -4351,7 +8585,7 @@
         <p:cNvPr id="1" name="">
           <a:extLst>
             <a:ext uri="{FF2B5EF4-FFF2-40B4-BE49-F238E27FC236}">
-              <a16:creationId xmlns:a16="http://schemas.microsoft.com/office/drawing/2014/main" id="{AFFC8B2D-7443-68FB-D448-E738142EB99F}"/>
+              <a16:creationId xmlns:a16="http://schemas.microsoft.com/office/drawing/2014/main" id="{E54D02A3-C771-8A5B-1022-CA72B607B04F}"/>
             </a:ext>
           </a:extLst>
         </p:cNvPr>
@@ -4371,7 +8605,7 @@
           <p:cNvPr id="6" name="Title 1">
             <a:extLst>
               <a:ext uri="{FF2B5EF4-FFF2-40B4-BE49-F238E27FC236}">
-                <a16:creationId xmlns:a16="http://schemas.microsoft.com/office/drawing/2014/main" id="{0A36332F-AF5C-5EE7-4FDB-2DE89732CE38}"/>
+                <a16:creationId xmlns:a16="http://schemas.microsoft.com/office/drawing/2014/main" id="{C9C25861-D410-0CB1-3A28-BCA254748B40}"/>
               </a:ext>
             </a:extLst>
           </p:cNvPr>
@@ -4408,7 +8642,7 @@
                   <a:srgbClr val="0070C0"/>
                 </a:solidFill>
               </a:rPr>
-              <a:t>Arquitetura</a:t>
+              <a:t>Memória</a:t>
             </a:r>
             <a:endParaRPr lang="en-US" b="1" dirty="0">
               <a:solidFill>
@@ -4423,7 +8657,7 @@
           <p:cNvPr id="8" name="Text Placeholder 2">
             <a:extLst>
               <a:ext uri="{FF2B5EF4-FFF2-40B4-BE49-F238E27FC236}">
-                <a16:creationId xmlns:a16="http://schemas.microsoft.com/office/drawing/2014/main" id="{B1B1D734-DA2C-3DA6-0191-27F88C8EB709}"/>
+                <a16:creationId xmlns:a16="http://schemas.microsoft.com/office/drawing/2014/main" id="{EE9BAF7E-A2A7-F189-BC9A-7329C4572AFC}"/>
               </a:ext>
             </a:extLst>
           </p:cNvPr>
@@ -4446,15 +8680,118 @@
           </a:bodyPr>
           <a:lstStyle/>
           <a:p>
+            <a:pPr algn="just">
+              <a:buFont typeface="Wingdings" panose="05000000000000000000" pitchFamily="2" charset="2"/>
+              <a:buChar char="§"/>
+            </a:pPr>
+            <a:r>
+              <a:rPr lang="pt-BR" sz="2200" b="1" dirty="0">
+                <a:latin typeface="Times New Roman" panose="02020603050405020304" pitchFamily="18" charset="0"/>
+                <a:cs typeface="Times New Roman" panose="02020603050405020304" pitchFamily="18" charset="0"/>
+              </a:rPr>
+              <a:t>Tipos de Memória</a:t>
+            </a:r>
+            <a:endParaRPr lang="pt-BR" sz="2200" dirty="0">
+              <a:latin typeface="Times New Roman" panose="02020603050405020304" pitchFamily="18" charset="0"/>
+              <a:cs typeface="Times New Roman" panose="02020603050405020304" pitchFamily="18" charset="0"/>
+            </a:endParaRPr>
+          </a:p>
+          <a:p>
             <a:pPr marL="0" indent="0" algn="just">
               <a:buNone/>
             </a:pPr>
-            <a:r>
-              <a:rPr lang="pt-BR" sz="2200" dirty="0">
-                <a:latin typeface="Times New Roman" panose="02020603050405020304" pitchFamily="18" charset="0"/>
-                <a:cs typeface="Times New Roman" panose="02020603050405020304" pitchFamily="18" charset="0"/>
-              </a:rPr>
-              <a:t>....</a:t>
+            <a:endParaRPr lang="pt-BR" sz="2000" dirty="0">
+              <a:latin typeface="Times New Roman" panose="02020603050405020304" pitchFamily="18" charset="0"/>
+              <a:cs typeface="Times New Roman" panose="02020603050405020304" pitchFamily="18" charset="0"/>
+            </a:endParaRPr>
+          </a:p>
+          <a:p>
+            <a:pPr algn="just">
+              <a:buFont typeface="Wingdings" panose="05000000000000000000" pitchFamily="2" charset="2"/>
+              <a:buChar char="v"/>
+            </a:pPr>
+            <a:r>
+              <a:rPr lang="pt-BR" sz="2000" b="1" dirty="0">
+                <a:solidFill>
+                  <a:srgbClr val="FF0000"/>
+                </a:solidFill>
+                <a:latin typeface="Times New Roman" panose="02020603050405020304" pitchFamily="18" charset="0"/>
+                <a:cs typeface="Times New Roman" panose="02020603050405020304" pitchFamily="18" charset="0"/>
+              </a:rPr>
+              <a:t>Memória RAM (Volátil)</a:t>
+            </a:r>
+            <a:r>
+              <a:rPr lang="pt-BR" sz="2000" dirty="0">
+                <a:latin typeface="Times New Roman" panose="02020603050405020304" pitchFamily="18" charset="0"/>
+                <a:cs typeface="Times New Roman" panose="02020603050405020304" pitchFamily="18" charset="0"/>
+              </a:rPr>
+              <a:t>: Armazena dados temporários, como o estado das entradas/saídas durante o ciclo de execução.</a:t>
+            </a:r>
+          </a:p>
+          <a:p>
+            <a:pPr algn="just">
+              <a:buFont typeface="Wingdings" panose="05000000000000000000" pitchFamily="2" charset="2"/>
+              <a:buChar char="v"/>
+            </a:pPr>
+            <a:endParaRPr lang="pt-BR" sz="2000" dirty="0">
+              <a:latin typeface="Times New Roman" panose="02020603050405020304" pitchFamily="18" charset="0"/>
+              <a:cs typeface="Times New Roman" panose="02020603050405020304" pitchFamily="18" charset="0"/>
+            </a:endParaRPr>
+          </a:p>
+          <a:p>
+            <a:pPr algn="just">
+              <a:buFont typeface="Wingdings" panose="05000000000000000000" pitchFamily="2" charset="2"/>
+              <a:buChar char="v"/>
+            </a:pPr>
+            <a:r>
+              <a:rPr lang="pt-BR" sz="2000" b="1" dirty="0">
+                <a:solidFill>
+                  <a:srgbClr val="FF0000"/>
+                </a:solidFill>
+                <a:latin typeface="Times New Roman" panose="02020603050405020304" pitchFamily="18" charset="0"/>
+                <a:cs typeface="Times New Roman" panose="02020603050405020304" pitchFamily="18" charset="0"/>
+              </a:rPr>
+              <a:t>Memória ROM (Não Volátil)</a:t>
+            </a:r>
+            <a:r>
+              <a:rPr lang="pt-BR" sz="2000" dirty="0">
+                <a:latin typeface="Times New Roman" panose="02020603050405020304" pitchFamily="18" charset="0"/>
+                <a:cs typeface="Times New Roman" panose="02020603050405020304" pitchFamily="18" charset="0"/>
+              </a:rPr>
+              <a:t>: Armazena o programa principal do CLP. Não perde dados quando há falta de energia.</a:t>
+            </a:r>
+          </a:p>
+          <a:p>
+            <a:pPr algn="just">
+              <a:buFont typeface="Wingdings" panose="05000000000000000000" pitchFamily="2" charset="2"/>
+              <a:buChar char="v"/>
+            </a:pPr>
+            <a:endParaRPr lang="pt-BR" sz="2000" dirty="0">
+              <a:latin typeface="Times New Roman" panose="02020603050405020304" pitchFamily="18" charset="0"/>
+              <a:cs typeface="Times New Roman" panose="02020603050405020304" pitchFamily="18" charset="0"/>
+            </a:endParaRPr>
+          </a:p>
+          <a:p>
+            <a:pPr algn="just">
+              <a:buFont typeface="Wingdings" panose="05000000000000000000" pitchFamily="2" charset="2"/>
+              <a:buChar char="v"/>
+            </a:pPr>
+            <a:r>
+              <a:rPr lang="pt-BR" sz="2000" b="1" dirty="0">
+                <a:solidFill>
+                  <a:srgbClr val="FF0000"/>
+                </a:solidFill>
+                <a:latin typeface="Times New Roman" panose="02020603050405020304" pitchFamily="18" charset="0"/>
+                <a:cs typeface="Times New Roman" panose="02020603050405020304" pitchFamily="18" charset="0"/>
+              </a:rPr>
+              <a:t>Memória Flash ou EEPROM</a:t>
+            </a:r>
+            <a:r>
+              <a:rPr lang="pt-BR" sz="2000" dirty="0">
+                <a:latin typeface="Times New Roman" panose="02020603050405020304" pitchFamily="18" charset="0"/>
+                <a:cs typeface="Times New Roman" panose="02020603050405020304" pitchFamily="18" charset="0"/>
+              </a:rPr>
+              <a:t>: Usada para armazenar programas que podem ser atualizados com facilidade.</a:t>
             </a:r>
           </a:p>
         </p:txBody>
@@ -4462,7 +8799,7 @@
     </p:spTree>
     <p:extLst>
       <p:ext uri="{BB962C8B-B14F-4D97-AF65-F5344CB8AC3E}">
-        <p14:creationId xmlns:p14="http://schemas.microsoft.com/office/powerpoint/2010/main" val="298294241"/>
+        <p14:creationId xmlns:p14="http://schemas.microsoft.com/office/powerpoint/2010/main" val="2303042188"/>
       </p:ext>
     </p:extLst>
   </p:cSld>
@@ -4473,7 +8810,230 @@
 </p:sld>
 </file>
 
-<file path=ppt/slides/slide4.xml><?xml version="1.0" encoding="utf-8"?>
+<file path=ppt/slides/slide21.xml><?xml version="1.0" encoding="utf-8"?>
+<p:sld xmlns:a="http://schemas.openxmlformats.org/drawingml/2006/main" xmlns:r="http://schemas.openxmlformats.org/officeDocument/2006/relationships" xmlns:p="http://schemas.openxmlformats.org/presentationml/2006/main">
+  <p:cSld>
+    <p:spTree>
+      <p:nvGrpSpPr>
+        <p:cNvPr id="1" name="">
+          <a:extLst>
+            <a:ext uri="{FF2B5EF4-FFF2-40B4-BE49-F238E27FC236}">
+              <a16:creationId xmlns:a16="http://schemas.microsoft.com/office/drawing/2014/main" id="{908184D8-E54D-490F-AA9B-A23033445EFA}"/>
+            </a:ext>
+          </a:extLst>
+        </p:cNvPr>
+        <p:cNvGrpSpPr/>
+        <p:nvPr/>
+      </p:nvGrpSpPr>
+      <p:grpSpPr>
+        <a:xfrm>
+          <a:off x="0" y="0"/>
+          <a:ext cx="0" cy="0"/>
+          <a:chOff x="0" y="0"/>
+          <a:chExt cx="0" cy="0"/>
+        </a:xfrm>
+      </p:grpSpPr>
+      <p:sp>
+        <p:nvSpPr>
+          <p:cNvPr id="6" name="Title 1">
+            <a:extLst>
+              <a:ext uri="{FF2B5EF4-FFF2-40B4-BE49-F238E27FC236}">
+                <a16:creationId xmlns:a16="http://schemas.microsoft.com/office/drawing/2014/main" id="{6C926A1C-D890-3675-6EDC-27BF0769AC90}"/>
+              </a:ext>
+            </a:extLst>
+          </p:cNvPr>
+          <p:cNvSpPr>
+            <a:spLocks noGrp="1"/>
+          </p:cNvSpPr>
+          <p:nvPr>
+            <p:ph type="title"/>
+          </p:nvPr>
+        </p:nvSpPr>
+        <p:spPr>
+          <a:xfrm>
+            <a:off x="457200" y="205980"/>
+            <a:ext cx="8229600" cy="857251"/>
+          </a:xfrm>
+        </p:spPr>
+        <p:txBody>
+          <a:bodyPr>
+            <a:normAutofit/>
+          </a:bodyPr>
+          <a:lstStyle/>
+          <a:p>
+            <a:r>
+              <a:rPr lang="en-US" b="1" dirty="0">
+                <a:solidFill>
+                  <a:srgbClr val="0070C0"/>
+                </a:solidFill>
+              </a:rPr>
+              <a:t>CLP – </a:t>
+            </a:r>
+            <a:r>
+              <a:rPr lang="en-US" b="1" dirty="0" err="1">
+                <a:solidFill>
+                  <a:srgbClr val="0070C0"/>
+                </a:solidFill>
+              </a:rPr>
+              <a:t>Memória</a:t>
+            </a:r>
+            <a:endParaRPr lang="en-US" b="1" dirty="0">
+              <a:solidFill>
+                <a:srgbClr val="0070C0"/>
+              </a:solidFill>
+            </a:endParaRPr>
+          </a:p>
+        </p:txBody>
+      </p:sp>
+      <p:sp>
+        <p:nvSpPr>
+          <p:cNvPr id="8" name="Text Placeholder 2">
+            <a:extLst>
+              <a:ext uri="{FF2B5EF4-FFF2-40B4-BE49-F238E27FC236}">
+                <a16:creationId xmlns:a16="http://schemas.microsoft.com/office/drawing/2014/main" id="{09B3E425-1A1F-4901-6C03-A1F7CC5F9863}"/>
+              </a:ext>
+            </a:extLst>
+          </p:cNvPr>
+          <p:cNvSpPr>
+            <a:spLocks noGrp="1"/>
+          </p:cNvSpPr>
+          <p:nvPr>
+            <p:ph type="body" sz="half" idx="1"/>
+          </p:nvPr>
+        </p:nvSpPr>
+        <p:spPr>
+          <a:xfrm>
+            <a:off x="142865" y="1035050"/>
+            <a:ext cx="8865056" cy="3994150"/>
+          </a:xfrm>
+        </p:spPr>
+        <p:txBody>
+          <a:bodyPr>
+            <a:noAutofit/>
+          </a:bodyPr>
+          <a:lstStyle/>
+          <a:p>
+            <a:pPr algn="just">
+              <a:buFont typeface="Wingdings" panose="05000000000000000000" pitchFamily="2" charset="2"/>
+              <a:buChar char="§"/>
+            </a:pPr>
+            <a:r>
+              <a:rPr lang="pt-BR" sz="2200" b="1" dirty="0">
+                <a:latin typeface="Times New Roman" panose="02020603050405020304" pitchFamily="18" charset="0"/>
+                <a:cs typeface="Times New Roman" panose="02020603050405020304" pitchFamily="18" charset="0"/>
+              </a:rPr>
+              <a:t>Função das memórias no CLP</a:t>
+            </a:r>
+          </a:p>
+          <a:p>
+            <a:pPr algn="just">
+              <a:buFont typeface="Wingdings" panose="05000000000000000000" pitchFamily="2" charset="2"/>
+              <a:buChar char="§"/>
+            </a:pPr>
+            <a:endParaRPr lang="pt-BR" sz="2200" dirty="0">
+              <a:latin typeface="Times New Roman" panose="02020603050405020304" pitchFamily="18" charset="0"/>
+              <a:cs typeface="Times New Roman" panose="02020603050405020304" pitchFamily="18" charset="0"/>
+            </a:endParaRPr>
+          </a:p>
+          <a:p>
+            <a:pPr algn="just">
+              <a:buFont typeface="Wingdings" panose="05000000000000000000" pitchFamily="2" charset="2"/>
+              <a:buChar char="ü"/>
+            </a:pPr>
+            <a:r>
+              <a:rPr lang="pt-BR" sz="2200" dirty="0">
+                <a:latin typeface="Times New Roman" panose="02020603050405020304" pitchFamily="18" charset="0"/>
+                <a:cs typeface="Times New Roman" panose="02020603050405020304" pitchFamily="18" charset="0"/>
+              </a:rPr>
+              <a:t>A </a:t>
+            </a:r>
+            <a:r>
+              <a:rPr lang="pt-BR" sz="2200" b="1" dirty="0">
+                <a:solidFill>
+                  <a:srgbClr val="FF0000"/>
+                </a:solidFill>
+                <a:latin typeface="Times New Roman" panose="02020603050405020304" pitchFamily="18" charset="0"/>
+                <a:cs typeface="Times New Roman" panose="02020603050405020304" pitchFamily="18" charset="0"/>
+              </a:rPr>
+              <a:t>memória RAM </a:t>
+            </a:r>
+            <a:r>
+              <a:rPr lang="pt-BR" sz="2200" dirty="0">
+                <a:latin typeface="Times New Roman" panose="02020603050405020304" pitchFamily="18" charset="0"/>
+                <a:cs typeface="Times New Roman" panose="02020603050405020304" pitchFamily="18" charset="0"/>
+              </a:rPr>
+              <a:t>armazena os dados temporários do processo.</a:t>
+            </a:r>
+          </a:p>
+          <a:p>
+            <a:pPr marL="0" indent="0" algn="just">
+              <a:buNone/>
+            </a:pPr>
+            <a:endParaRPr lang="pt-BR" sz="2200" dirty="0">
+              <a:latin typeface="Times New Roman" panose="02020603050405020304" pitchFamily="18" charset="0"/>
+              <a:cs typeface="Times New Roman" panose="02020603050405020304" pitchFamily="18" charset="0"/>
+            </a:endParaRPr>
+          </a:p>
+          <a:p>
+            <a:pPr marL="0" indent="0" algn="just">
+              <a:buNone/>
+            </a:pPr>
+            <a:endParaRPr lang="pt-BR" sz="2200" dirty="0">
+              <a:latin typeface="Times New Roman" panose="02020603050405020304" pitchFamily="18" charset="0"/>
+              <a:cs typeface="Times New Roman" panose="02020603050405020304" pitchFamily="18" charset="0"/>
+            </a:endParaRPr>
+          </a:p>
+          <a:p>
+            <a:pPr algn="just">
+              <a:buFont typeface="Wingdings" panose="05000000000000000000" pitchFamily="2" charset="2"/>
+              <a:buChar char="ü"/>
+            </a:pPr>
+            <a:r>
+              <a:rPr lang="pt-BR" sz="2200" dirty="0">
+                <a:latin typeface="Times New Roman" panose="02020603050405020304" pitchFamily="18" charset="0"/>
+                <a:cs typeface="Times New Roman" panose="02020603050405020304" pitchFamily="18" charset="0"/>
+              </a:rPr>
+              <a:t>A </a:t>
+            </a:r>
+            <a:r>
+              <a:rPr lang="pt-BR" sz="2200" b="1" dirty="0">
+                <a:solidFill>
+                  <a:srgbClr val="FF0000"/>
+                </a:solidFill>
+                <a:latin typeface="Times New Roman" panose="02020603050405020304" pitchFamily="18" charset="0"/>
+                <a:cs typeface="Times New Roman" panose="02020603050405020304" pitchFamily="18" charset="0"/>
+              </a:rPr>
+              <a:t>memória ROM </a:t>
+            </a:r>
+            <a:r>
+              <a:rPr lang="pt-BR" sz="2200" dirty="0">
+                <a:latin typeface="Times New Roman" panose="02020603050405020304" pitchFamily="18" charset="0"/>
+                <a:cs typeface="Times New Roman" panose="02020603050405020304" pitchFamily="18" charset="0"/>
+              </a:rPr>
+              <a:t>contém o software básico de controle do CLP e o programa de controle escrito pelo usuário.</a:t>
+            </a:r>
+            <a:endParaRPr lang="pt-BR" sz="2000" dirty="0">
+              <a:latin typeface="Times New Roman" panose="02020603050405020304" pitchFamily="18" charset="0"/>
+              <a:cs typeface="Times New Roman" panose="02020603050405020304" pitchFamily="18" charset="0"/>
+            </a:endParaRPr>
+          </a:p>
+        </p:txBody>
+      </p:sp>
+    </p:spTree>
+    <p:extLst>
+      <p:ext uri="{BB962C8B-B14F-4D97-AF65-F5344CB8AC3E}">
+        <p14:creationId xmlns:p14="http://schemas.microsoft.com/office/powerpoint/2010/main" val="2753251486"/>
+      </p:ext>
+    </p:extLst>
+  </p:cSld>
+  <p:clrMapOvr>
+    <a:masterClrMapping/>
+  </p:clrMapOvr>
+  <p:transition spd="med"/>
+</p:sld>
+</file>
+
+<file path=ppt/slides/slide22.xml><?xml version="1.0" encoding="utf-8"?>
 <p:sld xmlns:a="http://schemas.openxmlformats.org/drawingml/2006/main" xmlns:r="http://schemas.openxmlformats.org/officeDocument/2006/relationships" xmlns:p="http://schemas.openxmlformats.org/presentationml/2006/main">
   <p:cSld>
     <p:spTree>
@@ -4603,8 +9163,13 @@
                 <a:latin typeface="Times New Roman" panose="02020603050405020304" pitchFamily="18" charset="0"/>
                 <a:cs typeface="Times New Roman" panose="02020603050405020304" pitchFamily="18" charset="0"/>
               </a:rPr>
-              <a:t>Disponível em: </a:t>
-            </a:r>
+              <a:t>Disponível  em:</a:t>
+            </a:r>
+          </a:p>
+          <a:p>
+            <a:pPr marL="0" indent="0" algn="just">
+              <a:buNone/>
+            </a:pPr>
             <a:r>
               <a:rPr lang="pt-BR" sz="2200" dirty="0">
                 <a:solidFill>
@@ -4614,15 +9179,18 @@
                 <a:cs typeface="Times New Roman" panose="02020603050405020304" pitchFamily="18" charset="0"/>
                 <a:hlinkClick r:id="rId3"/>
               </a:rPr>
-              <a:t>h</a:t>
-            </a:r>
-            <a:endParaRPr lang="pt-BR" sz="2200" dirty="0">
-              <a:solidFill>
-                <a:srgbClr val="FF0000"/>
-              </a:solidFill>
-              <a:latin typeface="Times New Roman" panose="02020603050405020304" pitchFamily="18" charset="0"/>
-              <a:cs typeface="Times New Roman" panose="02020603050405020304" pitchFamily="18" charset="0"/>
-            </a:endParaRPr>
+              <a:t>https://repositorio.ufsc.br/bitstream/handle/123456789/136471/336040.pdf?sequence=1</a:t>
+            </a:r>
+            <a:r>
+              <a:rPr lang="pt-BR" sz="2200" dirty="0">
+                <a:solidFill>
+                  <a:srgbClr val="FF0000"/>
+                </a:solidFill>
+                <a:latin typeface="Times New Roman" panose="02020603050405020304" pitchFamily="18" charset="0"/>
+                <a:cs typeface="Times New Roman" panose="02020603050405020304" pitchFamily="18" charset="0"/>
+              </a:rPr>
+              <a:t> </a:t>
+            </a:r>
           </a:p>
           <a:p>
             <a:pPr marL="0" indent="0" algn="just">
@@ -4640,35 +9208,41 @@
             <a:pPr marL="0" indent="0" algn="just">
               <a:buNone/>
             </a:pPr>
-            <a:endParaRPr lang="pt-BR" sz="2200" dirty="0">
-              <a:latin typeface="Times New Roman" panose="02020603050405020304" pitchFamily="18" charset="0"/>
-              <a:cs typeface="Times New Roman" panose="02020603050405020304" pitchFamily="18" charset="0"/>
-            </a:endParaRPr>
+            <a:r>
+              <a:rPr lang="pt-BR" sz="2200" dirty="0">
+                <a:latin typeface="Times New Roman" panose="02020603050405020304" pitchFamily="18" charset="0"/>
+                <a:cs typeface="Times New Roman" panose="02020603050405020304" pitchFamily="18" charset="0"/>
+              </a:rPr>
+              <a:t>[2] </a:t>
+            </a:r>
+            <a:r>
+              <a:rPr lang="pt-BR" sz="2200" b="1" dirty="0">
+                <a:latin typeface="Times New Roman" panose="02020603050405020304" pitchFamily="18" charset="0"/>
+                <a:cs typeface="Times New Roman" panose="02020603050405020304" pitchFamily="18" charset="0"/>
+              </a:rPr>
+              <a:t>CLP Arquitetura 2</a:t>
+            </a:r>
+            <a:r>
+              <a:rPr lang="pt-BR" sz="2200" dirty="0">
+                <a:latin typeface="Times New Roman" panose="02020603050405020304" pitchFamily="18" charset="0"/>
+                <a:cs typeface="Times New Roman" panose="02020603050405020304" pitchFamily="18" charset="0"/>
+              </a:rPr>
+              <a:t>.</a:t>
+            </a:r>
           </a:p>
           <a:p>
             <a:pPr marL="0" indent="0" algn="just">
               <a:buNone/>
             </a:pPr>
             <a:r>
-              <a:rPr lang="pt-BR" sz="2200" dirty="0">
-                <a:latin typeface="Times New Roman" panose="02020603050405020304" pitchFamily="18" charset="0"/>
-                <a:cs typeface="Times New Roman" panose="02020603050405020304" pitchFamily="18" charset="0"/>
-              </a:rPr>
-              <a:t>[2] </a:t>
-            </a:r>
-            <a:r>
               <a:rPr lang="pt-BR" sz="2200" b="1" dirty="0">
-                <a:latin typeface="Times New Roman" panose="02020603050405020304" pitchFamily="18" charset="0"/>
-                <a:cs typeface="Times New Roman" panose="02020603050405020304" pitchFamily="18" charset="0"/>
-              </a:rPr>
-              <a:t>CLP Arquitetura 2</a:t>
-            </a:r>
-            <a:r>
-              <a:rPr lang="pt-BR" sz="2200" dirty="0">
-                <a:latin typeface="Times New Roman" panose="02020603050405020304" pitchFamily="18" charset="0"/>
-                <a:cs typeface="Times New Roman" panose="02020603050405020304" pitchFamily="18" charset="0"/>
-              </a:rPr>
-              <a:t>. </a:t>
+                <a:solidFill>
+                  <a:srgbClr val="FF0000"/>
+                </a:solidFill>
+                <a:latin typeface="Times New Roman" panose="02020603050405020304" pitchFamily="18" charset="0"/>
+                <a:cs typeface="Times New Roman" panose="02020603050405020304" pitchFamily="18" charset="0"/>
+              </a:rPr>
+              <a:t>Disponível em:</a:t>
             </a:r>
           </a:p>
           <a:p>
@@ -4676,6 +9250,17 @@
               <a:buNone/>
             </a:pPr>
             <a:r>
+              <a:rPr lang="pt-BR" sz="2200" dirty="0">
+                <a:solidFill>
+                  <a:srgbClr val="FF0000"/>
+                </a:solidFill>
+                <a:latin typeface="Times New Roman" panose="02020603050405020304" pitchFamily="18" charset="0"/>
+                <a:cs typeface="Times New Roman" panose="02020603050405020304" pitchFamily="18" charset="0"/>
+                <a:hlinkClick r:id="rId4"/>
+              </a:rPr>
+              <a:t>https://ic.unicamp.br/~ducatte/mo401/1s2011/T2/Artigos/G12-004933-t2.pdf</a:t>
+            </a:r>
+            <a:r>
               <a:rPr lang="pt-BR" sz="2200" b="1" dirty="0">
                 <a:solidFill>
                   <a:srgbClr val="FF0000"/>
@@ -4683,18 +9268,7 @@
                 <a:latin typeface="Times New Roman" panose="02020603050405020304" pitchFamily="18" charset="0"/>
                 <a:cs typeface="Times New Roman" panose="02020603050405020304" pitchFamily="18" charset="0"/>
               </a:rPr>
-              <a:t>Disponível em: </a:t>
-            </a:r>
-            <a:r>
-              <a:rPr lang="pt-BR" sz="2200" dirty="0">
-                <a:solidFill>
-                  <a:srgbClr val="FF0000"/>
-                </a:solidFill>
-                <a:latin typeface="Times New Roman" panose="02020603050405020304" pitchFamily="18" charset="0"/>
-                <a:cs typeface="Times New Roman" panose="02020603050405020304" pitchFamily="18" charset="0"/>
-                <a:hlinkClick r:id="rId4"/>
-              </a:rPr>
-              <a:t>h</a:t>
+              <a:t> </a:t>
             </a:r>
             <a:endParaRPr lang="pt-BR" sz="2200" dirty="0">
               <a:latin typeface="Calibri" panose="020F0502020204030204" pitchFamily="34" charset="0"/>
@@ -4716,7 +9290,7 @@
 </p:sld>
 </file>
 
-<file path=ppt/slides/slide5.xml><?xml version="1.0" encoding="utf-8"?>
+<file path=ppt/slides/slide23.xml><?xml version="1.0" encoding="utf-8"?>
 <p:sld xmlns:a="http://schemas.openxmlformats.org/drawingml/2006/main" xmlns:r="http://schemas.openxmlformats.org/officeDocument/2006/relationships" xmlns:p="http://schemas.openxmlformats.org/presentationml/2006/main">
   <p:cSld>
     <p:spTree>
@@ -4834,12 +9408,15 @@
                 <a:cs typeface="Times New Roman" panose="02020603050405020304" pitchFamily="18" charset="0"/>
                 <a:hlinkClick r:id="rId3"/>
               </a:rPr>
-              <a:t>https:</a:t>
-            </a:r>
-            <a:endParaRPr lang="pt-BR" sz="2200" dirty="0">
-              <a:latin typeface="Times New Roman" panose="02020603050405020304" pitchFamily="18" charset="0"/>
-              <a:cs typeface="Times New Roman" panose="02020603050405020304" pitchFamily="18" charset="0"/>
-            </a:endParaRPr>
+              <a:t>https://youtu.be/gLaPV6BOHJc</a:t>
+            </a:r>
+            <a:r>
+              <a:rPr lang="pt-BR" sz="2200" dirty="0">
+                <a:latin typeface="Times New Roman" panose="02020603050405020304" pitchFamily="18" charset="0"/>
+                <a:cs typeface="Times New Roman" panose="02020603050405020304" pitchFamily="18" charset="0"/>
+              </a:rPr>
+              <a:t> </a:t>
+            </a:r>
           </a:p>
           <a:p>
             <a:pPr marL="0" indent="0" algn="just">
@@ -4901,7 +9478,7 @@
                 <a:cs typeface="Times New Roman" panose="02020603050405020304" pitchFamily="18" charset="0"/>
                 <a:hlinkClick r:id="rId4"/>
               </a:rPr>
-              <a:t>https:</a:t>
+              <a:t>https://youtu.be/w9BplgRR0M8</a:t>
             </a:r>
             <a:endParaRPr lang="pt-BR" sz="2200" dirty="0">
               <a:latin typeface="Times New Roman" panose="02020603050405020304" pitchFamily="18" charset="0"/>
@@ -4924,7 +9501,7 @@
 </p:sld>
 </file>
 
-<file path=ppt/slides/slide6.xml><?xml version="1.0" encoding="utf-8"?>
+<file path=ppt/slides/slide24.xml><?xml version="1.0" encoding="utf-8"?>
 <p:sld xmlns:a="http://schemas.openxmlformats.org/drawingml/2006/main" xmlns:r="http://schemas.openxmlformats.org/officeDocument/2006/relationships" xmlns:p="http://schemas.openxmlformats.org/presentationml/2006/main">
   <p:cSld>
     <p:spTree>
@@ -4997,13 +9574,16 @@
                   <a:srgbClr val="0070C0"/>
                 </a:solidFill>
               </a:rPr>
-              <a:t>Atividades</a:t>
-            </a:r>
-            <a:endParaRPr lang="en-US" b="1" dirty="0">
-              <a:solidFill>
-                <a:srgbClr val="0070C0"/>
-              </a:solidFill>
-            </a:endParaRPr>
+              <a:t>Prática</a:t>
+            </a:r>
+            <a:r>
+              <a:rPr lang="en-US" b="1" dirty="0">
+                <a:solidFill>
+                  <a:srgbClr val="0070C0"/>
+                </a:solidFill>
+              </a:rPr>
+              <a:t> (Ladder)</a:t>
+            </a:r>
           </a:p>
         </p:txBody>
       </p:sp>
@@ -5035,19 +9615,131 @@
           </a:bodyPr>
           <a:lstStyle/>
           <a:p>
-            <a:pPr algn="just">
-              <a:buFont typeface="Wingdings" panose="05000000000000000000" pitchFamily="2" charset="2"/>
-              <a:buChar char="q"/>
+            <a:pPr marL="457200" indent="-457200" algn="just">
+              <a:buFont typeface="+mj-lt"/>
+              <a:buAutoNum type="arabicPeriod"/>
             </a:pPr>
             <a:r>
+              <a:rPr lang="pt-BR" sz="2200" dirty="0">
+                <a:solidFill>
+                  <a:schemeClr val="tx1"/>
+                </a:solidFill>
+                <a:latin typeface="Times New Roman" panose="02020603050405020304" pitchFamily="18" charset="0"/>
+                <a:cs typeface="Times New Roman" panose="02020603050405020304" pitchFamily="18" charset="0"/>
+              </a:rPr>
+              <a:t>Demonstre na prática (</a:t>
+            </a:r>
+            <a:r>
               <a:rPr lang="pt-BR" sz="2200" b="1" dirty="0">
                 <a:solidFill>
-                  <a:srgbClr val="0070C0"/>
-                </a:solidFill>
-                <a:latin typeface="Times New Roman" panose="02020603050405020304" pitchFamily="18" charset="0"/>
-                <a:cs typeface="Times New Roman" panose="02020603050405020304" pitchFamily="18" charset="0"/>
-              </a:rPr>
-              <a:t>CLP</a:t>
+                  <a:srgbClr val="FF0000"/>
+                </a:solidFill>
+                <a:latin typeface="Times New Roman" panose="02020603050405020304" pitchFamily="18" charset="0"/>
+                <a:cs typeface="Times New Roman" panose="02020603050405020304" pitchFamily="18" charset="0"/>
+              </a:rPr>
+              <a:t>simulador</a:t>
+            </a:r>
+            <a:r>
+              <a:rPr lang="pt-BR" sz="2200" dirty="0">
+                <a:solidFill>
+                  <a:schemeClr val="tx1"/>
+                </a:solidFill>
+                <a:latin typeface="Times New Roman" panose="02020603050405020304" pitchFamily="18" charset="0"/>
+                <a:cs typeface="Times New Roman" panose="02020603050405020304" pitchFamily="18" charset="0"/>
+              </a:rPr>
+              <a:t>) um programa simples para acionar uma bomba a partir de um sensor de nível.</a:t>
+            </a:r>
+          </a:p>
+          <a:p>
+            <a:pPr marL="447675" lvl="1" indent="0" algn="just">
+              <a:buNone/>
+            </a:pPr>
+            <a:r>
+              <a:rPr lang="pt-BR" sz="2200" dirty="0">
+                <a:solidFill>
+                  <a:schemeClr val="tx1"/>
+                </a:solidFill>
+                <a:latin typeface="Times New Roman" panose="02020603050405020304" pitchFamily="18" charset="0"/>
+                <a:cs typeface="Times New Roman" panose="02020603050405020304" pitchFamily="18" charset="0"/>
+              </a:rPr>
+              <a:t>1.1. Explique passo a passo de como o CLP interage com os dispositivos.</a:t>
+            </a:r>
+          </a:p>
+          <a:p>
+            <a:pPr marL="457200" indent="-457200" algn="just">
+              <a:buFont typeface="+mj-lt"/>
+              <a:buAutoNum type="arabicPeriod"/>
+            </a:pPr>
+            <a:endParaRPr lang="pt-BR" sz="2200" dirty="0">
+              <a:solidFill>
+                <a:schemeClr val="tx1"/>
+              </a:solidFill>
+              <a:latin typeface="Times New Roman" panose="02020603050405020304" pitchFamily="18" charset="0"/>
+              <a:cs typeface="Times New Roman" panose="02020603050405020304" pitchFamily="18" charset="0"/>
+            </a:endParaRPr>
+          </a:p>
+          <a:p>
+            <a:pPr marL="457200" indent="-457200" algn="just">
+              <a:buFont typeface="+mj-lt"/>
+              <a:buAutoNum type="arabicPeriod"/>
+            </a:pPr>
+            <a:r>
+              <a:rPr lang="pt-BR" sz="2200" dirty="0">
+                <a:solidFill>
+                  <a:schemeClr val="tx1"/>
+                </a:solidFill>
+                <a:latin typeface="Times New Roman" panose="02020603050405020304" pitchFamily="18" charset="0"/>
+                <a:cs typeface="Times New Roman" panose="02020603050405020304" pitchFamily="18" charset="0"/>
+              </a:rPr>
+              <a:t>Leitura complementar sobre tipos de </a:t>
+            </a:r>
+            <a:r>
+              <a:rPr lang="pt-BR" sz="2200" dirty="0" err="1">
+                <a:solidFill>
+                  <a:schemeClr val="tx1"/>
+                </a:solidFill>
+                <a:latin typeface="Times New Roman" panose="02020603050405020304" pitchFamily="18" charset="0"/>
+                <a:cs typeface="Times New Roman" panose="02020603050405020304" pitchFamily="18" charset="0"/>
+              </a:rPr>
+              <a:t>CLPs</a:t>
+            </a:r>
+            <a:r>
+              <a:rPr lang="pt-BR" sz="2200" dirty="0">
+                <a:solidFill>
+                  <a:schemeClr val="tx1"/>
+                </a:solidFill>
+                <a:latin typeface="Times New Roman" panose="02020603050405020304" pitchFamily="18" charset="0"/>
+                <a:cs typeface="Times New Roman" panose="02020603050405020304" pitchFamily="18" charset="0"/>
+              </a:rPr>
+              <a:t> e seus componentes específicos.</a:t>
+            </a:r>
+          </a:p>
+          <a:p>
+            <a:pPr marL="0" indent="0" algn="just">
+              <a:buNone/>
+            </a:pPr>
+            <a:endParaRPr lang="pt-BR" sz="2200" dirty="0">
+              <a:solidFill>
+                <a:schemeClr val="tx1"/>
+              </a:solidFill>
+              <a:latin typeface="Times New Roman" panose="02020603050405020304" pitchFamily="18" charset="0"/>
+              <a:cs typeface="Times New Roman" panose="02020603050405020304" pitchFamily="18" charset="0"/>
+            </a:endParaRPr>
+          </a:p>
+          <a:p>
+            <a:pPr marL="457200" indent="-457200" algn="just">
+              <a:buFont typeface="+mj-lt"/>
+              <a:buAutoNum type="arabicPeriod" startAt="3"/>
+            </a:pPr>
+            <a:r>
+              <a:rPr lang="pt-BR" sz="2200" dirty="0">
+                <a:solidFill>
+                  <a:schemeClr val="tx1"/>
+                </a:solidFill>
+                <a:latin typeface="Times New Roman" panose="02020603050405020304" pitchFamily="18" charset="0"/>
+                <a:cs typeface="Times New Roman" panose="02020603050405020304" pitchFamily="18" charset="0"/>
+              </a:rPr>
+              <a:t>Pesquisar um exemplo de aplicação de CLP em uma indústria local.</a:t>
             </a:r>
           </a:p>
         </p:txBody>
@@ -5066,7 +9758,7 @@
 </p:sld>
 </file>
 
-<file path=ppt/slides/slide7.xml><?xml version="1.0" encoding="utf-8"?>
+<file path=ppt/slides/slide25.xml><?xml version="1.0" encoding="utf-8"?>
 <p:sld xmlns:a="http://schemas.openxmlformats.org/drawingml/2006/main" xmlns:r="http://schemas.openxmlformats.org/officeDocument/2006/relationships" xmlns:p="http://schemas.openxmlformats.org/presentationml/2006/main">
   <p:cSld>
     <p:spTree>
@@ -5163,13 +9855,35 @@
               <a:buNone/>
             </a:pPr>
             <a:r>
-              <a:rPr lang="pt-BR" sz="2000" dirty="0">
+              <a:rPr lang="pt-BR" sz="2200" dirty="0">
                 <a:latin typeface="Times New Roman" panose="02020603050405020304" pitchFamily="18" charset="0"/>
                 <a:cs typeface="Times New Roman" panose="02020603050405020304" pitchFamily="18" charset="0"/>
               </a:rPr>
               <a:t>[1] </a:t>
             </a:r>
-            <a:endParaRPr lang="pt-BR" sz="2000" b="1" dirty="0">
+            <a:r>
+              <a:rPr lang="pt-BR" sz="2200" b="1" i="0" dirty="0">
+                <a:solidFill>
+                  <a:srgbClr val="FF0000"/>
+                </a:solidFill>
+                <a:effectLst/>
+                <a:latin typeface="Times New Roman" panose="02020603050405020304" pitchFamily="18" charset="0"/>
+                <a:cs typeface="Times New Roman" panose="02020603050405020304" pitchFamily="18" charset="0"/>
+              </a:rPr>
+              <a:t>SCOTTI, William Andrey Faustino et al</a:t>
+            </a:r>
+            <a:r>
+              <a:rPr lang="pt-BR" sz="2200" b="0" i="0" dirty="0">
+                <a:solidFill>
+                  <a:srgbClr val="222222"/>
+                </a:solidFill>
+                <a:effectLst/>
+                <a:latin typeface="Times New Roman" panose="02020603050405020304" pitchFamily="18" charset="0"/>
+                <a:cs typeface="Times New Roman" panose="02020603050405020304" pitchFamily="18" charset="0"/>
+              </a:rPr>
+              <a:t>. Arquitetura de sistema de controle supervisório integrando CLP, SCADA e roteamento de tarefas. 2015.</a:t>
+            </a:r>
+            <a:endParaRPr lang="pt-BR" sz="2200" b="1" dirty="0">
               <a:latin typeface="Times New Roman" panose="02020603050405020304" pitchFamily="18" charset="0"/>
               <a:cs typeface="Times New Roman" panose="02020603050405020304" pitchFamily="18" charset="0"/>
             </a:endParaRPr>
@@ -5178,7 +9892,7 @@
             <a:pPr marL="0" indent="0" algn="just">
               <a:buNone/>
             </a:pPr>
-            <a:endParaRPr lang="en-US" sz="2000" dirty="0">
+            <a:endParaRPr lang="en-US" sz="2200" dirty="0">
               <a:latin typeface="Times New Roman" panose="02020603050405020304" pitchFamily="18" charset="0"/>
               <a:cs typeface="Times New Roman" panose="02020603050405020304" pitchFamily="18" charset="0"/>
             </a:endParaRPr>
@@ -5187,7 +9901,7 @@
             <a:pPr marL="0" indent="0" algn="just">
               <a:buNone/>
             </a:pPr>
-            <a:endParaRPr lang="en-US" sz="2000" dirty="0">
+            <a:endParaRPr lang="en-US" sz="2200" dirty="0">
               <a:latin typeface="Times New Roman" panose="02020603050405020304" pitchFamily="18" charset="0"/>
               <a:cs typeface="Times New Roman" panose="02020603050405020304" pitchFamily="18" charset="0"/>
             </a:endParaRPr>
@@ -5196,7 +9910,7 @@
             <a:pPr marL="0" indent="0" algn="just">
               <a:buNone/>
             </a:pPr>
-            <a:endParaRPr lang="en-US" sz="2000" dirty="0">
+            <a:endParaRPr lang="en-US" sz="2200" dirty="0">
               <a:latin typeface="Times New Roman" panose="02020603050405020304" pitchFamily="18" charset="0"/>
               <a:cs typeface="Times New Roman" panose="02020603050405020304" pitchFamily="18" charset="0"/>
             </a:endParaRPr>
@@ -5205,23 +9919,36 @@
             <a:pPr marL="0" indent="0" algn="just">
               <a:buNone/>
             </a:pPr>
-            <a:endParaRPr lang="en-US" sz="2000" dirty="0">
-              <a:latin typeface="Times New Roman" panose="02020603050405020304" pitchFamily="18" charset="0"/>
-              <a:cs typeface="Times New Roman" panose="02020603050405020304" pitchFamily="18" charset="0"/>
-            </a:endParaRPr>
-          </a:p>
-          <a:p>
-            <a:pPr marL="0" indent="0" algn="just">
-              <a:buNone/>
-            </a:pPr>
-            <a:r>
-              <a:rPr lang="pt-BR" sz="2000" dirty="0">
+            <a:r>
+              <a:rPr lang="pt-BR" sz="2200" dirty="0">
                 <a:latin typeface="Times New Roman" panose="02020603050405020304" pitchFamily="18" charset="0"/>
                 <a:cs typeface="Times New Roman" panose="02020603050405020304" pitchFamily="18" charset="0"/>
               </a:rPr>
               <a:t>[2] </a:t>
             </a:r>
-            <a:endParaRPr lang="pt-BR" sz="2000" b="1" dirty="0">
+            <a:r>
+              <a:rPr lang="pt-BR" sz="2200" b="1" i="0" dirty="0">
+                <a:solidFill>
+                  <a:srgbClr val="FF0000"/>
+                </a:solidFill>
+                <a:effectLst/>
+                <a:latin typeface="Times New Roman" panose="02020603050405020304" pitchFamily="18" charset="0"/>
+                <a:cs typeface="Times New Roman" panose="02020603050405020304" pitchFamily="18" charset="0"/>
+              </a:rPr>
+              <a:t>SCACHETTI, Heber A</a:t>
+            </a:r>
+            <a:r>
+              <a:rPr lang="pt-BR" sz="2200" b="0" i="0" dirty="0">
+                <a:solidFill>
+                  <a:srgbClr val="222222"/>
+                </a:solidFill>
+                <a:effectLst/>
+                <a:latin typeface="Times New Roman" panose="02020603050405020304" pitchFamily="18" charset="0"/>
+                <a:cs typeface="Times New Roman" panose="02020603050405020304" pitchFamily="18" charset="0"/>
+              </a:rPr>
+              <a:t>. Arquitetura de Sistemas Embarcados: Controladores Industriais.</a:t>
+            </a:r>
+            <a:endParaRPr lang="pt-BR" sz="2200" b="1" dirty="0">
               <a:latin typeface="Times New Roman" panose="02020603050405020304" pitchFamily="18" charset="0"/>
               <a:cs typeface="Times New Roman" panose="02020603050405020304" pitchFamily="18" charset="0"/>
             </a:endParaRPr>
@@ -5242,7 +9969,7 @@
 </p:sld>
 </file>
 
-<file path=ppt/slides/slide8.xml><?xml version="1.0" encoding="utf-8"?>
+<file path=ppt/slides/slide26.xml><?xml version="1.0" encoding="utf-8"?>
 <p:sld xmlns:a="http://schemas.openxmlformats.org/drawingml/2006/main" xmlns:r="http://schemas.openxmlformats.org/officeDocument/2006/relationships" xmlns:p="http://schemas.openxmlformats.org/presentationml/2006/main">
   <p:cSld>
     <p:spTree>
@@ -5689,6 +10416,1484 @@
         </p:spPr>
       </p:pic>
     </p:spTree>
+  </p:cSld>
+  <p:clrMapOvr>
+    <a:masterClrMapping/>
+  </p:clrMapOvr>
+  <p:transition spd="med"/>
+</p:sld>
+</file>
+
+<file path=ppt/slides/slide3.xml><?xml version="1.0" encoding="utf-8"?>
+<p:sld xmlns:a="http://schemas.openxmlformats.org/drawingml/2006/main" xmlns:r="http://schemas.openxmlformats.org/officeDocument/2006/relationships" xmlns:p="http://schemas.openxmlformats.org/presentationml/2006/main">
+  <p:cSld>
+    <p:spTree>
+      <p:nvGrpSpPr>
+        <p:cNvPr id="1" name="">
+          <a:extLst>
+            <a:ext uri="{FF2B5EF4-FFF2-40B4-BE49-F238E27FC236}">
+              <a16:creationId xmlns:a16="http://schemas.microsoft.com/office/drawing/2014/main" id="{AFFC8B2D-7443-68FB-D448-E738142EB99F}"/>
+            </a:ext>
+          </a:extLst>
+        </p:cNvPr>
+        <p:cNvGrpSpPr/>
+        <p:nvPr/>
+      </p:nvGrpSpPr>
+      <p:grpSpPr>
+        <a:xfrm>
+          <a:off x="0" y="0"/>
+          <a:ext cx="0" cy="0"/>
+          <a:chOff x="0" y="0"/>
+          <a:chExt cx="0" cy="0"/>
+        </a:xfrm>
+      </p:grpSpPr>
+      <p:sp>
+        <p:nvSpPr>
+          <p:cNvPr id="6" name="Title 1">
+            <a:extLst>
+              <a:ext uri="{FF2B5EF4-FFF2-40B4-BE49-F238E27FC236}">
+                <a16:creationId xmlns:a16="http://schemas.microsoft.com/office/drawing/2014/main" id="{0A36332F-AF5C-5EE7-4FDB-2DE89732CE38}"/>
+              </a:ext>
+            </a:extLst>
+          </p:cNvPr>
+          <p:cNvSpPr>
+            <a:spLocks noGrp="1"/>
+          </p:cNvSpPr>
+          <p:nvPr>
+            <p:ph type="title"/>
+          </p:nvPr>
+        </p:nvSpPr>
+        <p:spPr>
+          <a:xfrm>
+            <a:off x="457200" y="205980"/>
+            <a:ext cx="8229600" cy="857251"/>
+          </a:xfrm>
+        </p:spPr>
+        <p:txBody>
+          <a:bodyPr>
+            <a:normAutofit/>
+          </a:bodyPr>
+          <a:lstStyle/>
+          <a:p>
+            <a:r>
+              <a:rPr lang="en-US" b="1" dirty="0">
+                <a:solidFill>
+                  <a:srgbClr val="0070C0"/>
+                </a:solidFill>
+              </a:rPr>
+              <a:t>CLP – </a:t>
+            </a:r>
+            <a:r>
+              <a:rPr lang="en-US" b="1" dirty="0" err="1">
+                <a:solidFill>
+                  <a:srgbClr val="0070C0"/>
+                </a:solidFill>
+              </a:rPr>
+              <a:t>Introdução</a:t>
+            </a:r>
+            <a:endParaRPr lang="en-US" b="1" dirty="0">
+              <a:solidFill>
+                <a:srgbClr val="0070C0"/>
+              </a:solidFill>
+            </a:endParaRPr>
+          </a:p>
+        </p:txBody>
+      </p:sp>
+      <p:sp>
+        <p:nvSpPr>
+          <p:cNvPr id="8" name="Text Placeholder 2">
+            <a:extLst>
+              <a:ext uri="{FF2B5EF4-FFF2-40B4-BE49-F238E27FC236}">
+                <a16:creationId xmlns:a16="http://schemas.microsoft.com/office/drawing/2014/main" id="{B1B1D734-DA2C-3DA6-0191-27F88C8EB709}"/>
+              </a:ext>
+            </a:extLst>
+          </p:cNvPr>
+          <p:cNvSpPr>
+            <a:spLocks noGrp="1"/>
+          </p:cNvSpPr>
+          <p:nvPr>
+            <p:ph type="body" sz="half" idx="1"/>
+          </p:nvPr>
+        </p:nvSpPr>
+        <p:spPr>
+          <a:xfrm>
+            <a:off x="142865" y="1035050"/>
+            <a:ext cx="8865056" cy="3994150"/>
+          </a:xfrm>
+        </p:spPr>
+        <p:txBody>
+          <a:bodyPr>
+            <a:noAutofit/>
+          </a:bodyPr>
+          <a:lstStyle/>
+          <a:p>
+            <a:pPr marL="0" indent="0" algn="just">
+              <a:buNone/>
+            </a:pPr>
+            <a:r>
+              <a:rPr lang="pt-BR" sz="2200" dirty="0">
+                <a:latin typeface="Times New Roman" panose="02020603050405020304" pitchFamily="18" charset="0"/>
+                <a:cs typeface="Times New Roman" panose="02020603050405020304" pitchFamily="18" charset="0"/>
+              </a:rPr>
+              <a:t>Entender os princípios de funcionamento e arquitetura dos Controladores Lógicos Programáveis (</a:t>
+            </a:r>
+            <a:r>
+              <a:rPr lang="pt-BR" sz="2200" b="1" dirty="0" err="1">
+                <a:latin typeface="Times New Roman" panose="02020603050405020304" pitchFamily="18" charset="0"/>
+                <a:cs typeface="Times New Roman" panose="02020603050405020304" pitchFamily="18" charset="0"/>
+              </a:rPr>
+              <a:t>CLPs</a:t>
+            </a:r>
+            <a:r>
+              <a:rPr lang="pt-BR" sz="2200" dirty="0">
+                <a:latin typeface="Times New Roman" panose="02020603050405020304" pitchFamily="18" charset="0"/>
+                <a:cs typeface="Times New Roman" panose="02020603050405020304" pitchFamily="18" charset="0"/>
+              </a:rPr>
+              <a:t>), com ênfase nas suas unidades de processamento e memória.</a:t>
+            </a:r>
+          </a:p>
+          <a:p>
+            <a:pPr marL="0" indent="0" algn="just">
+              <a:buNone/>
+            </a:pPr>
+            <a:endParaRPr lang="pt-BR" sz="2200" dirty="0">
+              <a:latin typeface="Times New Roman" panose="02020603050405020304" pitchFamily="18" charset="0"/>
+              <a:cs typeface="Times New Roman" panose="02020603050405020304" pitchFamily="18" charset="0"/>
+            </a:endParaRPr>
+          </a:p>
+          <a:p>
+            <a:pPr algn="just">
+              <a:buFont typeface="Wingdings" panose="05000000000000000000" pitchFamily="2" charset="2"/>
+              <a:buChar char="§"/>
+            </a:pPr>
+            <a:r>
+              <a:rPr lang="pt-BR" sz="2200" dirty="0">
+                <a:latin typeface="Times New Roman" panose="02020603050405020304" pitchFamily="18" charset="0"/>
+                <a:cs typeface="Times New Roman" panose="02020603050405020304" pitchFamily="18" charset="0"/>
+              </a:rPr>
+              <a:t>O que é um CLP (</a:t>
+            </a:r>
+            <a:r>
+              <a:rPr lang="pt-BR" sz="2200" b="1" dirty="0">
+                <a:latin typeface="Times New Roman" panose="02020603050405020304" pitchFamily="18" charset="0"/>
+                <a:cs typeface="Times New Roman" panose="02020603050405020304" pitchFamily="18" charset="0"/>
+              </a:rPr>
+              <a:t>Controladores Lógicos Programáveis</a:t>
+            </a:r>
+            <a:r>
+              <a:rPr lang="pt-BR" sz="2200" dirty="0">
+                <a:latin typeface="Times New Roman" panose="02020603050405020304" pitchFamily="18" charset="0"/>
+                <a:cs typeface="Times New Roman" panose="02020603050405020304" pitchFamily="18" charset="0"/>
+              </a:rPr>
+              <a:t>)?</a:t>
+            </a:r>
+          </a:p>
+          <a:p>
+            <a:pPr marL="0" indent="0" algn="just">
+              <a:buNone/>
+            </a:pPr>
+            <a:endParaRPr lang="pt-BR" sz="2200" dirty="0">
+              <a:latin typeface="Times New Roman" panose="02020603050405020304" pitchFamily="18" charset="0"/>
+              <a:cs typeface="Times New Roman" panose="02020603050405020304" pitchFamily="18" charset="0"/>
+            </a:endParaRPr>
+          </a:p>
+          <a:p>
+            <a:pPr algn="just">
+              <a:buFont typeface="Wingdings" panose="05000000000000000000" pitchFamily="2" charset="2"/>
+              <a:buChar char="v"/>
+            </a:pPr>
+            <a:r>
+              <a:rPr lang="pt-BR" sz="2200" b="1" dirty="0">
+                <a:solidFill>
+                  <a:srgbClr val="FF0000"/>
+                </a:solidFill>
+                <a:latin typeface="Times New Roman" panose="02020603050405020304" pitchFamily="18" charset="0"/>
+                <a:cs typeface="Times New Roman" panose="02020603050405020304" pitchFamily="18" charset="0"/>
+              </a:rPr>
+              <a:t>Definição de CLP</a:t>
+            </a:r>
+            <a:r>
+              <a:rPr lang="pt-BR" sz="2200" dirty="0">
+                <a:latin typeface="Times New Roman" panose="02020603050405020304" pitchFamily="18" charset="0"/>
+                <a:cs typeface="Times New Roman" panose="02020603050405020304" pitchFamily="18" charset="0"/>
+              </a:rPr>
+              <a:t>: Dispositivo eletrônico utilizado para controlar e monitorar máquinas e processos industriais de forma automatizada em diversos níveis e complexidade.</a:t>
+            </a:r>
+          </a:p>
+        </p:txBody>
+      </p:sp>
+    </p:spTree>
+    <p:extLst>
+      <p:ext uri="{BB962C8B-B14F-4D97-AF65-F5344CB8AC3E}">
+        <p14:creationId xmlns:p14="http://schemas.microsoft.com/office/powerpoint/2010/main" val="298294241"/>
+      </p:ext>
+    </p:extLst>
+  </p:cSld>
+  <p:clrMapOvr>
+    <a:masterClrMapping/>
+  </p:clrMapOvr>
+  <p:transition spd="med"/>
+</p:sld>
+</file>
+
+<file path=ppt/slides/slide4.xml><?xml version="1.0" encoding="utf-8"?>
+<p:sld xmlns:a="http://schemas.openxmlformats.org/drawingml/2006/main" xmlns:r="http://schemas.openxmlformats.org/officeDocument/2006/relationships" xmlns:p="http://schemas.openxmlformats.org/presentationml/2006/main">
+  <p:cSld>
+    <p:spTree>
+      <p:nvGrpSpPr>
+        <p:cNvPr id="1" name="">
+          <a:extLst>
+            <a:ext uri="{FF2B5EF4-FFF2-40B4-BE49-F238E27FC236}">
+              <a16:creationId xmlns:a16="http://schemas.microsoft.com/office/drawing/2014/main" id="{BF7576A2-A808-3A6D-3228-3B80E5AE0DBC}"/>
+            </a:ext>
+          </a:extLst>
+        </p:cNvPr>
+        <p:cNvGrpSpPr/>
+        <p:nvPr/>
+      </p:nvGrpSpPr>
+      <p:grpSpPr>
+        <a:xfrm>
+          <a:off x="0" y="0"/>
+          <a:ext cx="0" cy="0"/>
+          <a:chOff x="0" y="0"/>
+          <a:chExt cx="0" cy="0"/>
+        </a:xfrm>
+      </p:grpSpPr>
+      <p:sp>
+        <p:nvSpPr>
+          <p:cNvPr id="6" name="Title 1">
+            <a:extLst>
+              <a:ext uri="{FF2B5EF4-FFF2-40B4-BE49-F238E27FC236}">
+                <a16:creationId xmlns:a16="http://schemas.microsoft.com/office/drawing/2014/main" id="{4652D317-E0DE-D5EE-EE6D-EDB3DD1BC28B}"/>
+              </a:ext>
+            </a:extLst>
+          </p:cNvPr>
+          <p:cNvSpPr>
+            <a:spLocks noGrp="1"/>
+          </p:cNvSpPr>
+          <p:nvPr>
+            <p:ph type="title"/>
+          </p:nvPr>
+        </p:nvSpPr>
+        <p:spPr>
+          <a:xfrm>
+            <a:off x="457200" y="205980"/>
+            <a:ext cx="8229600" cy="857251"/>
+          </a:xfrm>
+        </p:spPr>
+        <p:txBody>
+          <a:bodyPr>
+            <a:normAutofit/>
+          </a:bodyPr>
+          <a:lstStyle/>
+          <a:p>
+            <a:r>
+              <a:rPr lang="en-US" b="1" dirty="0">
+                <a:solidFill>
+                  <a:srgbClr val="0070C0"/>
+                </a:solidFill>
+              </a:rPr>
+              <a:t>CLP – </a:t>
+            </a:r>
+            <a:r>
+              <a:rPr lang="en-US" b="1" dirty="0" err="1">
+                <a:solidFill>
+                  <a:srgbClr val="0070C0"/>
+                </a:solidFill>
+              </a:rPr>
+              <a:t>Introdução</a:t>
+            </a:r>
+            <a:endParaRPr lang="en-US" b="1" dirty="0">
+              <a:solidFill>
+                <a:srgbClr val="0070C0"/>
+              </a:solidFill>
+            </a:endParaRPr>
+          </a:p>
+        </p:txBody>
+      </p:sp>
+      <p:sp>
+        <p:nvSpPr>
+          <p:cNvPr id="8" name="Text Placeholder 2">
+            <a:extLst>
+              <a:ext uri="{FF2B5EF4-FFF2-40B4-BE49-F238E27FC236}">
+                <a16:creationId xmlns:a16="http://schemas.microsoft.com/office/drawing/2014/main" id="{95699F58-11A2-6594-D3D0-852651214990}"/>
+              </a:ext>
+            </a:extLst>
+          </p:cNvPr>
+          <p:cNvSpPr>
+            <a:spLocks noGrp="1"/>
+          </p:cNvSpPr>
+          <p:nvPr>
+            <p:ph type="body" sz="half" idx="1"/>
+          </p:nvPr>
+        </p:nvSpPr>
+        <p:spPr>
+          <a:xfrm>
+            <a:off x="142865" y="1035050"/>
+            <a:ext cx="8865056" cy="3994150"/>
+          </a:xfrm>
+        </p:spPr>
+        <p:txBody>
+          <a:bodyPr>
+            <a:noAutofit/>
+          </a:bodyPr>
+          <a:lstStyle/>
+          <a:p>
+            <a:pPr algn="just">
+              <a:buFont typeface="Wingdings" panose="05000000000000000000" pitchFamily="2" charset="2"/>
+              <a:buChar char="v"/>
+            </a:pPr>
+            <a:r>
+              <a:rPr lang="pt-BR" sz="2200" b="1" dirty="0">
+                <a:solidFill>
+                  <a:srgbClr val="FF0000"/>
+                </a:solidFill>
+                <a:latin typeface="Times New Roman" panose="02020603050405020304" pitchFamily="18" charset="0"/>
+                <a:cs typeface="Times New Roman" panose="02020603050405020304" pitchFamily="18" charset="0"/>
+              </a:rPr>
+              <a:t>Exemplos de aplicações</a:t>
+            </a:r>
+            <a:r>
+              <a:rPr lang="pt-BR" sz="2200" dirty="0">
+                <a:latin typeface="Times New Roman" panose="02020603050405020304" pitchFamily="18" charset="0"/>
+                <a:cs typeface="Times New Roman" panose="02020603050405020304" pitchFamily="18" charset="0"/>
+              </a:rPr>
+              <a:t>: sistemas de automação industrial, controle de máquinas, processos de produção, área médica, área automotiva etc.</a:t>
+            </a:r>
+          </a:p>
+          <a:p>
+            <a:pPr marL="0" indent="0" algn="just">
+              <a:buNone/>
+            </a:pPr>
+            <a:endParaRPr lang="pt-BR" sz="2200" dirty="0">
+              <a:latin typeface="Times New Roman" panose="02020603050405020304" pitchFamily="18" charset="0"/>
+              <a:cs typeface="Times New Roman" panose="02020603050405020304" pitchFamily="18" charset="0"/>
+            </a:endParaRPr>
+          </a:p>
+          <a:p>
+            <a:pPr algn="just">
+              <a:buFont typeface="Wingdings" panose="05000000000000000000" pitchFamily="2" charset="2"/>
+              <a:buChar char="§"/>
+            </a:pPr>
+            <a:r>
+              <a:rPr lang="pt-BR" sz="2200" b="1" dirty="0">
+                <a:latin typeface="Times New Roman" panose="02020603050405020304" pitchFamily="18" charset="0"/>
+                <a:cs typeface="Times New Roman" panose="02020603050405020304" pitchFamily="18" charset="0"/>
+              </a:rPr>
+              <a:t>Importância dos </a:t>
+            </a:r>
+            <a:r>
+              <a:rPr lang="pt-BR" sz="2200" b="1" dirty="0" err="1">
+                <a:latin typeface="Times New Roman" panose="02020603050405020304" pitchFamily="18" charset="0"/>
+                <a:cs typeface="Times New Roman" panose="02020603050405020304" pitchFamily="18" charset="0"/>
+              </a:rPr>
+              <a:t>CLPs</a:t>
+            </a:r>
+            <a:r>
+              <a:rPr lang="pt-BR" sz="2200" b="1" dirty="0">
+                <a:latin typeface="Times New Roman" panose="02020603050405020304" pitchFamily="18" charset="0"/>
+                <a:cs typeface="Times New Roman" panose="02020603050405020304" pitchFamily="18" charset="0"/>
+              </a:rPr>
+              <a:t> na indústria</a:t>
+            </a:r>
+            <a:r>
+              <a:rPr lang="pt-BR" sz="2200" dirty="0">
+                <a:latin typeface="Times New Roman" panose="02020603050405020304" pitchFamily="18" charset="0"/>
+                <a:cs typeface="Times New Roman" panose="02020603050405020304" pitchFamily="18" charset="0"/>
+              </a:rPr>
+              <a:t>:</a:t>
+            </a:r>
+          </a:p>
+          <a:p>
+            <a:pPr marL="0" indent="0" algn="just">
+              <a:buNone/>
+            </a:pPr>
+            <a:endParaRPr lang="pt-BR" sz="2200" dirty="0">
+              <a:latin typeface="Times New Roman" panose="02020603050405020304" pitchFamily="18" charset="0"/>
+              <a:cs typeface="Times New Roman" panose="02020603050405020304" pitchFamily="18" charset="0"/>
+            </a:endParaRPr>
+          </a:p>
+          <a:p>
+            <a:pPr algn="just">
+              <a:buFont typeface="Wingdings" panose="05000000000000000000" pitchFamily="2" charset="2"/>
+              <a:buChar char="ü"/>
+            </a:pPr>
+            <a:r>
+              <a:rPr lang="pt-BR" sz="2200" dirty="0">
+                <a:latin typeface="Times New Roman" panose="02020603050405020304" pitchFamily="18" charset="0"/>
+                <a:cs typeface="Times New Roman" panose="02020603050405020304" pitchFamily="18" charset="0"/>
+              </a:rPr>
+              <a:t>Maior confiabilidade, flexibilidade e eficiência na automação de processos.</a:t>
+            </a:r>
+          </a:p>
+          <a:p>
+            <a:pPr algn="just">
+              <a:buFont typeface="Wingdings" panose="05000000000000000000" pitchFamily="2" charset="2"/>
+              <a:buChar char="ü"/>
+            </a:pPr>
+            <a:r>
+              <a:rPr lang="pt-BR" sz="2200" dirty="0">
+                <a:latin typeface="Times New Roman" panose="02020603050405020304" pitchFamily="18" charset="0"/>
+                <a:cs typeface="Times New Roman" panose="02020603050405020304" pitchFamily="18" charset="0"/>
+              </a:rPr>
+              <a:t>Vantagens em relação a sistemas tradicionais de controle (como </a:t>
+            </a:r>
+            <a:r>
+              <a:rPr lang="pt-BR" sz="2200" b="1" dirty="0">
+                <a:latin typeface="Times New Roman" panose="02020603050405020304" pitchFamily="18" charset="0"/>
+                <a:cs typeface="Times New Roman" panose="02020603050405020304" pitchFamily="18" charset="0"/>
+              </a:rPr>
+              <a:t>relés</a:t>
+            </a:r>
+            <a:r>
+              <a:rPr lang="pt-BR" sz="2200" dirty="0">
+                <a:latin typeface="Times New Roman" panose="02020603050405020304" pitchFamily="18" charset="0"/>
+                <a:cs typeface="Times New Roman" panose="02020603050405020304" pitchFamily="18" charset="0"/>
+              </a:rPr>
+              <a:t> e </a:t>
+            </a:r>
+            <a:r>
+              <a:rPr lang="pt-BR" sz="2200" b="1" dirty="0">
+                <a:latin typeface="Times New Roman" panose="02020603050405020304" pitchFamily="18" charset="0"/>
+                <a:cs typeface="Times New Roman" panose="02020603050405020304" pitchFamily="18" charset="0"/>
+              </a:rPr>
+              <a:t>temporizadores</a:t>
+            </a:r>
+            <a:r>
+              <a:rPr lang="pt-BR" sz="2200" dirty="0">
+                <a:latin typeface="Times New Roman" panose="02020603050405020304" pitchFamily="18" charset="0"/>
+                <a:cs typeface="Times New Roman" panose="02020603050405020304" pitchFamily="18" charset="0"/>
+              </a:rPr>
+              <a:t>).</a:t>
+            </a:r>
+          </a:p>
+          <a:p>
+            <a:pPr marL="0" indent="0" algn="just">
+              <a:buNone/>
+            </a:pPr>
+            <a:endParaRPr lang="pt-BR" sz="2200" dirty="0">
+              <a:latin typeface="Times New Roman" panose="02020603050405020304" pitchFamily="18" charset="0"/>
+              <a:cs typeface="Times New Roman" panose="02020603050405020304" pitchFamily="18" charset="0"/>
+            </a:endParaRPr>
+          </a:p>
+        </p:txBody>
+      </p:sp>
+    </p:spTree>
+    <p:extLst>
+      <p:ext uri="{BB962C8B-B14F-4D97-AF65-F5344CB8AC3E}">
+        <p14:creationId xmlns:p14="http://schemas.microsoft.com/office/powerpoint/2010/main" val="3239672594"/>
+      </p:ext>
+    </p:extLst>
+  </p:cSld>
+  <p:clrMapOvr>
+    <a:masterClrMapping/>
+  </p:clrMapOvr>
+  <p:transition spd="med"/>
+</p:sld>
+</file>
+
+<file path=ppt/slides/slide5.xml><?xml version="1.0" encoding="utf-8"?>
+<p:sld xmlns:a="http://schemas.openxmlformats.org/drawingml/2006/main" xmlns:r="http://schemas.openxmlformats.org/officeDocument/2006/relationships" xmlns:p="http://schemas.openxmlformats.org/presentationml/2006/main">
+  <p:cSld>
+    <p:spTree>
+      <p:nvGrpSpPr>
+        <p:cNvPr id="1" name="">
+          <a:extLst>
+            <a:ext uri="{FF2B5EF4-FFF2-40B4-BE49-F238E27FC236}">
+              <a16:creationId xmlns:a16="http://schemas.microsoft.com/office/drawing/2014/main" id="{344B949F-5702-5514-C1C6-8E0C0A5C3AC8}"/>
+            </a:ext>
+          </a:extLst>
+        </p:cNvPr>
+        <p:cNvGrpSpPr/>
+        <p:nvPr/>
+      </p:nvGrpSpPr>
+      <p:grpSpPr>
+        <a:xfrm>
+          <a:off x="0" y="0"/>
+          <a:ext cx="0" cy="0"/>
+          <a:chOff x="0" y="0"/>
+          <a:chExt cx="0" cy="0"/>
+        </a:xfrm>
+      </p:grpSpPr>
+      <p:sp>
+        <p:nvSpPr>
+          <p:cNvPr id="6" name="Title 1">
+            <a:extLst>
+              <a:ext uri="{FF2B5EF4-FFF2-40B4-BE49-F238E27FC236}">
+                <a16:creationId xmlns:a16="http://schemas.microsoft.com/office/drawing/2014/main" id="{5C33E1CD-DB6D-9F04-5337-6342A7A7456B}"/>
+              </a:ext>
+            </a:extLst>
+          </p:cNvPr>
+          <p:cNvSpPr>
+            <a:spLocks noGrp="1"/>
+          </p:cNvSpPr>
+          <p:nvPr>
+            <p:ph type="title"/>
+          </p:nvPr>
+        </p:nvSpPr>
+        <p:spPr>
+          <a:xfrm>
+            <a:off x="457200" y="205980"/>
+            <a:ext cx="8229600" cy="857251"/>
+          </a:xfrm>
+        </p:spPr>
+        <p:txBody>
+          <a:bodyPr>
+            <a:normAutofit/>
+          </a:bodyPr>
+          <a:lstStyle/>
+          <a:p>
+            <a:r>
+              <a:rPr lang="en-US" b="1" dirty="0">
+                <a:solidFill>
+                  <a:srgbClr val="0070C0"/>
+                </a:solidFill>
+              </a:rPr>
+              <a:t>CLP – </a:t>
+            </a:r>
+            <a:r>
+              <a:rPr lang="en-US" b="1" dirty="0" err="1">
+                <a:solidFill>
+                  <a:srgbClr val="0070C0"/>
+                </a:solidFill>
+              </a:rPr>
+              <a:t>Arquitetura</a:t>
+            </a:r>
+            <a:endParaRPr lang="en-US" b="1" dirty="0">
+              <a:solidFill>
+                <a:srgbClr val="0070C0"/>
+              </a:solidFill>
+            </a:endParaRPr>
+          </a:p>
+        </p:txBody>
+      </p:sp>
+      <p:sp>
+        <p:nvSpPr>
+          <p:cNvPr id="8" name="Text Placeholder 2">
+            <a:extLst>
+              <a:ext uri="{FF2B5EF4-FFF2-40B4-BE49-F238E27FC236}">
+                <a16:creationId xmlns:a16="http://schemas.microsoft.com/office/drawing/2014/main" id="{2576A9B4-D9B6-9B73-A575-CCF6448583AB}"/>
+              </a:ext>
+            </a:extLst>
+          </p:cNvPr>
+          <p:cNvSpPr>
+            <a:spLocks noGrp="1"/>
+          </p:cNvSpPr>
+          <p:nvPr>
+            <p:ph type="body" sz="half" idx="1"/>
+          </p:nvPr>
+        </p:nvSpPr>
+        <p:spPr>
+          <a:xfrm>
+            <a:off x="142865" y="1035050"/>
+            <a:ext cx="8865056" cy="3994150"/>
+          </a:xfrm>
+        </p:spPr>
+        <p:txBody>
+          <a:bodyPr>
+            <a:noAutofit/>
+          </a:bodyPr>
+          <a:lstStyle/>
+          <a:p>
+            <a:pPr marL="0" indent="0" algn="just">
+              <a:buNone/>
+            </a:pPr>
+            <a:r>
+              <a:rPr lang="pt-BR" sz="2200" dirty="0">
+                <a:latin typeface="Times New Roman" panose="02020603050405020304" pitchFamily="18" charset="0"/>
+                <a:cs typeface="Times New Roman" panose="02020603050405020304" pitchFamily="18" charset="0"/>
+              </a:rPr>
+              <a:t>.</a:t>
+            </a:r>
+          </a:p>
+        </p:txBody>
+      </p:sp>
+      <p:pic>
+        <p:nvPicPr>
+          <p:cNvPr id="3" name="Imagem 2" descr="Uma imagem contendo circuito, computador&#10;&#10;O conteúdo gerado por IA pode estar incorreto.">
+            <a:extLst>
+              <a:ext uri="{FF2B5EF4-FFF2-40B4-BE49-F238E27FC236}">
+                <a16:creationId xmlns:a16="http://schemas.microsoft.com/office/drawing/2014/main" id="{F213C655-3C76-B6F4-A51F-B097AB1A8A65}"/>
+              </a:ext>
+            </a:extLst>
+          </p:cNvPr>
+          <p:cNvPicPr>
+            <a:picLocks noChangeAspect="1"/>
+          </p:cNvPicPr>
+          <p:nvPr/>
+        </p:nvPicPr>
+        <p:blipFill>
+          <a:blip r:embed="rId3">
+            <a:extLst>
+              <a:ext uri="{28A0092B-C50C-407E-A947-70E740481C1C}">
+                <a14:useLocalDpi xmlns:a14="http://schemas.microsoft.com/office/drawing/2010/main" val="0"/>
+              </a:ext>
+            </a:extLst>
+          </a:blip>
+          <a:stretch>
+            <a:fillRect/>
+          </a:stretch>
+        </p:blipFill>
+        <p:spPr>
+          <a:xfrm>
+            <a:off x="523875" y="1214157"/>
+            <a:ext cx="8096250" cy="3333750"/>
+          </a:xfrm>
+          <a:prstGeom prst="rect">
+            <a:avLst/>
+          </a:prstGeom>
+        </p:spPr>
+      </p:pic>
+    </p:spTree>
+    <p:extLst>
+      <p:ext uri="{BB962C8B-B14F-4D97-AF65-F5344CB8AC3E}">
+        <p14:creationId xmlns:p14="http://schemas.microsoft.com/office/powerpoint/2010/main" val="1045390108"/>
+      </p:ext>
+    </p:extLst>
+  </p:cSld>
+  <p:clrMapOvr>
+    <a:masterClrMapping/>
+  </p:clrMapOvr>
+  <p:transition spd="med"/>
+</p:sld>
+</file>
+
+<file path=ppt/slides/slide6.xml><?xml version="1.0" encoding="utf-8"?>
+<p:sld xmlns:a="http://schemas.openxmlformats.org/drawingml/2006/main" xmlns:r="http://schemas.openxmlformats.org/officeDocument/2006/relationships" xmlns:p="http://schemas.openxmlformats.org/presentationml/2006/main">
+  <p:cSld>
+    <p:spTree>
+      <p:nvGrpSpPr>
+        <p:cNvPr id="1" name="">
+          <a:extLst>
+            <a:ext uri="{FF2B5EF4-FFF2-40B4-BE49-F238E27FC236}">
+              <a16:creationId xmlns:a16="http://schemas.microsoft.com/office/drawing/2014/main" id="{28A22185-1F41-FBD9-A1D4-1EDC58013E98}"/>
+            </a:ext>
+          </a:extLst>
+        </p:cNvPr>
+        <p:cNvGrpSpPr/>
+        <p:nvPr/>
+      </p:nvGrpSpPr>
+      <p:grpSpPr>
+        <a:xfrm>
+          <a:off x="0" y="0"/>
+          <a:ext cx="0" cy="0"/>
+          <a:chOff x="0" y="0"/>
+          <a:chExt cx="0" cy="0"/>
+        </a:xfrm>
+      </p:grpSpPr>
+      <p:sp>
+        <p:nvSpPr>
+          <p:cNvPr id="6" name="Title 1">
+            <a:extLst>
+              <a:ext uri="{FF2B5EF4-FFF2-40B4-BE49-F238E27FC236}">
+                <a16:creationId xmlns:a16="http://schemas.microsoft.com/office/drawing/2014/main" id="{01F517B6-6A0A-7612-7CF3-E3244F5BD99C}"/>
+              </a:ext>
+            </a:extLst>
+          </p:cNvPr>
+          <p:cNvSpPr>
+            <a:spLocks noGrp="1"/>
+          </p:cNvSpPr>
+          <p:nvPr>
+            <p:ph type="title"/>
+          </p:nvPr>
+        </p:nvSpPr>
+        <p:spPr>
+          <a:xfrm>
+            <a:off x="457200" y="205980"/>
+            <a:ext cx="8229600" cy="857251"/>
+          </a:xfrm>
+        </p:spPr>
+        <p:txBody>
+          <a:bodyPr>
+            <a:normAutofit/>
+          </a:bodyPr>
+          <a:lstStyle/>
+          <a:p>
+            <a:r>
+              <a:rPr lang="en-US" b="1" dirty="0">
+                <a:solidFill>
+                  <a:srgbClr val="0070C0"/>
+                </a:solidFill>
+              </a:rPr>
+              <a:t>CLP – </a:t>
+            </a:r>
+            <a:r>
+              <a:rPr lang="en-US" b="1" dirty="0" err="1">
+                <a:solidFill>
+                  <a:srgbClr val="0070C0"/>
+                </a:solidFill>
+              </a:rPr>
+              <a:t>Arquitetura</a:t>
+            </a:r>
+            <a:endParaRPr lang="en-US" b="1" dirty="0">
+              <a:solidFill>
+                <a:srgbClr val="0070C0"/>
+              </a:solidFill>
+            </a:endParaRPr>
+          </a:p>
+        </p:txBody>
+      </p:sp>
+      <p:sp>
+        <p:nvSpPr>
+          <p:cNvPr id="8" name="Text Placeholder 2">
+            <a:extLst>
+              <a:ext uri="{FF2B5EF4-FFF2-40B4-BE49-F238E27FC236}">
+                <a16:creationId xmlns:a16="http://schemas.microsoft.com/office/drawing/2014/main" id="{067E144D-726A-871D-1653-57BDD977E402}"/>
+              </a:ext>
+            </a:extLst>
+          </p:cNvPr>
+          <p:cNvSpPr>
+            <a:spLocks noGrp="1"/>
+          </p:cNvSpPr>
+          <p:nvPr>
+            <p:ph type="body" sz="half" idx="1"/>
+          </p:nvPr>
+        </p:nvSpPr>
+        <p:spPr>
+          <a:xfrm>
+            <a:off x="142865" y="1035050"/>
+            <a:ext cx="8865056" cy="3994150"/>
+          </a:xfrm>
+        </p:spPr>
+        <p:txBody>
+          <a:bodyPr>
+            <a:noAutofit/>
+          </a:bodyPr>
+          <a:lstStyle/>
+          <a:p>
+            <a:pPr algn="just">
+              <a:buFont typeface="Wingdings" panose="05000000000000000000" pitchFamily="2" charset="2"/>
+              <a:buChar char="§"/>
+            </a:pPr>
+            <a:r>
+              <a:rPr lang="pt-BR" sz="2200" b="1" dirty="0" err="1">
+                <a:solidFill>
+                  <a:schemeClr val="tx1"/>
+                </a:solidFill>
+                <a:latin typeface="Times New Roman" panose="02020603050405020304" pitchFamily="18" charset="0"/>
+                <a:cs typeface="Times New Roman" panose="02020603050405020304" pitchFamily="18" charset="0"/>
+              </a:rPr>
+              <a:t>MicroProcessador</a:t>
+            </a:r>
+            <a:r>
+              <a:rPr lang="pt-BR" sz="2200" b="1" dirty="0">
+                <a:solidFill>
+                  <a:schemeClr val="tx1"/>
+                </a:solidFill>
+                <a:latin typeface="Times New Roman" panose="02020603050405020304" pitchFamily="18" charset="0"/>
+                <a:cs typeface="Times New Roman" panose="02020603050405020304" pitchFamily="18" charset="0"/>
+              </a:rPr>
+              <a:t> (CPU)</a:t>
+            </a:r>
+          </a:p>
+          <a:p>
+            <a:pPr marL="0" indent="0" algn="just">
+              <a:buNone/>
+            </a:pPr>
+            <a:endParaRPr lang="pt-BR" sz="2200" dirty="0">
+              <a:latin typeface="Times New Roman" panose="02020603050405020304" pitchFamily="18" charset="0"/>
+              <a:cs typeface="Times New Roman" panose="02020603050405020304" pitchFamily="18" charset="0"/>
+            </a:endParaRPr>
+          </a:p>
+          <a:p>
+            <a:pPr algn="just">
+              <a:buFont typeface="Wingdings" panose="05000000000000000000" pitchFamily="2" charset="2"/>
+              <a:buChar char="v"/>
+            </a:pPr>
+            <a:r>
+              <a:rPr lang="pt-BR" sz="2200" b="1" dirty="0">
+                <a:solidFill>
+                  <a:srgbClr val="FF0000"/>
+                </a:solidFill>
+                <a:latin typeface="Times New Roman" panose="02020603050405020304" pitchFamily="18" charset="0"/>
+                <a:cs typeface="Times New Roman" panose="02020603050405020304" pitchFamily="18" charset="0"/>
+              </a:rPr>
+              <a:t>Função</a:t>
+            </a:r>
+            <a:r>
+              <a:rPr lang="pt-BR" sz="2200" dirty="0">
+                <a:latin typeface="Times New Roman" panose="02020603050405020304" pitchFamily="18" charset="0"/>
+                <a:cs typeface="Times New Roman" panose="02020603050405020304" pitchFamily="18" charset="0"/>
+              </a:rPr>
+              <a:t>: Executar os programas de controle e tomar decisões baseadas nas entradas e saídas.</a:t>
+            </a:r>
+          </a:p>
+          <a:p>
+            <a:pPr marL="0" indent="0" algn="just">
+              <a:buNone/>
+            </a:pPr>
+            <a:endParaRPr lang="pt-BR" sz="2200" dirty="0">
+              <a:latin typeface="Times New Roman" panose="02020603050405020304" pitchFamily="18" charset="0"/>
+              <a:cs typeface="Times New Roman" panose="02020603050405020304" pitchFamily="18" charset="0"/>
+            </a:endParaRPr>
+          </a:p>
+          <a:p>
+            <a:pPr algn="just">
+              <a:buFont typeface="Wingdings" panose="05000000000000000000" pitchFamily="2" charset="2"/>
+              <a:buChar char="v"/>
+            </a:pPr>
+            <a:r>
+              <a:rPr lang="pt-BR" sz="2200" b="1" dirty="0">
+                <a:solidFill>
+                  <a:srgbClr val="FF0000"/>
+                </a:solidFill>
+                <a:latin typeface="Times New Roman" panose="02020603050405020304" pitchFamily="18" charset="0"/>
+                <a:cs typeface="Times New Roman" panose="02020603050405020304" pitchFamily="18" charset="0"/>
+              </a:rPr>
+              <a:t>Divisão</a:t>
+            </a:r>
+            <a:r>
+              <a:rPr lang="pt-BR" sz="2200" dirty="0">
+                <a:latin typeface="Times New Roman" panose="02020603050405020304" pitchFamily="18" charset="0"/>
+                <a:cs typeface="Times New Roman" panose="02020603050405020304" pitchFamily="18" charset="0"/>
+              </a:rPr>
+              <a:t>: Processador central, controladores de entrada e saída.</a:t>
+            </a:r>
+          </a:p>
+        </p:txBody>
+      </p:sp>
+    </p:spTree>
+    <p:extLst>
+      <p:ext uri="{BB962C8B-B14F-4D97-AF65-F5344CB8AC3E}">
+        <p14:creationId xmlns:p14="http://schemas.microsoft.com/office/powerpoint/2010/main" val="286315538"/>
+      </p:ext>
+    </p:extLst>
+  </p:cSld>
+  <p:clrMapOvr>
+    <a:masterClrMapping/>
+  </p:clrMapOvr>
+  <p:transition spd="med"/>
+</p:sld>
+</file>
+
+<file path=ppt/slides/slide7.xml><?xml version="1.0" encoding="utf-8"?>
+<p:sld xmlns:a="http://schemas.openxmlformats.org/drawingml/2006/main" xmlns:r="http://schemas.openxmlformats.org/officeDocument/2006/relationships" xmlns:p="http://schemas.openxmlformats.org/presentationml/2006/main">
+  <p:cSld>
+    <p:spTree>
+      <p:nvGrpSpPr>
+        <p:cNvPr id="1" name="">
+          <a:extLst>
+            <a:ext uri="{FF2B5EF4-FFF2-40B4-BE49-F238E27FC236}">
+              <a16:creationId xmlns:a16="http://schemas.microsoft.com/office/drawing/2014/main" id="{EC013972-EF05-1898-14C6-41B6D5C397EA}"/>
+            </a:ext>
+          </a:extLst>
+        </p:cNvPr>
+        <p:cNvGrpSpPr/>
+        <p:nvPr/>
+      </p:nvGrpSpPr>
+      <p:grpSpPr>
+        <a:xfrm>
+          <a:off x="0" y="0"/>
+          <a:ext cx="0" cy="0"/>
+          <a:chOff x="0" y="0"/>
+          <a:chExt cx="0" cy="0"/>
+        </a:xfrm>
+      </p:grpSpPr>
+      <p:sp>
+        <p:nvSpPr>
+          <p:cNvPr id="6" name="Title 1">
+            <a:extLst>
+              <a:ext uri="{FF2B5EF4-FFF2-40B4-BE49-F238E27FC236}">
+                <a16:creationId xmlns:a16="http://schemas.microsoft.com/office/drawing/2014/main" id="{0180F6F1-1E8F-B6EA-5DC7-2073EC312821}"/>
+              </a:ext>
+            </a:extLst>
+          </p:cNvPr>
+          <p:cNvSpPr>
+            <a:spLocks noGrp="1"/>
+          </p:cNvSpPr>
+          <p:nvPr>
+            <p:ph type="title"/>
+          </p:nvPr>
+        </p:nvSpPr>
+        <p:spPr>
+          <a:xfrm>
+            <a:off x="457200" y="205980"/>
+            <a:ext cx="8229600" cy="857251"/>
+          </a:xfrm>
+        </p:spPr>
+        <p:txBody>
+          <a:bodyPr>
+            <a:normAutofit/>
+          </a:bodyPr>
+          <a:lstStyle/>
+          <a:p>
+            <a:r>
+              <a:rPr lang="en-US" b="1" dirty="0">
+                <a:solidFill>
+                  <a:srgbClr val="0070C0"/>
+                </a:solidFill>
+              </a:rPr>
+              <a:t>CLP – </a:t>
+            </a:r>
+            <a:r>
+              <a:rPr lang="en-US" b="1" dirty="0" err="1">
+                <a:solidFill>
+                  <a:srgbClr val="0070C0"/>
+                </a:solidFill>
+              </a:rPr>
+              <a:t>Arquitetura</a:t>
+            </a:r>
+            <a:endParaRPr lang="en-US" b="1" dirty="0">
+              <a:solidFill>
+                <a:srgbClr val="0070C0"/>
+              </a:solidFill>
+            </a:endParaRPr>
+          </a:p>
+        </p:txBody>
+      </p:sp>
+      <p:sp>
+        <p:nvSpPr>
+          <p:cNvPr id="8" name="Text Placeholder 2">
+            <a:extLst>
+              <a:ext uri="{FF2B5EF4-FFF2-40B4-BE49-F238E27FC236}">
+                <a16:creationId xmlns:a16="http://schemas.microsoft.com/office/drawing/2014/main" id="{EE19A3DD-8A93-71F5-31A6-C3F37441D36D}"/>
+              </a:ext>
+            </a:extLst>
+          </p:cNvPr>
+          <p:cNvSpPr>
+            <a:spLocks noGrp="1"/>
+          </p:cNvSpPr>
+          <p:nvPr>
+            <p:ph type="body" sz="half" idx="1"/>
+          </p:nvPr>
+        </p:nvSpPr>
+        <p:spPr>
+          <a:xfrm>
+            <a:off x="142865" y="1035050"/>
+            <a:ext cx="8865056" cy="3994150"/>
+          </a:xfrm>
+        </p:spPr>
+        <p:txBody>
+          <a:bodyPr>
+            <a:noAutofit/>
+          </a:bodyPr>
+          <a:lstStyle/>
+          <a:p>
+            <a:pPr algn="just">
+              <a:buFont typeface="Wingdings" panose="05000000000000000000" pitchFamily="2" charset="2"/>
+              <a:buChar char="§"/>
+            </a:pPr>
+            <a:r>
+              <a:rPr lang="pt-BR" sz="2200" b="1" dirty="0">
+                <a:latin typeface="Times New Roman" panose="02020603050405020304" pitchFamily="18" charset="0"/>
+                <a:cs typeface="Times New Roman" panose="02020603050405020304" pitchFamily="18" charset="0"/>
+              </a:rPr>
+              <a:t>Entradas e Saídas (I/O)</a:t>
+            </a:r>
+          </a:p>
+          <a:p>
+            <a:pPr marL="0" indent="0" algn="just">
+              <a:buNone/>
+            </a:pPr>
+            <a:endParaRPr lang="pt-BR" sz="2200" dirty="0">
+              <a:latin typeface="Times New Roman" panose="02020603050405020304" pitchFamily="18" charset="0"/>
+              <a:cs typeface="Times New Roman" panose="02020603050405020304" pitchFamily="18" charset="0"/>
+            </a:endParaRPr>
+          </a:p>
+          <a:p>
+            <a:pPr algn="just">
+              <a:buFont typeface="Wingdings" panose="05000000000000000000" pitchFamily="2" charset="2"/>
+              <a:buChar char="v"/>
+            </a:pPr>
+            <a:r>
+              <a:rPr lang="pt-BR" sz="2200" b="1" dirty="0">
+                <a:solidFill>
+                  <a:srgbClr val="FF0000"/>
+                </a:solidFill>
+                <a:latin typeface="Times New Roman" panose="02020603050405020304" pitchFamily="18" charset="0"/>
+                <a:cs typeface="Times New Roman" panose="02020603050405020304" pitchFamily="18" charset="0"/>
+              </a:rPr>
+              <a:t>Entradas</a:t>
+            </a:r>
+            <a:r>
+              <a:rPr lang="pt-BR" sz="2200" dirty="0">
+                <a:latin typeface="Times New Roman" panose="02020603050405020304" pitchFamily="18" charset="0"/>
+                <a:cs typeface="Times New Roman" panose="02020603050405020304" pitchFamily="18" charset="0"/>
+              </a:rPr>
+              <a:t>: Sensores, interruptores, dispositivos que fornecem sinais ao CLP.</a:t>
+            </a:r>
+          </a:p>
+          <a:p>
+            <a:pPr algn="just">
+              <a:buFont typeface="Wingdings" panose="05000000000000000000" pitchFamily="2" charset="2"/>
+              <a:buChar char="v"/>
+            </a:pPr>
+            <a:endParaRPr lang="pt-BR" sz="2200" dirty="0">
+              <a:latin typeface="Times New Roman" panose="02020603050405020304" pitchFamily="18" charset="0"/>
+              <a:cs typeface="Times New Roman" panose="02020603050405020304" pitchFamily="18" charset="0"/>
+            </a:endParaRPr>
+          </a:p>
+          <a:p>
+            <a:pPr algn="just">
+              <a:buFont typeface="Wingdings" panose="05000000000000000000" pitchFamily="2" charset="2"/>
+              <a:buChar char="v"/>
+            </a:pPr>
+            <a:r>
+              <a:rPr lang="pt-BR" sz="2200" b="1" dirty="0">
+                <a:solidFill>
+                  <a:srgbClr val="FF0000"/>
+                </a:solidFill>
+                <a:latin typeface="Times New Roman" panose="02020603050405020304" pitchFamily="18" charset="0"/>
+                <a:cs typeface="Times New Roman" panose="02020603050405020304" pitchFamily="18" charset="0"/>
+              </a:rPr>
+              <a:t>Saídas</a:t>
+            </a:r>
+            <a:r>
+              <a:rPr lang="pt-BR" sz="2200" dirty="0">
+                <a:latin typeface="Times New Roman" panose="02020603050405020304" pitchFamily="18" charset="0"/>
+                <a:cs typeface="Times New Roman" panose="02020603050405020304" pitchFamily="18" charset="0"/>
+              </a:rPr>
+              <a:t>: Atuadores, motores, válvulas, dispositivos que recebem os comandos do CLP.</a:t>
+            </a:r>
+          </a:p>
+        </p:txBody>
+      </p:sp>
+    </p:spTree>
+    <p:extLst>
+      <p:ext uri="{BB962C8B-B14F-4D97-AF65-F5344CB8AC3E}">
+        <p14:creationId xmlns:p14="http://schemas.microsoft.com/office/powerpoint/2010/main" val="3593624066"/>
+      </p:ext>
+    </p:extLst>
+  </p:cSld>
+  <p:clrMapOvr>
+    <a:masterClrMapping/>
+  </p:clrMapOvr>
+  <p:transition spd="med"/>
+</p:sld>
+</file>
+
+<file path=ppt/slides/slide8.xml><?xml version="1.0" encoding="utf-8"?>
+<p:sld xmlns:a="http://schemas.openxmlformats.org/drawingml/2006/main" xmlns:r="http://schemas.openxmlformats.org/officeDocument/2006/relationships" xmlns:p="http://schemas.openxmlformats.org/presentationml/2006/main">
+  <p:cSld>
+    <p:spTree>
+      <p:nvGrpSpPr>
+        <p:cNvPr id="1" name="">
+          <a:extLst>
+            <a:ext uri="{FF2B5EF4-FFF2-40B4-BE49-F238E27FC236}">
+              <a16:creationId xmlns:a16="http://schemas.microsoft.com/office/drawing/2014/main" id="{42E30A44-9F01-06C1-8FA5-D2E0CA3BBCDE}"/>
+            </a:ext>
+          </a:extLst>
+        </p:cNvPr>
+        <p:cNvGrpSpPr/>
+        <p:nvPr/>
+      </p:nvGrpSpPr>
+      <p:grpSpPr>
+        <a:xfrm>
+          <a:off x="0" y="0"/>
+          <a:ext cx="0" cy="0"/>
+          <a:chOff x="0" y="0"/>
+          <a:chExt cx="0" cy="0"/>
+        </a:xfrm>
+      </p:grpSpPr>
+      <p:sp>
+        <p:nvSpPr>
+          <p:cNvPr id="6" name="Title 1">
+            <a:extLst>
+              <a:ext uri="{FF2B5EF4-FFF2-40B4-BE49-F238E27FC236}">
+                <a16:creationId xmlns:a16="http://schemas.microsoft.com/office/drawing/2014/main" id="{428903B1-5C54-2BFB-91CC-E65531FE49CB}"/>
+              </a:ext>
+            </a:extLst>
+          </p:cNvPr>
+          <p:cNvSpPr>
+            <a:spLocks noGrp="1"/>
+          </p:cNvSpPr>
+          <p:nvPr>
+            <p:ph type="title"/>
+          </p:nvPr>
+        </p:nvSpPr>
+        <p:spPr>
+          <a:xfrm>
+            <a:off x="457200" y="205980"/>
+            <a:ext cx="8229600" cy="857251"/>
+          </a:xfrm>
+        </p:spPr>
+        <p:txBody>
+          <a:bodyPr>
+            <a:normAutofit/>
+          </a:bodyPr>
+          <a:lstStyle/>
+          <a:p>
+            <a:r>
+              <a:rPr lang="en-US" b="1" dirty="0">
+                <a:solidFill>
+                  <a:srgbClr val="0070C0"/>
+                </a:solidFill>
+              </a:rPr>
+              <a:t>CLP – </a:t>
+            </a:r>
+            <a:r>
+              <a:rPr lang="en-US" b="1" dirty="0" err="1">
+                <a:solidFill>
+                  <a:srgbClr val="0070C0"/>
+                </a:solidFill>
+              </a:rPr>
+              <a:t>Arquitetura</a:t>
+            </a:r>
+            <a:endParaRPr lang="en-US" b="1" dirty="0">
+              <a:solidFill>
+                <a:srgbClr val="0070C0"/>
+              </a:solidFill>
+            </a:endParaRPr>
+          </a:p>
+        </p:txBody>
+      </p:sp>
+      <p:sp>
+        <p:nvSpPr>
+          <p:cNvPr id="8" name="Text Placeholder 2">
+            <a:extLst>
+              <a:ext uri="{FF2B5EF4-FFF2-40B4-BE49-F238E27FC236}">
+                <a16:creationId xmlns:a16="http://schemas.microsoft.com/office/drawing/2014/main" id="{1CA5CA01-C3B2-650C-188B-ED24D93AE4A5}"/>
+              </a:ext>
+            </a:extLst>
+          </p:cNvPr>
+          <p:cNvSpPr>
+            <a:spLocks noGrp="1"/>
+          </p:cNvSpPr>
+          <p:nvPr>
+            <p:ph type="body" sz="half" idx="1"/>
+          </p:nvPr>
+        </p:nvSpPr>
+        <p:spPr>
+          <a:xfrm>
+            <a:off x="142865" y="1035050"/>
+            <a:ext cx="8865056" cy="3994150"/>
+          </a:xfrm>
+        </p:spPr>
+        <p:txBody>
+          <a:bodyPr>
+            <a:noAutofit/>
+          </a:bodyPr>
+          <a:lstStyle/>
+          <a:p>
+            <a:pPr algn="just">
+              <a:buFont typeface="Wingdings" panose="05000000000000000000" pitchFamily="2" charset="2"/>
+              <a:buChar char="§"/>
+            </a:pPr>
+            <a:r>
+              <a:rPr lang="pt-BR" sz="2200" b="1" dirty="0">
+                <a:latin typeface="Times New Roman" panose="02020603050405020304" pitchFamily="18" charset="0"/>
+                <a:cs typeface="Times New Roman" panose="02020603050405020304" pitchFamily="18" charset="0"/>
+              </a:rPr>
+              <a:t>Fonte de alimentação</a:t>
+            </a:r>
+            <a:endParaRPr lang="pt-BR" sz="2200" dirty="0">
+              <a:latin typeface="Times New Roman" panose="02020603050405020304" pitchFamily="18" charset="0"/>
+              <a:cs typeface="Times New Roman" panose="02020603050405020304" pitchFamily="18" charset="0"/>
+            </a:endParaRPr>
+          </a:p>
+          <a:p>
+            <a:pPr algn="just">
+              <a:buFont typeface="Wingdings" panose="05000000000000000000" pitchFamily="2" charset="2"/>
+              <a:buChar char="ü"/>
+            </a:pPr>
+            <a:r>
+              <a:rPr lang="pt-BR" sz="2200" dirty="0">
+                <a:latin typeface="Times New Roman" panose="02020603050405020304" pitchFamily="18" charset="0"/>
+                <a:cs typeface="Times New Roman" panose="02020603050405020304" pitchFamily="18" charset="0"/>
+              </a:rPr>
+              <a:t>Responsável por alimentar o CLP e seus componentes com energia elétrica. Possui filtros para atenuar interferências elétricas da rede elétrica. Protege o CLP contra surtos de energia.</a:t>
+            </a:r>
+          </a:p>
+          <a:p>
+            <a:pPr marL="0" indent="0" algn="just">
+              <a:buNone/>
+            </a:pPr>
+            <a:endParaRPr lang="pt-BR" sz="2200" dirty="0">
+              <a:latin typeface="Times New Roman" panose="02020603050405020304" pitchFamily="18" charset="0"/>
+              <a:cs typeface="Times New Roman" panose="02020603050405020304" pitchFamily="18" charset="0"/>
+            </a:endParaRPr>
+          </a:p>
+          <a:p>
+            <a:pPr algn="just">
+              <a:buFont typeface="Wingdings" panose="05000000000000000000" pitchFamily="2" charset="2"/>
+              <a:buChar char="§"/>
+            </a:pPr>
+            <a:r>
+              <a:rPr lang="pt-BR" sz="2200" b="1" dirty="0">
+                <a:latin typeface="Times New Roman" panose="02020603050405020304" pitchFamily="18" charset="0"/>
+                <a:cs typeface="Times New Roman" panose="02020603050405020304" pitchFamily="18" charset="0"/>
+              </a:rPr>
+              <a:t>Interface de Comunicação (</a:t>
+            </a:r>
+            <a:r>
+              <a:rPr lang="pt-BR" sz="2200" dirty="0">
+                <a:latin typeface="Times New Roman" panose="02020603050405020304" pitchFamily="18" charset="0"/>
+                <a:cs typeface="Times New Roman" panose="02020603050405020304" pitchFamily="18" charset="0"/>
+              </a:rPr>
+              <a:t>inversores de frequência; CLP, IHM, </a:t>
+            </a:r>
+            <a:r>
+              <a:rPr lang="pt-BR" sz="2200" dirty="0" err="1">
+                <a:latin typeface="Times New Roman" panose="02020603050405020304" pitchFamily="18" charset="0"/>
+                <a:cs typeface="Times New Roman" panose="02020603050405020304" pitchFamily="18" charset="0"/>
+              </a:rPr>
+              <a:t>etc</a:t>
+            </a:r>
+            <a:r>
+              <a:rPr lang="pt-BR" sz="2200" b="1" dirty="0">
+                <a:latin typeface="Times New Roman" panose="02020603050405020304" pitchFamily="18" charset="0"/>
+                <a:cs typeface="Times New Roman" panose="02020603050405020304" pitchFamily="18" charset="0"/>
+              </a:rPr>
+              <a:t>)</a:t>
+            </a:r>
+            <a:endParaRPr lang="pt-BR" sz="2200" dirty="0">
+              <a:latin typeface="Times New Roman" panose="02020603050405020304" pitchFamily="18" charset="0"/>
+              <a:cs typeface="Times New Roman" panose="02020603050405020304" pitchFamily="18" charset="0"/>
+            </a:endParaRPr>
+          </a:p>
+          <a:p>
+            <a:pPr algn="just">
+              <a:buFont typeface="Wingdings" panose="05000000000000000000" pitchFamily="2" charset="2"/>
+              <a:buChar char="ü"/>
+            </a:pPr>
+            <a:r>
+              <a:rPr lang="pt-BR" sz="2200" dirty="0">
+                <a:latin typeface="Times New Roman" panose="02020603050405020304" pitchFamily="18" charset="0"/>
+                <a:cs typeface="Times New Roman" panose="02020603050405020304" pitchFamily="18" charset="0"/>
+              </a:rPr>
+              <a:t>Responsável pela comunicação com outros dispositivos</a:t>
+            </a:r>
+          </a:p>
+          <a:p>
+            <a:pPr algn="just">
+              <a:buFont typeface="Wingdings" panose="05000000000000000000" pitchFamily="2" charset="2"/>
+              <a:buChar char="ü"/>
+            </a:pPr>
+            <a:endParaRPr lang="pt-BR" sz="2200" dirty="0">
+              <a:latin typeface="Times New Roman" panose="02020603050405020304" pitchFamily="18" charset="0"/>
+              <a:cs typeface="Times New Roman" panose="02020603050405020304" pitchFamily="18" charset="0"/>
+            </a:endParaRPr>
+          </a:p>
+          <a:p>
+            <a:pPr algn="just">
+              <a:buFont typeface="Wingdings" panose="05000000000000000000" pitchFamily="2" charset="2"/>
+              <a:buChar char="§"/>
+            </a:pPr>
+            <a:r>
+              <a:rPr lang="pt-BR" sz="2200" b="1" dirty="0">
+                <a:latin typeface="Times New Roman" panose="02020603050405020304" pitchFamily="18" charset="0"/>
+                <a:cs typeface="Times New Roman" panose="02020603050405020304" pitchFamily="18" charset="0"/>
+              </a:rPr>
+              <a:t>Memória (Armazenamento)</a:t>
+            </a:r>
+            <a:endParaRPr lang="pt-BR" sz="2200" dirty="0">
+              <a:latin typeface="Times New Roman" panose="02020603050405020304" pitchFamily="18" charset="0"/>
+              <a:cs typeface="Times New Roman" panose="02020603050405020304" pitchFamily="18" charset="0"/>
+            </a:endParaRPr>
+          </a:p>
+          <a:p>
+            <a:pPr algn="just">
+              <a:buFont typeface="Wingdings" panose="05000000000000000000" pitchFamily="2" charset="2"/>
+              <a:buChar char="ü"/>
+            </a:pPr>
+            <a:r>
+              <a:rPr lang="pt-BR" sz="2200" dirty="0">
+                <a:latin typeface="Times New Roman" panose="02020603050405020304" pitchFamily="18" charset="0"/>
+                <a:cs typeface="Times New Roman" panose="02020603050405020304" pitchFamily="18" charset="0"/>
+              </a:rPr>
+              <a:t>Memória de programa e </a:t>
+            </a:r>
+            <a:r>
+              <a:rPr lang="pt-BR" sz="2200" b="1" dirty="0">
+                <a:solidFill>
+                  <a:srgbClr val="FF0000"/>
+                </a:solidFill>
+                <a:latin typeface="Times New Roman" panose="02020603050405020304" pitchFamily="18" charset="0"/>
+                <a:cs typeface="Times New Roman" panose="02020603050405020304" pitchFamily="18" charset="0"/>
+              </a:rPr>
+              <a:t>memória de dados</a:t>
+            </a:r>
+            <a:r>
+              <a:rPr lang="pt-BR" sz="2200" dirty="0">
+                <a:latin typeface="Times New Roman" panose="02020603050405020304" pitchFamily="18" charset="0"/>
+                <a:cs typeface="Times New Roman" panose="02020603050405020304" pitchFamily="18" charset="0"/>
+              </a:rPr>
+              <a:t>.</a:t>
+            </a:r>
+          </a:p>
+        </p:txBody>
+      </p:sp>
+    </p:spTree>
+    <p:extLst>
+      <p:ext uri="{BB962C8B-B14F-4D97-AF65-F5344CB8AC3E}">
+        <p14:creationId xmlns:p14="http://schemas.microsoft.com/office/powerpoint/2010/main" val="3863703943"/>
+      </p:ext>
+    </p:extLst>
+  </p:cSld>
+  <p:clrMapOvr>
+    <a:masterClrMapping/>
+  </p:clrMapOvr>
+  <p:transition spd="med"/>
+</p:sld>
+</file>
+
+<file path=ppt/slides/slide9.xml><?xml version="1.0" encoding="utf-8"?>
+<p:sld xmlns:a="http://schemas.openxmlformats.org/drawingml/2006/main" xmlns:r="http://schemas.openxmlformats.org/officeDocument/2006/relationships" xmlns:p="http://schemas.openxmlformats.org/presentationml/2006/main">
+  <p:cSld>
+    <p:spTree>
+      <p:nvGrpSpPr>
+        <p:cNvPr id="1" name="">
+          <a:extLst>
+            <a:ext uri="{FF2B5EF4-FFF2-40B4-BE49-F238E27FC236}">
+              <a16:creationId xmlns:a16="http://schemas.microsoft.com/office/drawing/2014/main" id="{64D8F0F5-415E-881F-7F95-4F651AC35107}"/>
+            </a:ext>
+          </a:extLst>
+        </p:cNvPr>
+        <p:cNvGrpSpPr/>
+        <p:nvPr/>
+      </p:nvGrpSpPr>
+      <p:grpSpPr>
+        <a:xfrm>
+          <a:off x="0" y="0"/>
+          <a:ext cx="0" cy="0"/>
+          <a:chOff x="0" y="0"/>
+          <a:chExt cx="0" cy="0"/>
+        </a:xfrm>
+      </p:grpSpPr>
+      <p:sp>
+        <p:nvSpPr>
+          <p:cNvPr id="6" name="Title 1">
+            <a:extLst>
+              <a:ext uri="{FF2B5EF4-FFF2-40B4-BE49-F238E27FC236}">
+                <a16:creationId xmlns:a16="http://schemas.microsoft.com/office/drawing/2014/main" id="{070EEA98-A860-81B2-E893-5CB6B6253290}"/>
+              </a:ext>
+            </a:extLst>
+          </p:cNvPr>
+          <p:cNvSpPr>
+            <a:spLocks noGrp="1"/>
+          </p:cNvSpPr>
+          <p:nvPr>
+            <p:ph type="title"/>
+          </p:nvPr>
+        </p:nvSpPr>
+        <p:spPr>
+          <a:xfrm>
+            <a:off x="457200" y="205980"/>
+            <a:ext cx="8229600" cy="857251"/>
+          </a:xfrm>
+        </p:spPr>
+        <p:txBody>
+          <a:bodyPr>
+            <a:normAutofit/>
+          </a:bodyPr>
+          <a:lstStyle/>
+          <a:p>
+            <a:r>
+              <a:rPr lang="en-US" b="1" dirty="0">
+                <a:solidFill>
+                  <a:srgbClr val="0070C0"/>
+                </a:solidFill>
+              </a:rPr>
+              <a:t>CLP – </a:t>
+            </a:r>
+            <a:r>
+              <a:rPr lang="en-US" b="1" dirty="0" err="1">
+                <a:solidFill>
+                  <a:srgbClr val="0070C0"/>
+                </a:solidFill>
+              </a:rPr>
+              <a:t>Arquitetura</a:t>
+            </a:r>
+            <a:endParaRPr lang="en-US" b="1" dirty="0">
+              <a:solidFill>
+                <a:srgbClr val="0070C0"/>
+              </a:solidFill>
+            </a:endParaRPr>
+          </a:p>
+        </p:txBody>
+      </p:sp>
+      <p:sp>
+        <p:nvSpPr>
+          <p:cNvPr id="8" name="Text Placeholder 2">
+            <a:extLst>
+              <a:ext uri="{FF2B5EF4-FFF2-40B4-BE49-F238E27FC236}">
+                <a16:creationId xmlns:a16="http://schemas.microsoft.com/office/drawing/2014/main" id="{32700833-ADDB-2A8A-8D81-DB28DB29C345}"/>
+              </a:ext>
+            </a:extLst>
+          </p:cNvPr>
+          <p:cNvSpPr>
+            <a:spLocks noGrp="1"/>
+          </p:cNvSpPr>
+          <p:nvPr>
+            <p:ph type="body" sz="half" idx="1"/>
+          </p:nvPr>
+        </p:nvSpPr>
+        <p:spPr>
+          <a:xfrm>
+            <a:off x="139472" y="1109008"/>
+            <a:ext cx="8865056" cy="3994150"/>
+          </a:xfrm>
+        </p:spPr>
+        <p:txBody>
+          <a:bodyPr>
+            <a:noAutofit/>
+          </a:bodyPr>
+          <a:lstStyle/>
+          <a:p>
+            <a:pPr marL="0" indent="0" algn="just">
+              <a:buNone/>
+            </a:pPr>
+            <a:r>
+              <a:rPr lang="pt-BR" sz="2200" dirty="0">
+                <a:latin typeface="Times New Roman" panose="02020603050405020304" pitchFamily="18" charset="0"/>
+                <a:cs typeface="Times New Roman" panose="02020603050405020304" pitchFamily="18" charset="0"/>
+              </a:rPr>
+              <a:t>.</a:t>
+            </a:r>
+          </a:p>
+          <a:p>
+            <a:pPr marL="0" indent="0" algn="just">
+              <a:buNone/>
+            </a:pPr>
+            <a:endParaRPr lang="pt-BR" sz="2200" dirty="0">
+              <a:latin typeface="Times New Roman" panose="02020603050405020304" pitchFamily="18" charset="0"/>
+              <a:cs typeface="Times New Roman" panose="02020603050405020304" pitchFamily="18" charset="0"/>
+            </a:endParaRPr>
+          </a:p>
+        </p:txBody>
+      </p:sp>
+      <p:pic>
+        <p:nvPicPr>
+          <p:cNvPr id="5" name="Imagem 4" descr="Diagrama&#10;&#10;O conteúdo gerado por IA pode estar incorreto.">
+            <a:extLst>
+              <a:ext uri="{FF2B5EF4-FFF2-40B4-BE49-F238E27FC236}">
+                <a16:creationId xmlns:a16="http://schemas.microsoft.com/office/drawing/2014/main" id="{F107093A-8B0F-EBFC-4F89-66CB920E1F98}"/>
+              </a:ext>
+            </a:extLst>
+          </p:cNvPr>
+          <p:cNvPicPr>
+            <a:picLocks noChangeAspect="1"/>
+          </p:cNvPicPr>
+          <p:nvPr/>
+        </p:nvPicPr>
+        <p:blipFill>
+          <a:blip r:embed="rId3">
+            <a:extLst>
+              <a:ext uri="{28A0092B-C50C-407E-A947-70E740481C1C}">
+                <a14:useLocalDpi xmlns:a14="http://schemas.microsoft.com/office/drawing/2010/main" val="0"/>
+              </a:ext>
+            </a:extLst>
+          </a:blip>
+          <a:stretch>
+            <a:fillRect/>
+          </a:stretch>
+        </p:blipFill>
+        <p:spPr>
+          <a:xfrm>
+            <a:off x="84804" y="1066592"/>
+            <a:ext cx="7876617" cy="3996225"/>
+          </a:xfrm>
+          <a:prstGeom prst="rect">
+            <a:avLst/>
+          </a:prstGeom>
+        </p:spPr>
+      </p:pic>
+    </p:spTree>
+    <p:extLst>
+      <p:ext uri="{BB962C8B-B14F-4D97-AF65-F5344CB8AC3E}">
+        <p14:creationId xmlns:p14="http://schemas.microsoft.com/office/powerpoint/2010/main" val="1226790653"/>
+      </p:ext>
+    </p:extLst>
   </p:cSld>
   <p:clrMapOvr>
     <a:masterClrMapping/>

--- a/01 Classes/Aula2 - CLP - Arquitetura.pptx
+++ b/01 Classes/Aula2 - CLP - Arquitetura.pptx
@@ -6126,130 +6126,20 @@
             <a:pPr marL="0" indent="0" algn="just">
               <a:buNone/>
             </a:pPr>
-            <a:endParaRPr lang="pt-BR" sz="2200" dirty="0">
-              <a:latin typeface="Times New Roman" panose="02020603050405020304" pitchFamily="18" charset="0"/>
-              <a:cs typeface="Times New Roman" panose="02020603050405020304" pitchFamily="18" charset="0"/>
-            </a:endParaRPr>
-          </a:p>
-          <a:p>
-            <a:pPr algn="just">
-              <a:buFont typeface="Wingdings" panose="05000000000000000000" pitchFamily="2" charset="2"/>
-              <a:buChar char="v"/>
-            </a:pPr>
-            <a:r>
-              <a:rPr lang="pt-BR" sz="2200" b="1" dirty="0">
-                <a:solidFill>
-                  <a:srgbClr val="FF0000"/>
-                </a:solidFill>
-                <a:latin typeface="Times New Roman" panose="02020603050405020304" pitchFamily="18" charset="0"/>
-                <a:cs typeface="Times New Roman" panose="02020603050405020304" pitchFamily="18" charset="0"/>
-              </a:rPr>
-              <a:t>Linguagens de programação gráficas e textuais</a:t>
-            </a:r>
             <a:r>
               <a:rPr lang="pt-BR" sz="2200" dirty="0">
                 <a:latin typeface="Times New Roman" panose="02020603050405020304" pitchFamily="18" charset="0"/>
                 <a:cs typeface="Times New Roman" panose="02020603050405020304" pitchFamily="18" charset="0"/>
-              </a:rPr>
-              <a:t>: </a:t>
-            </a:r>
-            <a:r>
-              <a:rPr lang="pt-BR" sz="2200" dirty="0" err="1">
-                <a:latin typeface="Times New Roman" panose="02020603050405020304" pitchFamily="18" charset="0"/>
-                <a:cs typeface="Times New Roman" panose="02020603050405020304" pitchFamily="18" charset="0"/>
-              </a:rPr>
-              <a:t>Ladder</a:t>
+                <a:hlinkClick r:id="rId3"/>
+              </a:rPr>
+              <a:t>https://www.iec.ch/homepage</a:t>
             </a:r>
             <a:r>
               <a:rPr lang="pt-BR" sz="2200" dirty="0">
                 <a:latin typeface="Times New Roman" panose="02020603050405020304" pitchFamily="18" charset="0"/>
                 <a:cs typeface="Times New Roman" panose="02020603050405020304" pitchFamily="18" charset="0"/>
               </a:rPr>
-              <a:t> (</a:t>
-            </a:r>
-            <a:r>
-              <a:rPr lang="pt-BR" sz="2200" b="1" dirty="0">
-                <a:latin typeface="Times New Roman" panose="02020603050405020304" pitchFamily="18" charset="0"/>
-                <a:cs typeface="Times New Roman" panose="02020603050405020304" pitchFamily="18" charset="0"/>
-              </a:rPr>
-              <a:t>LD</a:t>
-            </a:r>
-            <a:r>
-              <a:rPr lang="pt-BR" sz="2200" dirty="0">
-                <a:latin typeface="Times New Roman" panose="02020603050405020304" pitchFamily="18" charset="0"/>
-                <a:cs typeface="Times New Roman" panose="02020603050405020304" pitchFamily="18" charset="0"/>
-              </a:rPr>
-              <a:t>) (</a:t>
-            </a:r>
-            <a:r>
-              <a:rPr lang="pt-BR" sz="2200" b="1" dirty="0">
-                <a:latin typeface="Times New Roman" panose="02020603050405020304" pitchFamily="18" charset="0"/>
-                <a:cs typeface="Times New Roman" panose="02020603050405020304" pitchFamily="18" charset="0"/>
-              </a:rPr>
-              <a:t>ou Diagrama de Escada</a:t>
-            </a:r>
-            <a:r>
-              <a:rPr lang="pt-BR" sz="2200" dirty="0">
-                <a:latin typeface="Times New Roman" panose="02020603050405020304" pitchFamily="18" charset="0"/>
-                <a:cs typeface="Times New Roman" panose="02020603050405020304" pitchFamily="18" charset="0"/>
-              </a:rPr>
-              <a:t>) , Bloco Funcional (</a:t>
-            </a:r>
-            <a:r>
-              <a:rPr lang="pt-BR" sz="2200" b="1" dirty="0">
-                <a:latin typeface="Times New Roman" panose="02020603050405020304" pitchFamily="18" charset="0"/>
-                <a:cs typeface="Times New Roman" panose="02020603050405020304" pitchFamily="18" charset="0"/>
-              </a:rPr>
-              <a:t>FBD</a:t>
-            </a:r>
-            <a:r>
-              <a:rPr lang="pt-BR" sz="2200" dirty="0">
-                <a:latin typeface="Times New Roman" panose="02020603050405020304" pitchFamily="18" charset="0"/>
-                <a:cs typeface="Times New Roman" panose="02020603050405020304" pitchFamily="18" charset="0"/>
-              </a:rPr>
-              <a:t>), </a:t>
-            </a:r>
-            <a:r>
-              <a:rPr lang="pt-BR" sz="2200" dirty="0" err="1">
-                <a:latin typeface="Times New Roman" panose="02020603050405020304" pitchFamily="18" charset="0"/>
-                <a:cs typeface="Times New Roman" panose="02020603050405020304" pitchFamily="18" charset="0"/>
-              </a:rPr>
-              <a:t>Grafcet</a:t>
-            </a:r>
-            <a:r>
-              <a:rPr lang="pt-BR" sz="2200" dirty="0">
-                <a:latin typeface="Times New Roman" panose="02020603050405020304" pitchFamily="18" charset="0"/>
-                <a:cs typeface="Times New Roman" panose="02020603050405020304" pitchFamily="18" charset="0"/>
-              </a:rPr>
-              <a:t> (</a:t>
-            </a:r>
-            <a:r>
-              <a:rPr lang="pt-BR" sz="2200" b="1" dirty="0">
-                <a:latin typeface="Times New Roman" panose="02020603050405020304" pitchFamily="18" charset="0"/>
-                <a:cs typeface="Times New Roman" panose="02020603050405020304" pitchFamily="18" charset="0"/>
-              </a:rPr>
-              <a:t>SFC</a:t>
-            </a:r>
-            <a:r>
-              <a:rPr lang="pt-BR" sz="2200" dirty="0">
-                <a:latin typeface="Times New Roman" panose="02020603050405020304" pitchFamily="18" charset="0"/>
-                <a:cs typeface="Times New Roman" panose="02020603050405020304" pitchFamily="18" charset="0"/>
-              </a:rPr>
-              <a:t>), Texto Estruturado (</a:t>
-            </a:r>
-            <a:r>
-              <a:rPr lang="pt-BR" sz="2200" b="1" dirty="0">
-                <a:latin typeface="Times New Roman" panose="02020603050405020304" pitchFamily="18" charset="0"/>
-                <a:cs typeface="Times New Roman" panose="02020603050405020304" pitchFamily="18" charset="0"/>
-              </a:rPr>
-              <a:t>SCL</a:t>
-            </a:r>
-            <a:r>
-              <a:rPr lang="pt-BR" sz="2200" dirty="0">
-                <a:latin typeface="Times New Roman" panose="02020603050405020304" pitchFamily="18" charset="0"/>
-                <a:cs typeface="Times New Roman" panose="02020603050405020304" pitchFamily="18" charset="0"/>
-              </a:rPr>
-              <a:t>), Lista de Instruções (LI) etc.</a:t>
+              <a:t> </a:t>
             </a:r>
           </a:p>
           <a:p>
@@ -6274,6 +6164,178 @@
                 <a:latin typeface="Times New Roman" panose="02020603050405020304" pitchFamily="18" charset="0"/>
                 <a:cs typeface="Times New Roman" panose="02020603050405020304" pitchFamily="18" charset="0"/>
               </a:rPr>
+              <a:t>Linguagens de programação gráficas e textuais</a:t>
+            </a:r>
+            <a:r>
+              <a:rPr lang="pt-BR" sz="2200" dirty="0">
+                <a:latin typeface="Times New Roman" panose="02020603050405020304" pitchFamily="18" charset="0"/>
+                <a:cs typeface="Times New Roman" panose="02020603050405020304" pitchFamily="18" charset="0"/>
+              </a:rPr>
+              <a:t>: </a:t>
+            </a:r>
+            <a:r>
+              <a:rPr lang="pt-BR" sz="2200" dirty="0" err="1">
+                <a:latin typeface="Times New Roman" panose="02020603050405020304" pitchFamily="18" charset="0"/>
+                <a:cs typeface="Times New Roman" panose="02020603050405020304" pitchFamily="18" charset="0"/>
+              </a:rPr>
+              <a:t>Ladder</a:t>
+            </a:r>
+            <a:r>
+              <a:rPr lang="pt-BR" sz="2200" dirty="0">
+                <a:latin typeface="Times New Roman" panose="02020603050405020304" pitchFamily="18" charset="0"/>
+                <a:cs typeface="Times New Roman" panose="02020603050405020304" pitchFamily="18" charset="0"/>
+              </a:rPr>
+              <a:t> (</a:t>
+            </a:r>
+            <a:r>
+              <a:rPr lang="pt-BR" sz="2200" b="1" dirty="0">
+                <a:latin typeface="Times New Roman" panose="02020603050405020304" pitchFamily="18" charset="0"/>
+                <a:cs typeface="Times New Roman" panose="02020603050405020304" pitchFamily="18" charset="0"/>
+              </a:rPr>
+              <a:t>LD</a:t>
+            </a:r>
+            <a:r>
+              <a:rPr lang="pt-BR" sz="2200" dirty="0">
+                <a:latin typeface="Times New Roman" panose="02020603050405020304" pitchFamily="18" charset="0"/>
+                <a:cs typeface="Times New Roman" panose="02020603050405020304" pitchFamily="18" charset="0"/>
+              </a:rPr>
+              <a:t>) </a:t>
+            </a:r>
+            <a:r>
+              <a:rPr lang="pt-BR" sz="2200" b="1" dirty="0">
+                <a:latin typeface="Times New Roman" panose="02020603050405020304" pitchFamily="18" charset="0"/>
+                <a:cs typeface="Times New Roman" panose="02020603050405020304" pitchFamily="18" charset="0"/>
+              </a:rPr>
+              <a:t>ou Diagrama de Escada</a:t>
+            </a:r>
+            <a:r>
+              <a:rPr lang="pt-BR" sz="2200" dirty="0">
+                <a:latin typeface="Times New Roman" panose="02020603050405020304" pitchFamily="18" charset="0"/>
+                <a:cs typeface="Times New Roman" panose="02020603050405020304" pitchFamily="18" charset="0"/>
+              </a:rPr>
+              <a:t>, Diagrama de Bloco Funcional (</a:t>
+            </a:r>
+            <a:r>
+              <a:rPr lang="pt-BR" sz="2200" b="1" dirty="0">
+                <a:latin typeface="Times New Roman" panose="02020603050405020304" pitchFamily="18" charset="0"/>
+                <a:cs typeface="Times New Roman" panose="02020603050405020304" pitchFamily="18" charset="0"/>
+              </a:rPr>
+              <a:t>FBD</a:t>
+            </a:r>
+            <a:r>
+              <a:rPr lang="pt-BR" sz="2200" dirty="0">
+                <a:latin typeface="Times New Roman" panose="02020603050405020304" pitchFamily="18" charset="0"/>
+                <a:cs typeface="Times New Roman" panose="02020603050405020304" pitchFamily="18" charset="0"/>
+              </a:rPr>
+              <a:t>), </a:t>
+            </a:r>
+            <a:r>
+              <a:rPr lang="pt-BR" sz="2200" dirty="0" err="1">
+                <a:latin typeface="Times New Roman" panose="02020603050405020304" pitchFamily="18" charset="0"/>
+                <a:cs typeface="Times New Roman" panose="02020603050405020304" pitchFamily="18" charset="0"/>
+              </a:rPr>
+              <a:t>Grafcet</a:t>
+            </a:r>
+            <a:r>
+              <a:rPr lang="pt-BR" sz="2200" dirty="0">
+                <a:latin typeface="Times New Roman" panose="02020603050405020304" pitchFamily="18" charset="0"/>
+                <a:cs typeface="Times New Roman" panose="02020603050405020304" pitchFamily="18" charset="0"/>
+              </a:rPr>
+              <a:t> (</a:t>
+            </a:r>
+            <a:r>
+              <a:rPr lang="pt-BR" sz="2200" b="1" dirty="0">
+                <a:latin typeface="Times New Roman" panose="02020603050405020304" pitchFamily="18" charset="0"/>
+                <a:cs typeface="Times New Roman" panose="02020603050405020304" pitchFamily="18" charset="0"/>
+              </a:rPr>
+              <a:t>SFC</a:t>
+            </a:r>
+            <a:r>
+              <a:rPr lang="pt-BR" sz="2200" dirty="0">
+                <a:latin typeface="Times New Roman" panose="02020603050405020304" pitchFamily="18" charset="0"/>
+                <a:cs typeface="Times New Roman" panose="02020603050405020304" pitchFamily="18" charset="0"/>
+              </a:rPr>
+              <a:t>) Diagrama de Fluxo, Texto Estruturado </a:t>
+            </a:r>
+            <a:r>
+              <a:rPr lang="pt-BR" sz="2200">
+                <a:latin typeface="Times New Roman" panose="02020603050405020304" pitchFamily="18" charset="0"/>
+                <a:cs typeface="Times New Roman" panose="02020603050405020304" pitchFamily="18" charset="0"/>
+              </a:rPr>
+              <a:t>(</a:t>
+            </a:r>
+            <a:r>
+              <a:rPr lang="pt-BR" sz="2200" b="1">
+                <a:latin typeface="Times New Roman" panose="02020603050405020304" pitchFamily="18" charset="0"/>
+                <a:cs typeface="Times New Roman" panose="02020603050405020304" pitchFamily="18" charset="0"/>
+              </a:rPr>
+              <a:t>ST ou SCL</a:t>
+            </a:r>
+            <a:r>
+              <a:rPr lang="pt-BR" sz="2200">
+                <a:latin typeface="Times New Roman" panose="02020603050405020304" pitchFamily="18" charset="0"/>
+                <a:cs typeface="Times New Roman" panose="02020603050405020304" pitchFamily="18" charset="0"/>
+              </a:rPr>
+              <a:t>), </a:t>
+            </a:r>
+            <a:r>
+              <a:rPr lang="pt-BR" sz="2200" dirty="0">
+                <a:latin typeface="Times New Roman" panose="02020603050405020304" pitchFamily="18" charset="0"/>
+                <a:cs typeface="Times New Roman" panose="02020603050405020304" pitchFamily="18" charset="0"/>
+              </a:rPr>
+              <a:t>Lista de Instruções </a:t>
+            </a:r>
+            <a:r>
+              <a:rPr lang="pt-BR" sz="2200">
+                <a:latin typeface="Times New Roman" panose="02020603050405020304" pitchFamily="18" charset="0"/>
+                <a:cs typeface="Times New Roman" panose="02020603050405020304" pitchFamily="18" charset="0"/>
+              </a:rPr>
+              <a:t>(</a:t>
+            </a:r>
+            <a:r>
+              <a:rPr lang="pt-BR" sz="2200" b="1">
+                <a:latin typeface="Times New Roman" panose="02020603050405020304" pitchFamily="18" charset="0"/>
+                <a:cs typeface="Times New Roman" panose="02020603050405020304" pitchFamily="18" charset="0"/>
+              </a:rPr>
+              <a:t>IL ou STL</a:t>
+            </a:r>
+            <a:r>
+              <a:rPr lang="pt-BR" sz="2200">
+                <a:latin typeface="Times New Roman" panose="02020603050405020304" pitchFamily="18" charset="0"/>
+                <a:cs typeface="Times New Roman" panose="02020603050405020304" pitchFamily="18" charset="0"/>
+              </a:rPr>
+              <a:t>) </a:t>
+            </a:r>
+            <a:r>
+              <a:rPr lang="pt-BR" sz="2200" dirty="0">
+                <a:latin typeface="Times New Roman" panose="02020603050405020304" pitchFamily="18" charset="0"/>
+                <a:cs typeface="Times New Roman" panose="02020603050405020304" pitchFamily="18" charset="0"/>
+              </a:rPr>
+              <a:t>etc.</a:t>
+            </a:r>
+          </a:p>
+          <a:p>
+            <a:pPr marL="0" indent="0" algn="just">
+              <a:buNone/>
+            </a:pPr>
+            <a:endParaRPr lang="pt-BR" sz="2200" dirty="0">
+              <a:latin typeface="Times New Roman" panose="02020603050405020304" pitchFamily="18" charset="0"/>
+              <a:cs typeface="Times New Roman" panose="02020603050405020304" pitchFamily="18" charset="0"/>
+            </a:endParaRPr>
+          </a:p>
+          <a:p>
+            <a:pPr algn="just">
+              <a:buFont typeface="Wingdings" panose="05000000000000000000" pitchFamily="2" charset="2"/>
+              <a:buChar char="v"/>
+            </a:pPr>
+            <a:r>
+              <a:rPr lang="pt-BR" sz="2200" b="1" dirty="0">
+                <a:solidFill>
+                  <a:srgbClr val="FF0000"/>
+                </a:solidFill>
+                <a:latin typeface="Times New Roman" panose="02020603050405020304" pitchFamily="18" charset="0"/>
+                <a:cs typeface="Times New Roman" panose="02020603050405020304" pitchFamily="18" charset="0"/>
+              </a:rPr>
               <a:t>Exemplo</a:t>
             </a:r>
             <a:r>
@@ -6304,7 +6366,7 @@
               <a:t>Ladder</a:t>
             </a:r>
             <a:r>
-              <a:rPr lang="pt-BR" sz="2200" b="1">
+              <a:rPr lang="pt-BR" sz="2200" b="1" dirty="0">
                 <a:solidFill>
                   <a:srgbClr val="FF0000"/>
                 </a:solidFill>
@@ -6314,24 +6376,14 @@
               <a:t>: </a:t>
             </a:r>
             <a:r>
-              <a:rPr lang="pt-BR" sz="2200">
+              <a:rPr lang="pt-BR" sz="2200" dirty="0">
                 <a:solidFill>
                   <a:schemeClr val="tx1"/>
                 </a:solidFill>
                 <a:latin typeface="Times New Roman" panose="02020603050405020304" pitchFamily="18" charset="0"/>
                 <a:cs typeface="Times New Roman" panose="02020603050405020304" pitchFamily="18" charset="0"/>
               </a:rPr>
-              <a:t>Controle </a:t>
-            </a:r>
-            <a:r>
-              <a:rPr lang="pt-BR" sz="2200" dirty="0">
-                <a:solidFill>
-                  <a:schemeClr val="tx1"/>
-                </a:solidFill>
-                <a:latin typeface="Times New Roman" panose="02020603050405020304" pitchFamily="18" charset="0"/>
-                <a:cs typeface="Times New Roman" panose="02020603050405020304" pitchFamily="18" charset="0"/>
-              </a:rPr>
-              <a:t>de um motor</a:t>
+              <a:t>Controle de um motor</a:t>
             </a:r>
             <a:r>
               <a:rPr lang="pt-BR" sz="2200" dirty="0">
